--- a/materials/presentations/Modele Skalowania Baz Danych.pptx
+++ b/materials/presentations/Modele Skalowania Baz Danych.pptx
@@ -5,17 +5,22 @@
     <p:sldMasterId id="2147483648" r:id="rId1"/>
   </p:sldMasterIdLst>
   <p:notesMasterIdLst>
-    <p:notesMasterId r:id="rId10"/>
+    <p:notesMasterId r:id="rId15"/>
   </p:notesMasterIdLst>
   <p:sldIdLst>
     <p:sldId id="256" r:id="rId2"/>
     <p:sldId id="287" r:id="rId3"/>
     <p:sldId id="288" r:id="rId4"/>
     <p:sldId id="289" r:id="rId5"/>
-    <p:sldId id="283" r:id="rId6"/>
-    <p:sldId id="290" r:id="rId7"/>
-    <p:sldId id="284" r:id="rId8"/>
-    <p:sldId id="285" r:id="rId9"/>
+    <p:sldId id="291" r:id="rId6"/>
+    <p:sldId id="292" r:id="rId7"/>
+    <p:sldId id="259" r:id="rId8"/>
+    <p:sldId id="290" r:id="rId9"/>
+    <p:sldId id="284" r:id="rId10"/>
+    <p:sldId id="285" r:id="rId11"/>
+    <p:sldId id="264" r:id="rId12"/>
+    <p:sldId id="294" r:id="rId13"/>
+    <p:sldId id="293" r:id="rId14"/>
   </p:sldIdLst>
   <p:sldSz cx="12192000" cy="6858000"/>
   <p:notesSz cx="6858000" cy="9144000"/>
@@ -122,6 +127,2961 @@
 </p:presentation>
 </file>
 
+<file path=ppt/diagrams/colors1.xml><?xml version="1.0" encoding="utf-8"?>
+<dgm:colorsDef xmlns:dgm="http://schemas.openxmlformats.org/drawingml/2006/diagram" xmlns:a="http://schemas.openxmlformats.org/drawingml/2006/main" uniqueId="urn:microsoft.com/office/officeart/2005/8/colors/colorful1">
+  <dgm:title val=""/>
+  <dgm:desc val=""/>
+  <dgm:catLst>
+    <dgm:cat type="colorful" pri="10100"/>
+  </dgm:catLst>
+  <dgm:styleLbl name="node0">
+    <dgm:fillClrLst meth="repeat">
+      <a:schemeClr val="accent1"/>
+    </dgm:fillClrLst>
+    <dgm:linClrLst meth="repeat">
+      <a:schemeClr val="lt1"/>
+    </dgm:linClrLst>
+    <dgm:effectClrLst/>
+    <dgm:txLinClrLst/>
+    <dgm:txFillClrLst/>
+    <dgm:txEffectClrLst/>
+  </dgm:styleLbl>
+  <dgm:styleLbl name="node1">
+    <dgm:fillClrLst meth="repeat">
+      <a:schemeClr val="accent2"/>
+      <a:schemeClr val="accent3"/>
+      <a:schemeClr val="accent4"/>
+      <a:schemeClr val="accent5"/>
+      <a:schemeClr val="accent6"/>
+    </dgm:fillClrLst>
+    <dgm:linClrLst meth="repeat">
+      <a:schemeClr val="lt1"/>
+    </dgm:linClrLst>
+    <dgm:effectClrLst/>
+    <dgm:txLinClrLst/>
+    <dgm:txFillClrLst/>
+    <dgm:txEffectClrLst/>
+  </dgm:styleLbl>
+  <dgm:styleLbl name="alignNode1">
+    <dgm:fillClrLst meth="repeat">
+      <a:schemeClr val="accent2"/>
+      <a:schemeClr val="accent3"/>
+      <a:schemeClr val="accent4"/>
+      <a:schemeClr val="accent5"/>
+      <a:schemeClr val="accent6"/>
+    </dgm:fillClrLst>
+    <dgm:linClrLst meth="repeat">
+      <a:schemeClr val="accent2"/>
+      <a:schemeClr val="accent3"/>
+      <a:schemeClr val="accent4"/>
+      <a:schemeClr val="accent5"/>
+      <a:schemeClr val="accent6"/>
+    </dgm:linClrLst>
+    <dgm:effectClrLst/>
+    <dgm:txLinClrLst/>
+    <dgm:txFillClrLst/>
+    <dgm:txEffectClrLst/>
+  </dgm:styleLbl>
+  <dgm:styleLbl name="lnNode1">
+    <dgm:fillClrLst meth="repeat">
+      <a:schemeClr val="accent2"/>
+      <a:schemeClr val="accent3"/>
+      <a:schemeClr val="accent4"/>
+      <a:schemeClr val="accent5"/>
+      <a:schemeClr val="accent6"/>
+    </dgm:fillClrLst>
+    <dgm:linClrLst meth="repeat">
+      <a:schemeClr val="lt1"/>
+    </dgm:linClrLst>
+    <dgm:effectClrLst/>
+    <dgm:txLinClrLst/>
+    <dgm:txFillClrLst/>
+    <dgm:txEffectClrLst/>
+  </dgm:styleLbl>
+  <dgm:styleLbl name="vennNode1">
+    <dgm:fillClrLst meth="repeat">
+      <a:schemeClr val="accent2">
+        <a:alpha val="50000"/>
+      </a:schemeClr>
+      <a:schemeClr val="accent3">
+        <a:alpha val="50000"/>
+      </a:schemeClr>
+      <a:schemeClr val="accent4">
+        <a:alpha val="50000"/>
+      </a:schemeClr>
+      <a:schemeClr val="accent5">
+        <a:alpha val="50000"/>
+      </a:schemeClr>
+      <a:schemeClr val="accent6">
+        <a:alpha val="50000"/>
+      </a:schemeClr>
+    </dgm:fillClrLst>
+    <dgm:linClrLst meth="repeat">
+      <a:schemeClr val="lt1"/>
+    </dgm:linClrLst>
+    <dgm:effectClrLst/>
+    <dgm:txLinClrLst/>
+    <dgm:txFillClrLst/>
+    <dgm:txEffectClrLst/>
+  </dgm:styleLbl>
+  <dgm:styleLbl name="node2">
+    <dgm:fillClrLst>
+      <a:schemeClr val="accent2"/>
+    </dgm:fillClrLst>
+    <dgm:linClrLst meth="repeat">
+      <a:schemeClr val="lt1"/>
+    </dgm:linClrLst>
+    <dgm:effectClrLst/>
+    <dgm:txLinClrLst/>
+    <dgm:txFillClrLst/>
+    <dgm:txEffectClrLst/>
+  </dgm:styleLbl>
+  <dgm:styleLbl name="node3">
+    <dgm:fillClrLst>
+      <a:schemeClr val="accent3"/>
+    </dgm:fillClrLst>
+    <dgm:linClrLst meth="repeat">
+      <a:schemeClr val="lt1"/>
+    </dgm:linClrLst>
+    <dgm:effectClrLst/>
+    <dgm:txLinClrLst/>
+    <dgm:txFillClrLst/>
+    <dgm:txEffectClrLst/>
+  </dgm:styleLbl>
+  <dgm:styleLbl name="node4">
+    <dgm:fillClrLst>
+      <a:schemeClr val="accent4"/>
+    </dgm:fillClrLst>
+    <dgm:linClrLst meth="repeat">
+      <a:schemeClr val="lt1"/>
+    </dgm:linClrLst>
+    <dgm:effectClrLst/>
+    <dgm:txLinClrLst/>
+    <dgm:txFillClrLst/>
+    <dgm:txEffectClrLst/>
+  </dgm:styleLbl>
+  <dgm:styleLbl name="fgImgPlace1">
+    <dgm:fillClrLst meth="repeat">
+      <a:schemeClr val="accent2">
+        <a:tint val="50000"/>
+      </a:schemeClr>
+      <a:schemeClr val="accent3">
+        <a:tint val="50000"/>
+      </a:schemeClr>
+      <a:schemeClr val="accent4">
+        <a:tint val="50000"/>
+      </a:schemeClr>
+      <a:schemeClr val="accent5">
+        <a:tint val="50000"/>
+      </a:schemeClr>
+      <a:schemeClr val="accent6">
+        <a:tint val="50000"/>
+      </a:schemeClr>
+    </dgm:fillClrLst>
+    <dgm:linClrLst meth="repeat">
+      <a:schemeClr val="lt1"/>
+    </dgm:linClrLst>
+    <dgm:effectClrLst/>
+    <dgm:txLinClrLst/>
+    <dgm:txFillClrLst meth="repeat">
+      <a:schemeClr val="lt1"/>
+    </dgm:txFillClrLst>
+    <dgm:txEffectClrLst/>
+  </dgm:styleLbl>
+  <dgm:styleLbl name="alignImgPlace1">
+    <dgm:fillClrLst>
+      <a:schemeClr val="accent1">
+        <a:tint val="50000"/>
+      </a:schemeClr>
+      <a:schemeClr val="accent2">
+        <a:tint val="20000"/>
+      </a:schemeClr>
+    </dgm:fillClrLst>
+    <dgm:linClrLst meth="repeat">
+      <a:schemeClr val="lt1"/>
+    </dgm:linClrLst>
+    <dgm:effectClrLst/>
+    <dgm:txLinClrLst/>
+    <dgm:txFillClrLst meth="repeat">
+      <a:schemeClr val="lt1"/>
+    </dgm:txFillClrLst>
+    <dgm:txEffectClrLst/>
+  </dgm:styleLbl>
+  <dgm:styleLbl name="bgImgPlace1">
+    <dgm:fillClrLst>
+      <a:schemeClr val="accent1">
+        <a:tint val="50000"/>
+      </a:schemeClr>
+      <a:schemeClr val="accent2">
+        <a:tint val="20000"/>
+      </a:schemeClr>
+    </dgm:fillClrLst>
+    <dgm:linClrLst meth="repeat">
+      <a:schemeClr val="lt1"/>
+    </dgm:linClrLst>
+    <dgm:effectClrLst/>
+    <dgm:txLinClrLst/>
+    <dgm:txFillClrLst meth="repeat">
+      <a:schemeClr val="lt1"/>
+    </dgm:txFillClrLst>
+    <dgm:txEffectClrLst/>
+  </dgm:styleLbl>
+  <dgm:styleLbl name="sibTrans2D1">
+    <dgm:fillClrLst meth="repeat">
+      <a:schemeClr val="accent2"/>
+      <a:schemeClr val="accent3"/>
+      <a:schemeClr val="accent4"/>
+      <a:schemeClr val="accent5"/>
+      <a:schemeClr val="accent6"/>
+    </dgm:fillClrLst>
+    <dgm:linClrLst meth="cycle">
+      <a:schemeClr val="lt1"/>
+    </dgm:linClrLst>
+    <dgm:effectClrLst/>
+    <dgm:txLinClrLst/>
+    <dgm:txFillClrLst/>
+    <dgm:txEffectClrLst/>
+  </dgm:styleLbl>
+  <dgm:styleLbl name="fgSibTrans2D1">
+    <dgm:fillClrLst meth="repeat">
+      <a:schemeClr val="accent2"/>
+      <a:schemeClr val="accent3"/>
+      <a:schemeClr val="accent4"/>
+      <a:schemeClr val="accent5"/>
+      <a:schemeClr val="accent6"/>
+    </dgm:fillClrLst>
+    <dgm:linClrLst meth="cycle">
+      <a:schemeClr val="lt1"/>
+    </dgm:linClrLst>
+    <dgm:effectClrLst/>
+    <dgm:txLinClrLst/>
+    <dgm:txFillClrLst meth="repeat">
+      <a:schemeClr val="lt1"/>
+    </dgm:txFillClrLst>
+    <dgm:txEffectClrLst/>
+  </dgm:styleLbl>
+  <dgm:styleLbl name="bgSibTrans2D1">
+    <dgm:fillClrLst meth="repeat">
+      <a:schemeClr val="accent2"/>
+      <a:schemeClr val="accent3"/>
+      <a:schemeClr val="accent4"/>
+      <a:schemeClr val="accent5"/>
+      <a:schemeClr val="accent6"/>
+    </dgm:fillClrLst>
+    <dgm:linClrLst meth="cycle">
+      <a:schemeClr val="lt1"/>
+    </dgm:linClrLst>
+    <dgm:effectClrLst/>
+    <dgm:txLinClrLst/>
+    <dgm:txFillClrLst meth="repeat">
+      <a:schemeClr val="lt1"/>
+    </dgm:txFillClrLst>
+    <dgm:txEffectClrLst/>
+  </dgm:styleLbl>
+  <dgm:styleLbl name="sibTrans1D1">
+    <dgm:fillClrLst meth="repeat">
+      <a:schemeClr val="accent2"/>
+      <a:schemeClr val="accent3"/>
+      <a:schemeClr val="accent4"/>
+      <a:schemeClr val="accent5"/>
+      <a:schemeClr val="accent6"/>
+    </dgm:fillClrLst>
+    <dgm:linClrLst meth="repeat">
+      <a:schemeClr val="accent2"/>
+      <a:schemeClr val="accent3"/>
+      <a:schemeClr val="accent4"/>
+      <a:schemeClr val="accent5"/>
+      <a:schemeClr val="accent6"/>
+    </dgm:linClrLst>
+    <dgm:effectClrLst/>
+    <dgm:txLinClrLst/>
+    <dgm:txFillClrLst meth="repeat">
+      <a:schemeClr val="tx1"/>
+    </dgm:txFillClrLst>
+    <dgm:txEffectClrLst/>
+  </dgm:styleLbl>
+  <dgm:styleLbl name="callout">
+    <dgm:fillClrLst meth="repeat">
+      <a:schemeClr val="accent2"/>
+    </dgm:fillClrLst>
+    <dgm:linClrLst meth="repeat">
+      <a:schemeClr val="accent2">
+        <a:tint val="50000"/>
+      </a:schemeClr>
+    </dgm:linClrLst>
+    <dgm:effectClrLst/>
+    <dgm:txLinClrLst/>
+    <dgm:txFillClrLst meth="repeat">
+      <a:schemeClr val="tx1"/>
+    </dgm:txFillClrLst>
+    <dgm:txEffectClrLst/>
+  </dgm:styleLbl>
+  <dgm:styleLbl name="asst0">
+    <dgm:fillClrLst meth="repeat">
+      <a:schemeClr val="accent1"/>
+    </dgm:fillClrLst>
+    <dgm:linClrLst meth="repeat">
+      <a:schemeClr val="lt1"/>
+    </dgm:linClrLst>
+    <dgm:effectClrLst/>
+    <dgm:txLinClrLst/>
+    <dgm:txFillClrLst/>
+    <dgm:txEffectClrLst/>
+  </dgm:styleLbl>
+  <dgm:styleLbl name="asst1">
+    <dgm:fillClrLst meth="repeat">
+      <a:schemeClr val="accent2"/>
+    </dgm:fillClrLst>
+    <dgm:linClrLst meth="repeat">
+      <a:schemeClr val="lt1"/>
+    </dgm:linClrLst>
+    <dgm:effectClrLst/>
+    <dgm:txLinClrLst/>
+    <dgm:txFillClrLst/>
+    <dgm:txEffectClrLst/>
+  </dgm:styleLbl>
+  <dgm:styleLbl name="asst2">
+    <dgm:fillClrLst>
+      <a:schemeClr val="accent3"/>
+    </dgm:fillClrLst>
+    <dgm:linClrLst meth="repeat">
+      <a:schemeClr val="lt1"/>
+    </dgm:linClrLst>
+    <dgm:effectClrLst/>
+    <dgm:txLinClrLst/>
+    <dgm:txFillClrLst/>
+    <dgm:txEffectClrLst/>
+  </dgm:styleLbl>
+  <dgm:styleLbl name="asst3">
+    <dgm:fillClrLst>
+      <a:schemeClr val="accent4"/>
+    </dgm:fillClrLst>
+    <dgm:linClrLst meth="repeat">
+      <a:schemeClr val="lt1"/>
+    </dgm:linClrLst>
+    <dgm:effectClrLst/>
+    <dgm:txLinClrLst/>
+    <dgm:txFillClrLst/>
+    <dgm:txEffectClrLst/>
+  </dgm:styleLbl>
+  <dgm:styleLbl name="asst4">
+    <dgm:fillClrLst>
+      <a:schemeClr val="accent5"/>
+    </dgm:fillClrLst>
+    <dgm:linClrLst meth="repeat">
+      <a:schemeClr val="lt1"/>
+    </dgm:linClrLst>
+    <dgm:effectClrLst/>
+    <dgm:txLinClrLst/>
+    <dgm:txFillClrLst/>
+    <dgm:txEffectClrLst/>
+  </dgm:styleLbl>
+  <dgm:styleLbl name="parChTrans2D1">
+    <dgm:fillClrLst meth="repeat">
+      <a:schemeClr val="accent2"/>
+    </dgm:fillClrLst>
+    <dgm:linClrLst meth="repeat">
+      <a:schemeClr val="lt1"/>
+    </dgm:linClrLst>
+    <dgm:effectClrLst/>
+    <dgm:txLinClrLst/>
+    <dgm:txFillClrLst meth="repeat">
+      <a:schemeClr val="lt1"/>
+    </dgm:txFillClrLst>
+    <dgm:txEffectClrLst/>
+  </dgm:styleLbl>
+  <dgm:styleLbl name="parChTrans2D2">
+    <dgm:fillClrLst meth="repeat">
+      <a:schemeClr val="accent3"/>
+    </dgm:fillClrLst>
+    <dgm:linClrLst meth="repeat">
+      <a:schemeClr val="lt1"/>
+    </dgm:linClrLst>
+    <dgm:effectClrLst/>
+    <dgm:txLinClrLst/>
+    <dgm:txFillClrLst/>
+    <dgm:txEffectClrLst/>
+  </dgm:styleLbl>
+  <dgm:styleLbl name="parChTrans2D3">
+    <dgm:fillClrLst meth="repeat">
+      <a:schemeClr val="accent4"/>
+    </dgm:fillClrLst>
+    <dgm:linClrLst meth="repeat">
+      <a:schemeClr val="lt1"/>
+    </dgm:linClrLst>
+    <dgm:effectClrLst/>
+    <dgm:txLinClrLst/>
+    <dgm:txFillClrLst/>
+    <dgm:txEffectClrLst/>
+  </dgm:styleLbl>
+  <dgm:styleLbl name="parChTrans2D4">
+    <dgm:fillClrLst meth="repeat">
+      <a:schemeClr val="accent5"/>
+    </dgm:fillClrLst>
+    <dgm:linClrLst meth="repeat">
+      <a:schemeClr val="lt1"/>
+    </dgm:linClrLst>
+    <dgm:effectClrLst/>
+    <dgm:txLinClrLst/>
+    <dgm:txFillClrLst meth="repeat">
+      <a:schemeClr val="lt1"/>
+    </dgm:txFillClrLst>
+    <dgm:txEffectClrLst/>
+  </dgm:styleLbl>
+  <dgm:styleLbl name="parChTrans1D1">
+    <dgm:fillClrLst meth="repeat">
+      <a:schemeClr val="accent2"/>
+    </dgm:fillClrLst>
+    <dgm:linClrLst meth="repeat">
+      <a:schemeClr val="accent1"/>
+    </dgm:linClrLst>
+    <dgm:effectClrLst/>
+    <dgm:txLinClrLst/>
+    <dgm:txFillClrLst meth="repeat">
+      <a:schemeClr val="tx1"/>
+    </dgm:txFillClrLst>
+    <dgm:txEffectClrLst/>
+  </dgm:styleLbl>
+  <dgm:styleLbl name="parChTrans1D2">
+    <dgm:fillClrLst meth="repeat">
+      <a:schemeClr val="accent3">
+        <a:tint val="90000"/>
+      </a:schemeClr>
+    </dgm:fillClrLst>
+    <dgm:linClrLst meth="repeat">
+      <a:schemeClr val="accent2"/>
+    </dgm:linClrLst>
+    <dgm:effectClrLst/>
+    <dgm:txLinClrLst/>
+    <dgm:txFillClrLst meth="repeat">
+      <a:schemeClr val="tx1"/>
+    </dgm:txFillClrLst>
+    <dgm:txEffectClrLst/>
+  </dgm:styleLbl>
+  <dgm:styleLbl name="parChTrans1D3">
+    <dgm:fillClrLst meth="repeat">
+      <a:schemeClr val="accent4">
+        <a:tint val="70000"/>
+      </a:schemeClr>
+    </dgm:fillClrLst>
+    <dgm:linClrLst meth="repeat">
+      <a:schemeClr val="accent3"/>
+    </dgm:linClrLst>
+    <dgm:effectClrLst/>
+    <dgm:txLinClrLst/>
+    <dgm:txFillClrLst meth="repeat">
+      <a:schemeClr val="tx1"/>
+    </dgm:txFillClrLst>
+    <dgm:txEffectClrLst/>
+  </dgm:styleLbl>
+  <dgm:styleLbl name="parChTrans1D4">
+    <dgm:fillClrLst meth="repeat">
+      <a:schemeClr val="accent5">
+        <a:tint val="50000"/>
+      </a:schemeClr>
+    </dgm:fillClrLst>
+    <dgm:linClrLst meth="repeat">
+      <a:schemeClr val="accent4"/>
+    </dgm:linClrLst>
+    <dgm:effectClrLst/>
+    <dgm:txLinClrLst/>
+    <dgm:txFillClrLst meth="repeat">
+      <a:schemeClr val="tx1"/>
+    </dgm:txFillClrLst>
+    <dgm:txEffectClrLst/>
+  </dgm:styleLbl>
+  <dgm:styleLbl name="fgAcc1">
+    <dgm:fillClrLst meth="repeat">
+      <a:schemeClr val="lt1">
+        <a:alpha val="90000"/>
+      </a:schemeClr>
+    </dgm:fillClrLst>
+    <dgm:linClrLst meth="repeat">
+      <a:schemeClr val="accent2"/>
+      <a:schemeClr val="accent3"/>
+      <a:schemeClr val="accent4"/>
+      <a:schemeClr val="accent5"/>
+      <a:schemeClr val="accent6"/>
+    </dgm:linClrLst>
+    <dgm:effectClrLst/>
+    <dgm:txLinClrLst/>
+    <dgm:txFillClrLst meth="repeat">
+      <a:schemeClr val="dk1"/>
+    </dgm:txFillClrLst>
+    <dgm:txEffectClrLst/>
+  </dgm:styleLbl>
+  <dgm:styleLbl name="conFgAcc1">
+    <dgm:fillClrLst meth="repeat">
+      <a:schemeClr val="lt1">
+        <a:alpha val="90000"/>
+      </a:schemeClr>
+    </dgm:fillClrLst>
+    <dgm:linClrLst meth="repeat">
+      <a:schemeClr val="accent2"/>
+      <a:schemeClr val="accent3"/>
+      <a:schemeClr val="accent4"/>
+      <a:schemeClr val="accent5"/>
+      <a:schemeClr val="accent6"/>
+    </dgm:linClrLst>
+    <dgm:effectClrLst/>
+    <dgm:txLinClrLst/>
+    <dgm:txFillClrLst meth="repeat">
+      <a:schemeClr val="dk1"/>
+    </dgm:txFillClrLst>
+    <dgm:txEffectClrLst/>
+  </dgm:styleLbl>
+  <dgm:styleLbl name="alignAcc1">
+    <dgm:fillClrLst meth="repeat">
+      <a:schemeClr val="lt1">
+        <a:alpha val="90000"/>
+      </a:schemeClr>
+    </dgm:fillClrLst>
+    <dgm:linClrLst meth="repeat">
+      <a:schemeClr val="accent2"/>
+      <a:schemeClr val="accent3"/>
+      <a:schemeClr val="accent4"/>
+      <a:schemeClr val="accent5"/>
+      <a:schemeClr val="accent6"/>
+    </dgm:linClrLst>
+    <dgm:effectClrLst/>
+    <dgm:txLinClrLst/>
+    <dgm:txFillClrLst meth="repeat">
+      <a:schemeClr val="dk1"/>
+    </dgm:txFillClrLst>
+    <dgm:txEffectClrLst/>
+  </dgm:styleLbl>
+  <dgm:styleLbl name="trAlignAcc1">
+    <dgm:fillClrLst meth="repeat">
+      <a:schemeClr val="lt1">
+        <a:alpha val="40000"/>
+      </a:schemeClr>
+    </dgm:fillClrLst>
+    <dgm:linClrLst meth="repeat">
+      <a:schemeClr val="accent1"/>
+    </dgm:linClrLst>
+    <dgm:effectClrLst/>
+    <dgm:txLinClrLst/>
+    <dgm:txFillClrLst meth="repeat">
+      <a:schemeClr val="dk1"/>
+    </dgm:txFillClrLst>
+    <dgm:txEffectClrLst/>
+  </dgm:styleLbl>
+  <dgm:styleLbl name="bgAcc1">
+    <dgm:fillClrLst meth="repeat">
+      <a:schemeClr val="lt1">
+        <a:alpha val="90000"/>
+      </a:schemeClr>
+    </dgm:fillClrLst>
+    <dgm:linClrLst meth="repeat">
+      <a:schemeClr val="accent2"/>
+      <a:schemeClr val="accent3"/>
+      <a:schemeClr val="accent4"/>
+      <a:schemeClr val="accent5"/>
+      <a:schemeClr val="accent6"/>
+    </dgm:linClrLst>
+    <dgm:effectClrLst/>
+    <dgm:txLinClrLst/>
+    <dgm:txFillClrLst meth="repeat">
+      <a:schemeClr val="dk1"/>
+    </dgm:txFillClrLst>
+    <dgm:txEffectClrLst/>
+  </dgm:styleLbl>
+  <dgm:styleLbl name="solidFgAcc1">
+    <dgm:fillClrLst meth="repeat">
+      <a:schemeClr val="lt1"/>
+    </dgm:fillClrLst>
+    <dgm:linClrLst meth="repeat">
+      <a:schemeClr val="accent2"/>
+      <a:schemeClr val="accent3"/>
+      <a:schemeClr val="accent4"/>
+      <a:schemeClr val="accent5"/>
+      <a:schemeClr val="accent6"/>
+    </dgm:linClrLst>
+    <dgm:effectClrLst/>
+    <dgm:txLinClrLst/>
+    <dgm:txFillClrLst meth="repeat">
+      <a:schemeClr val="dk1"/>
+    </dgm:txFillClrLst>
+    <dgm:txEffectClrLst/>
+  </dgm:styleLbl>
+  <dgm:styleLbl name="solidAlignAcc1">
+    <dgm:fillClrLst meth="repeat">
+      <a:schemeClr val="lt1"/>
+    </dgm:fillClrLst>
+    <dgm:linClrLst meth="repeat">
+      <a:schemeClr val="accent2"/>
+      <a:schemeClr val="accent3"/>
+      <a:schemeClr val="accent4"/>
+      <a:schemeClr val="accent5"/>
+      <a:schemeClr val="accent6"/>
+    </dgm:linClrLst>
+    <dgm:effectClrLst/>
+    <dgm:txLinClrLst/>
+    <dgm:txFillClrLst meth="repeat">
+      <a:schemeClr val="dk1"/>
+    </dgm:txFillClrLst>
+    <dgm:txEffectClrLst/>
+  </dgm:styleLbl>
+  <dgm:styleLbl name="solidBgAcc1">
+    <dgm:fillClrLst meth="repeat">
+      <a:schemeClr val="lt1"/>
+    </dgm:fillClrLst>
+    <dgm:linClrLst meth="repeat">
+      <a:schemeClr val="accent2"/>
+      <a:schemeClr val="accent3"/>
+      <a:schemeClr val="accent4"/>
+      <a:schemeClr val="accent5"/>
+      <a:schemeClr val="accent6"/>
+    </dgm:linClrLst>
+    <dgm:effectClrLst/>
+    <dgm:txLinClrLst/>
+    <dgm:txFillClrLst meth="repeat">
+      <a:schemeClr val="dk1"/>
+    </dgm:txFillClrLst>
+    <dgm:txEffectClrLst/>
+  </dgm:styleLbl>
+  <dgm:styleLbl name="fgAccFollowNode1">
+    <dgm:fillClrLst meth="repeat">
+      <a:schemeClr val="accent2">
+        <a:tint val="40000"/>
+        <a:alpha val="90000"/>
+      </a:schemeClr>
+      <a:schemeClr val="accent3">
+        <a:tint val="40000"/>
+        <a:alpha val="90000"/>
+      </a:schemeClr>
+      <a:schemeClr val="accent4">
+        <a:tint val="40000"/>
+        <a:alpha val="90000"/>
+      </a:schemeClr>
+      <a:schemeClr val="accent5">
+        <a:tint val="40000"/>
+        <a:alpha val="90000"/>
+      </a:schemeClr>
+      <a:schemeClr val="accent6">
+        <a:tint val="40000"/>
+        <a:alpha val="90000"/>
+      </a:schemeClr>
+    </dgm:fillClrLst>
+    <dgm:linClrLst meth="repeat">
+      <a:schemeClr val="accent2">
+        <a:tint val="40000"/>
+        <a:alpha val="90000"/>
+      </a:schemeClr>
+      <a:schemeClr val="accent3">
+        <a:tint val="40000"/>
+        <a:alpha val="90000"/>
+      </a:schemeClr>
+      <a:schemeClr val="accent4">
+        <a:tint val="40000"/>
+        <a:alpha val="90000"/>
+      </a:schemeClr>
+      <a:schemeClr val="accent5">
+        <a:tint val="40000"/>
+        <a:alpha val="90000"/>
+      </a:schemeClr>
+      <a:schemeClr val="accent6">
+        <a:tint val="40000"/>
+        <a:alpha val="90000"/>
+      </a:schemeClr>
+    </dgm:linClrLst>
+    <dgm:effectClrLst/>
+    <dgm:txLinClrLst/>
+    <dgm:txFillClrLst meth="repeat">
+      <a:schemeClr val="dk1"/>
+    </dgm:txFillClrLst>
+    <dgm:txEffectClrLst/>
+  </dgm:styleLbl>
+  <dgm:styleLbl name="alignAccFollowNode1">
+    <dgm:fillClrLst meth="repeat">
+      <a:schemeClr val="accent2">
+        <a:tint val="40000"/>
+        <a:alpha val="90000"/>
+      </a:schemeClr>
+      <a:schemeClr val="accent3">
+        <a:tint val="40000"/>
+        <a:alpha val="90000"/>
+      </a:schemeClr>
+      <a:schemeClr val="accent4">
+        <a:tint val="40000"/>
+        <a:alpha val="90000"/>
+      </a:schemeClr>
+      <a:schemeClr val="accent5">
+        <a:tint val="40000"/>
+        <a:alpha val="90000"/>
+      </a:schemeClr>
+      <a:schemeClr val="accent6">
+        <a:tint val="40000"/>
+        <a:alpha val="90000"/>
+      </a:schemeClr>
+    </dgm:fillClrLst>
+    <dgm:linClrLst meth="repeat">
+      <a:schemeClr val="accent2">
+        <a:tint val="40000"/>
+        <a:alpha val="90000"/>
+      </a:schemeClr>
+      <a:schemeClr val="accent3">
+        <a:tint val="40000"/>
+        <a:alpha val="90000"/>
+      </a:schemeClr>
+      <a:schemeClr val="accent4">
+        <a:tint val="40000"/>
+        <a:alpha val="90000"/>
+      </a:schemeClr>
+      <a:schemeClr val="accent5">
+        <a:tint val="40000"/>
+        <a:alpha val="90000"/>
+      </a:schemeClr>
+      <a:schemeClr val="accent6">
+        <a:tint val="40000"/>
+        <a:alpha val="90000"/>
+      </a:schemeClr>
+    </dgm:linClrLst>
+    <dgm:effectClrLst/>
+    <dgm:txLinClrLst/>
+    <dgm:txFillClrLst meth="repeat">
+      <a:schemeClr val="dk1"/>
+    </dgm:txFillClrLst>
+    <dgm:txEffectClrLst/>
+  </dgm:styleLbl>
+  <dgm:styleLbl name="bgAccFollowNode1">
+    <dgm:fillClrLst meth="repeat">
+      <a:schemeClr val="accent2">
+        <a:tint val="40000"/>
+        <a:alpha val="90000"/>
+      </a:schemeClr>
+      <a:schemeClr val="accent3">
+        <a:tint val="40000"/>
+        <a:alpha val="90000"/>
+      </a:schemeClr>
+      <a:schemeClr val="accent4">
+        <a:tint val="40000"/>
+        <a:alpha val="90000"/>
+      </a:schemeClr>
+      <a:schemeClr val="accent5">
+        <a:tint val="40000"/>
+        <a:alpha val="90000"/>
+      </a:schemeClr>
+      <a:schemeClr val="accent6">
+        <a:tint val="40000"/>
+        <a:alpha val="90000"/>
+      </a:schemeClr>
+    </dgm:fillClrLst>
+    <dgm:linClrLst meth="repeat">
+      <a:schemeClr val="accent2">
+        <a:tint val="40000"/>
+        <a:alpha val="90000"/>
+      </a:schemeClr>
+      <a:schemeClr val="accent3">
+        <a:tint val="40000"/>
+        <a:alpha val="90000"/>
+      </a:schemeClr>
+      <a:schemeClr val="accent4">
+        <a:tint val="40000"/>
+        <a:alpha val="90000"/>
+      </a:schemeClr>
+      <a:schemeClr val="accent5">
+        <a:tint val="40000"/>
+        <a:alpha val="90000"/>
+      </a:schemeClr>
+      <a:schemeClr val="accent6">
+        <a:tint val="40000"/>
+        <a:alpha val="90000"/>
+      </a:schemeClr>
+    </dgm:linClrLst>
+    <dgm:effectClrLst/>
+    <dgm:txLinClrLst/>
+    <dgm:txFillClrLst meth="repeat">
+      <a:schemeClr val="dk1"/>
+    </dgm:txFillClrLst>
+    <dgm:txEffectClrLst/>
+  </dgm:styleLbl>
+  <dgm:styleLbl name="fgAcc0">
+    <dgm:fillClrLst meth="repeat">
+      <a:schemeClr val="lt1">
+        <a:alpha val="90000"/>
+      </a:schemeClr>
+    </dgm:fillClrLst>
+    <dgm:linClrLst>
+      <a:schemeClr val="accent1"/>
+    </dgm:linClrLst>
+    <dgm:effectClrLst/>
+    <dgm:txLinClrLst/>
+    <dgm:txFillClrLst meth="repeat">
+      <a:schemeClr val="dk1"/>
+    </dgm:txFillClrLst>
+    <dgm:txEffectClrLst/>
+  </dgm:styleLbl>
+  <dgm:styleLbl name="fgAcc2">
+    <dgm:fillClrLst meth="repeat">
+      <a:schemeClr val="lt1">
+        <a:alpha val="90000"/>
+      </a:schemeClr>
+    </dgm:fillClrLst>
+    <dgm:linClrLst>
+      <a:schemeClr val="accent2"/>
+    </dgm:linClrLst>
+    <dgm:effectClrLst/>
+    <dgm:txLinClrLst/>
+    <dgm:txFillClrLst meth="repeat">
+      <a:schemeClr val="dk1"/>
+    </dgm:txFillClrLst>
+    <dgm:txEffectClrLst/>
+  </dgm:styleLbl>
+  <dgm:styleLbl name="fgAcc3">
+    <dgm:fillClrLst meth="repeat">
+      <a:schemeClr val="lt1">
+        <a:alpha val="90000"/>
+      </a:schemeClr>
+    </dgm:fillClrLst>
+    <dgm:linClrLst>
+      <a:schemeClr val="accent3"/>
+    </dgm:linClrLst>
+    <dgm:effectClrLst/>
+    <dgm:txLinClrLst/>
+    <dgm:txFillClrLst meth="repeat">
+      <a:schemeClr val="dk1"/>
+    </dgm:txFillClrLst>
+    <dgm:txEffectClrLst/>
+  </dgm:styleLbl>
+  <dgm:styleLbl name="fgAcc4">
+    <dgm:fillClrLst meth="repeat">
+      <a:schemeClr val="lt1">
+        <a:alpha val="90000"/>
+      </a:schemeClr>
+    </dgm:fillClrLst>
+    <dgm:linClrLst>
+      <a:schemeClr val="accent4"/>
+    </dgm:linClrLst>
+    <dgm:effectClrLst/>
+    <dgm:txLinClrLst/>
+    <dgm:txFillClrLst meth="repeat">
+      <a:schemeClr val="dk1"/>
+    </dgm:txFillClrLst>
+    <dgm:txEffectClrLst/>
+  </dgm:styleLbl>
+  <dgm:styleLbl name="bgShp">
+    <dgm:fillClrLst meth="repeat">
+      <a:schemeClr val="accent2">
+        <a:tint val="40000"/>
+      </a:schemeClr>
+    </dgm:fillClrLst>
+    <dgm:linClrLst meth="repeat">
+      <a:schemeClr val="dk1"/>
+    </dgm:linClrLst>
+    <dgm:effectClrLst/>
+    <dgm:txLinClrLst/>
+    <dgm:txFillClrLst meth="repeat">
+      <a:schemeClr val="dk1"/>
+    </dgm:txFillClrLst>
+    <dgm:txEffectClrLst/>
+  </dgm:styleLbl>
+  <dgm:styleLbl name="dkBgShp">
+    <dgm:fillClrLst meth="repeat">
+      <a:schemeClr val="accent2">
+        <a:shade val="90000"/>
+      </a:schemeClr>
+    </dgm:fillClrLst>
+    <dgm:linClrLst meth="repeat">
+      <a:schemeClr val="dk1"/>
+    </dgm:linClrLst>
+    <dgm:effectClrLst/>
+    <dgm:txLinClrLst/>
+    <dgm:txFillClrLst meth="repeat">
+      <a:schemeClr val="lt1"/>
+    </dgm:txFillClrLst>
+    <dgm:txEffectClrLst/>
+  </dgm:styleLbl>
+  <dgm:styleLbl name="trBgShp">
+    <dgm:fillClrLst meth="repeat">
+      <a:schemeClr val="accent1">
+        <a:tint val="50000"/>
+        <a:alpha val="40000"/>
+      </a:schemeClr>
+    </dgm:fillClrLst>
+    <dgm:linClrLst meth="repeat">
+      <a:schemeClr val="accent2"/>
+    </dgm:linClrLst>
+    <dgm:effectClrLst/>
+    <dgm:txLinClrLst/>
+    <dgm:txFillClrLst meth="repeat">
+      <a:schemeClr val="lt1"/>
+    </dgm:txFillClrLst>
+    <dgm:txEffectClrLst/>
+  </dgm:styleLbl>
+  <dgm:styleLbl name="fgShp">
+    <dgm:fillClrLst meth="repeat">
+      <a:schemeClr val="accent2">
+        <a:tint val="40000"/>
+      </a:schemeClr>
+    </dgm:fillClrLst>
+    <dgm:linClrLst meth="repeat">
+      <a:schemeClr val="lt1"/>
+    </dgm:linClrLst>
+    <dgm:effectClrLst/>
+    <dgm:txLinClrLst/>
+    <dgm:txFillClrLst meth="repeat">
+      <a:schemeClr val="dk1"/>
+    </dgm:txFillClrLst>
+    <dgm:txEffectClrLst/>
+  </dgm:styleLbl>
+  <dgm:styleLbl name="revTx">
+    <dgm:fillClrLst meth="repeat">
+      <a:schemeClr val="lt1">
+        <a:alpha val="0"/>
+      </a:schemeClr>
+    </dgm:fillClrLst>
+    <dgm:linClrLst meth="repeat">
+      <a:schemeClr val="dk1">
+        <a:alpha val="0"/>
+      </a:schemeClr>
+    </dgm:linClrLst>
+    <dgm:effectClrLst/>
+    <dgm:txLinClrLst/>
+    <dgm:txFillClrLst meth="repeat">
+      <a:schemeClr val="tx1"/>
+    </dgm:txFillClrLst>
+    <dgm:txEffectClrLst/>
+  </dgm:styleLbl>
+</dgm:colorsDef>
+</file>
+
+<file path=ppt/diagrams/data1.xml><?xml version="1.0" encoding="utf-8"?>
+<dgm:dataModel xmlns:dgm="http://schemas.openxmlformats.org/drawingml/2006/diagram" xmlns:a="http://schemas.openxmlformats.org/drawingml/2006/main">
+  <dgm:ptLst>
+    <dgm:pt modelId="{EC772436-D38D-4C83-AF19-AFA798B04AFB}" type="doc">
+      <dgm:prSet loTypeId="urn:microsoft.com/office/officeart/2005/8/layout/matrix3" loCatId="matrix" qsTypeId="urn:microsoft.com/office/officeart/2005/8/quickstyle/simple4" qsCatId="simple" csTypeId="urn:microsoft.com/office/officeart/2005/8/colors/colorful1" csCatId="colorful" phldr="1"/>
+      <dgm:spPr/>
+      <dgm:t>
+        <a:bodyPr/>
+        <a:lstStyle/>
+        <a:p>
+          <a:endParaRPr lang="en-US"/>
+        </a:p>
+      </dgm:t>
+    </dgm:pt>
+    <dgm:pt modelId="{13E91FA3-CB0E-476E-9FE0-70704A9AEFB6}">
+      <dgm:prSet/>
+      <dgm:spPr/>
+      <dgm:t>
+        <a:bodyPr/>
+        <a:lstStyle/>
+        <a:p>
+          <a:r>
+            <a:rPr lang="en-US" dirty="0" err="1"/>
+            <a:t>Złożoność</a:t>
+          </a:r>
+          <a:r>
+            <a:rPr lang="en-US" dirty="0"/>
+            <a:t> </a:t>
+          </a:r>
+          <a:r>
+            <a:rPr lang="en-US" dirty="0" err="1"/>
+            <a:t>aplikacji</a:t>
+          </a:r>
+          <a:endParaRPr lang="en-US" dirty="0"/>
+        </a:p>
+      </dgm:t>
+    </dgm:pt>
+    <dgm:pt modelId="{1941A0EE-971F-4332-B77D-0EF1015C5A5F}" type="parTrans" cxnId="{ECC16A4E-D81D-431A-81DC-51FA2AA06DFE}">
+      <dgm:prSet/>
+      <dgm:spPr/>
+      <dgm:t>
+        <a:bodyPr/>
+        <a:lstStyle/>
+        <a:p>
+          <a:endParaRPr lang="en-US"/>
+        </a:p>
+      </dgm:t>
+    </dgm:pt>
+    <dgm:pt modelId="{1A9990F9-5DEE-408B-866D-86E73BA6D864}" type="sibTrans" cxnId="{ECC16A4E-D81D-431A-81DC-51FA2AA06DFE}">
+      <dgm:prSet/>
+      <dgm:spPr/>
+      <dgm:t>
+        <a:bodyPr/>
+        <a:lstStyle/>
+        <a:p>
+          <a:endParaRPr lang="en-US"/>
+        </a:p>
+      </dgm:t>
+    </dgm:pt>
+    <dgm:pt modelId="{D70200FA-9866-4891-8A6D-0D9FA264F724}">
+      <dgm:prSet/>
+      <dgm:spPr/>
+      <dgm:t>
+        <a:bodyPr/>
+        <a:lstStyle/>
+        <a:p>
+          <a:r>
+            <a:rPr lang="en-US" dirty="0" err="1"/>
+            <a:t>Ograniczone</a:t>
+          </a:r>
+          <a:r>
+            <a:rPr lang="en-US" dirty="0"/>
+            <a:t> </a:t>
+          </a:r>
+          <a:r>
+            <a:rPr lang="en-US" dirty="0" err="1"/>
+            <a:t>użycie</a:t>
+          </a:r>
+          <a:r>
+            <a:rPr lang="en-US" dirty="0"/>
+            <a:t> </a:t>
+          </a:r>
+          <a:r>
+            <a:rPr lang="en-US" dirty="0" err="1"/>
+            <a:t>kodu</a:t>
+          </a:r>
+          <a:r>
+            <a:rPr lang="en-US" dirty="0"/>
+            <a:t> SQL</a:t>
+          </a:r>
+        </a:p>
+      </dgm:t>
+    </dgm:pt>
+    <dgm:pt modelId="{3998F2E1-9DE4-4B38-B329-9A3B110721E6}" type="parTrans" cxnId="{12B7B9C7-B4AC-4418-B7F3-53F54A923C1B}">
+      <dgm:prSet/>
+      <dgm:spPr/>
+      <dgm:t>
+        <a:bodyPr/>
+        <a:lstStyle/>
+        <a:p>
+          <a:endParaRPr lang="en-US"/>
+        </a:p>
+      </dgm:t>
+    </dgm:pt>
+    <dgm:pt modelId="{8B6CF5BD-A338-44B8-86F1-A129899E46DF}" type="sibTrans" cxnId="{12B7B9C7-B4AC-4418-B7F3-53F54A923C1B}">
+      <dgm:prSet/>
+      <dgm:spPr/>
+      <dgm:t>
+        <a:bodyPr/>
+        <a:lstStyle/>
+        <a:p>
+          <a:endParaRPr lang="en-US"/>
+        </a:p>
+      </dgm:t>
+    </dgm:pt>
+    <dgm:pt modelId="{790EFA16-77BC-4516-9DC9-3339B314A921}">
+      <dgm:prSet/>
+      <dgm:spPr/>
+      <dgm:t>
+        <a:bodyPr/>
+        <a:lstStyle/>
+        <a:p>
+          <a:r>
+            <a:rPr lang="en-US" dirty="0" err="1"/>
+            <a:t>Utrata</a:t>
+          </a:r>
+          <a:r>
+            <a:rPr lang="en-US" dirty="0"/>
+            <a:t> </a:t>
+          </a:r>
+          <a:r>
+            <a:rPr lang="en-US" dirty="0" err="1"/>
+            <a:t>integralności</a:t>
+          </a:r>
+          <a:r>
+            <a:rPr lang="en-US" dirty="0"/>
+            <a:t> </a:t>
+          </a:r>
+          <a:r>
+            <a:rPr lang="en-US" dirty="0" err="1"/>
+            <a:t>transakcyjnej</a:t>
+          </a:r>
+          <a:endParaRPr lang="en-US" dirty="0"/>
+        </a:p>
+      </dgm:t>
+    </dgm:pt>
+    <dgm:pt modelId="{269D03CF-5D9E-4799-A7BF-3DC506794B16}" type="parTrans" cxnId="{324BBD64-B7FE-441C-A75B-6F5C1CCCA106}">
+      <dgm:prSet/>
+      <dgm:spPr/>
+      <dgm:t>
+        <a:bodyPr/>
+        <a:lstStyle/>
+        <a:p>
+          <a:endParaRPr lang="en-US"/>
+        </a:p>
+      </dgm:t>
+    </dgm:pt>
+    <dgm:pt modelId="{478DDDBB-9218-4FD7-A19E-004BEFB4E3F7}" type="sibTrans" cxnId="{324BBD64-B7FE-441C-A75B-6F5C1CCCA106}">
+      <dgm:prSet/>
+      <dgm:spPr/>
+      <dgm:t>
+        <a:bodyPr/>
+        <a:lstStyle/>
+        <a:p>
+          <a:endParaRPr lang="en-US"/>
+        </a:p>
+      </dgm:t>
+    </dgm:pt>
+    <dgm:pt modelId="{AE018249-354B-480B-8D0B-F4B83355CFBC}">
+      <dgm:prSet/>
+      <dgm:spPr/>
+      <dgm:t>
+        <a:bodyPr/>
+        <a:lstStyle/>
+        <a:p>
+          <a:r>
+            <a:rPr lang="en-US" dirty="0" err="1"/>
+            <a:t>Złożoność</a:t>
+          </a:r>
+          <a:r>
+            <a:rPr lang="en-US" dirty="0"/>
+            <a:t> </a:t>
+          </a:r>
+          <a:r>
+            <a:rPr lang="en-US" dirty="0" err="1"/>
+            <a:t>operacyjna</a:t>
+          </a:r>
+          <a:endParaRPr lang="en-US" dirty="0"/>
+        </a:p>
+      </dgm:t>
+    </dgm:pt>
+    <dgm:pt modelId="{B9367958-2E88-4009-9343-3ACCBBB157A0}" type="parTrans" cxnId="{D89F588D-34CE-40DC-9E18-D2CA7F95B0F7}">
+      <dgm:prSet/>
+      <dgm:spPr/>
+      <dgm:t>
+        <a:bodyPr/>
+        <a:lstStyle/>
+        <a:p>
+          <a:endParaRPr lang="en-US"/>
+        </a:p>
+      </dgm:t>
+    </dgm:pt>
+    <dgm:pt modelId="{E638B405-3293-4BC3-9327-AE8E43459CEE}" type="sibTrans" cxnId="{D89F588D-34CE-40DC-9E18-D2CA7F95B0F7}">
+      <dgm:prSet/>
+      <dgm:spPr/>
+      <dgm:t>
+        <a:bodyPr/>
+        <a:lstStyle/>
+        <a:p>
+          <a:endParaRPr lang="en-US"/>
+        </a:p>
+      </dgm:t>
+    </dgm:pt>
+    <dgm:pt modelId="{8E71FC56-4A89-4C31-B097-60070385FDB6}" type="pres">
+      <dgm:prSet presAssocID="{EC772436-D38D-4C83-AF19-AFA798B04AFB}" presName="matrix" presStyleCnt="0">
+        <dgm:presLayoutVars>
+          <dgm:chMax val="1"/>
+          <dgm:dir/>
+          <dgm:resizeHandles val="exact"/>
+        </dgm:presLayoutVars>
+      </dgm:prSet>
+      <dgm:spPr/>
+    </dgm:pt>
+    <dgm:pt modelId="{8D362252-19B5-4BF3-84D8-8ABBF73DC973}" type="pres">
+      <dgm:prSet presAssocID="{EC772436-D38D-4C83-AF19-AFA798B04AFB}" presName="diamond" presStyleLbl="bgShp" presStyleIdx="0" presStyleCnt="1"/>
+      <dgm:spPr/>
+    </dgm:pt>
+    <dgm:pt modelId="{52B7186F-5154-47E0-B3D9-D8B8E63000F1}" type="pres">
+      <dgm:prSet presAssocID="{EC772436-D38D-4C83-AF19-AFA798B04AFB}" presName="quad1" presStyleLbl="node1" presStyleIdx="0" presStyleCnt="4">
+        <dgm:presLayoutVars>
+          <dgm:chMax val="0"/>
+          <dgm:chPref val="0"/>
+          <dgm:bulletEnabled val="1"/>
+        </dgm:presLayoutVars>
+      </dgm:prSet>
+      <dgm:spPr/>
+    </dgm:pt>
+    <dgm:pt modelId="{2EA7C8D7-1525-48B2-9735-F55555D5E904}" type="pres">
+      <dgm:prSet presAssocID="{EC772436-D38D-4C83-AF19-AFA798B04AFB}" presName="quad2" presStyleLbl="node1" presStyleIdx="1" presStyleCnt="4">
+        <dgm:presLayoutVars>
+          <dgm:chMax val="0"/>
+          <dgm:chPref val="0"/>
+          <dgm:bulletEnabled val="1"/>
+        </dgm:presLayoutVars>
+      </dgm:prSet>
+      <dgm:spPr/>
+    </dgm:pt>
+    <dgm:pt modelId="{B09379A1-3990-4731-AB8D-126D950EEB1C}" type="pres">
+      <dgm:prSet presAssocID="{EC772436-D38D-4C83-AF19-AFA798B04AFB}" presName="quad3" presStyleLbl="node1" presStyleIdx="2" presStyleCnt="4">
+        <dgm:presLayoutVars>
+          <dgm:chMax val="0"/>
+          <dgm:chPref val="0"/>
+          <dgm:bulletEnabled val="1"/>
+        </dgm:presLayoutVars>
+      </dgm:prSet>
+      <dgm:spPr/>
+    </dgm:pt>
+    <dgm:pt modelId="{5DA7284E-E5BF-4952-B6C0-762264AB6D27}" type="pres">
+      <dgm:prSet presAssocID="{EC772436-D38D-4C83-AF19-AFA798B04AFB}" presName="quad4" presStyleLbl="node1" presStyleIdx="3" presStyleCnt="4">
+        <dgm:presLayoutVars>
+          <dgm:chMax val="0"/>
+          <dgm:chPref val="0"/>
+          <dgm:bulletEnabled val="1"/>
+        </dgm:presLayoutVars>
+      </dgm:prSet>
+      <dgm:spPr/>
+    </dgm:pt>
+  </dgm:ptLst>
+  <dgm:cxnLst>
+    <dgm:cxn modelId="{324BBD64-B7FE-441C-A75B-6F5C1CCCA106}" srcId="{EC772436-D38D-4C83-AF19-AFA798B04AFB}" destId="{790EFA16-77BC-4516-9DC9-3339B314A921}" srcOrd="2" destOrd="0" parTransId="{269D03CF-5D9E-4799-A7BF-3DC506794B16}" sibTransId="{478DDDBB-9218-4FD7-A19E-004BEFB4E3F7}"/>
+    <dgm:cxn modelId="{61F1ED46-04C7-4703-B625-8A322A4DC5D8}" type="presOf" srcId="{13E91FA3-CB0E-476E-9FE0-70704A9AEFB6}" destId="{52B7186F-5154-47E0-B3D9-D8B8E63000F1}" srcOrd="0" destOrd="0" presId="urn:microsoft.com/office/officeart/2005/8/layout/matrix3"/>
+    <dgm:cxn modelId="{ECC16A4E-D81D-431A-81DC-51FA2AA06DFE}" srcId="{EC772436-D38D-4C83-AF19-AFA798B04AFB}" destId="{13E91FA3-CB0E-476E-9FE0-70704A9AEFB6}" srcOrd="0" destOrd="0" parTransId="{1941A0EE-971F-4332-B77D-0EF1015C5A5F}" sibTransId="{1A9990F9-5DEE-408B-866D-86E73BA6D864}"/>
+    <dgm:cxn modelId="{2D162252-6742-4546-AE5D-DF881EC29879}" type="presOf" srcId="{EC772436-D38D-4C83-AF19-AFA798B04AFB}" destId="{8E71FC56-4A89-4C31-B097-60070385FDB6}" srcOrd="0" destOrd="0" presId="urn:microsoft.com/office/officeart/2005/8/layout/matrix3"/>
+    <dgm:cxn modelId="{FBCD8B7B-E984-4AB5-B461-9A6116717A40}" type="presOf" srcId="{D70200FA-9866-4891-8A6D-0D9FA264F724}" destId="{2EA7C8D7-1525-48B2-9735-F55555D5E904}" srcOrd="0" destOrd="0" presId="urn:microsoft.com/office/officeart/2005/8/layout/matrix3"/>
+    <dgm:cxn modelId="{95B6B47E-A56D-4E11-B8A3-66927083DE2E}" type="presOf" srcId="{AE018249-354B-480B-8D0B-F4B83355CFBC}" destId="{5DA7284E-E5BF-4952-B6C0-762264AB6D27}" srcOrd="0" destOrd="0" presId="urn:microsoft.com/office/officeart/2005/8/layout/matrix3"/>
+    <dgm:cxn modelId="{D89F588D-34CE-40DC-9E18-D2CA7F95B0F7}" srcId="{EC772436-D38D-4C83-AF19-AFA798B04AFB}" destId="{AE018249-354B-480B-8D0B-F4B83355CFBC}" srcOrd="3" destOrd="0" parTransId="{B9367958-2E88-4009-9343-3ACCBBB157A0}" sibTransId="{E638B405-3293-4BC3-9327-AE8E43459CEE}"/>
+    <dgm:cxn modelId="{12B7B9C7-B4AC-4418-B7F3-53F54A923C1B}" srcId="{EC772436-D38D-4C83-AF19-AFA798B04AFB}" destId="{D70200FA-9866-4891-8A6D-0D9FA264F724}" srcOrd="1" destOrd="0" parTransId="{3998F2E1-9DE4-4B38-B329-9A3B110721E6}" sibTransId="{8B6CF5BD-A338-44B8-86F1-A129899E46DF}"/>
+    <dgm:cxn modelId="{0E991FE4-BE10-47D6-A811-A8061DE1FF45}" type="presOf" srcId="{790EFA16-77BC-4516-9DC9-3339B314A921}" destId="{B09379A1-3990-4731-AB8D-126D950EEB1C}" srcOrd="0" destOrd="0" presId="urn:microsoft.com/office/officeart/2005/8/layout/matrix3"/>
+    <dgm:cxn modelId="{30B7F242-72EF-4C3B-8930-9812B6FC8527}" type="presParOf" srcId="{8E71FC56-4A89-4C31-B097-60070385FDB6}" destId="{8D362252-19B5-4BF3-84D8-8ABBF73DC973}" srcOrd="0" destOrd="0" presId="urn:microsoft.com/office/officeart/2005/8/layout/matrix3"/>
+    <dgm:cxn modelId="{EB56F77A-543C-482A-8379-7E6DD30C98E6}" type="presParOf" srcId="{8E71FC56-4A89-4C31-B097-60070385FDB6}" destId="{52B7186F-5154-47E0-B3D9-D8B8E63000F1}" srcOrd="1" destOrd="0" presId="urn:microsoft.com/office/officeart/2005/8/layout/matrix3"/>
+    <dgm:cxn modelId="{FC7F9424-BA8B-4EF3-B532-FAB0559AA00C}" type="presParOf" srcId="{8E71FC56-4A89-4C31-B097-60070385FDB6}" destId="{2EA7C8D7-1525-48B2-9735-F55555D5E904}" srcOrd="2" destOrd="0" presId="urn:microsoft.com/office/officeart/2005/8/layout/matrix3"/>
+    <dgm:cxn modelId="{6568A28A-2CB1-4C67-BDFD-3C544AC36A04}" type="presParOf" srcId="{8E71FC56-4A89-4C31-B097-60070385FDB6}" destId="{B09379A1-3990-4731-AB8D-126D950EEB1C}" srcOrd="3" destOrd="0" presId="urn:microsoft.com/office/officeart/2005/8/layout/matrix3"/>
+    <dgm:cxn modelId="{4CDBC673-3A98-4FA8-BC2A-C320556E4D28}" type="presParOf" srcId="{8E71FC56-4A89-4C31-B097-60070385FDB6}" destId="{5DA7284E-E5BF-4952-B6C0-762264AB6D27}" srcOrd="4" destOrd="0" presId="urn:microsoft.com/office/officeart/2005/8/layout/matrix3"/>
+  </dgm:cxnLst>
+  <dgm:bg/>
+  <dgm:whole/>
+  <dgm:extLst>
+    <a:ext uri="http://schemas.microsoft.com/office/drawing/2008/diagram">
+      <dsp:dataModelExt xmlns:dsp="http://schemas.microsoft.com/office/drawing/2008/diagram" relId="rId7" minVer="http://schemas.openxmlformats.org/drawingml/2006/diagram"/>
+    </a:ext>
+  </dgm:extLst>
+</dgm:dataModel>
+</file>
+
+<file path=ppt/diagrams/drawing1.xml><?xml version="1.0" encoding="utf-8"?>
+<dsp:drawing xmlns:dgm="http://schemas.openxmlformats.org/drawingml/2006/diagram" xmlns:dsp="http://schemas.microsoft.com/office/drawing/2008/diagram" xmlns:a="http://schemas.openxmlformats.org/drawingml/2006/main">
+  <dsp:spTree>
+    <dsp:nvGrpSpPr>
+      <dsp:cNvPr id="0" name=""/>
+      <dsp:cNvGrpSpPr/>
+    </dsp:nvGrpSpPr>
+    <dsp:grpSpPr/>
+    <dsp:sp modelId="{8D362252-19B5-4BF3-84D8-8ABBF73DC973}">
+      <dsp:nvSpPr>
+        <dsp:cNvPr id="0" name=""/>
+        <dsp:cNvSpPr/>
+      </dsp:nvSpPr>
+      <dsp:spPr>
+        <a:xfrm>
+          <a:off x="2680217" y="0"/>
+          <a:ext cx="3630680" cy="3630680"/>
+        </a:xfrm>
+        <a:prstGeom prst="diamond">
+          <a:avLst/>
+        </a:prstGeom>
+        <a:solidFill>
+          <a:schemeClr val="accent2">
+            <a:tint val="40000"/>
+            <a:hueOff val="0"/>
+            <a:satOff val="0"/>
+            <a:lumOff val="0"/>
+            <a:alphaOff val="0"/>
+          </a:schemeClr>
+        </a:solidFill>
+        <a:ln>
+          <a:noFill/>
+        </a:ln>
+        <a:effectLst>
+          <a:innerShdw blurRad="25400" dist="12700" dir="13500000">
+            <a:srgbClr val="000000">
+              <a:alpha val="45000"/>
+            </a:srgbClr>
+          </a:innerShdw>
+        </a:effectLst>
+      </dsp:spPr>
+      <dsp:style>
+        <a:lnRef idx="0">
+          <a:scrgbClr r="0" g="0" b="0"/>
+        </a:lnRef>
+        <a:fillRef idx="1">
+          <a:scrgbClr r="0" g="0" b="0"/>
+        </a:fillRef>
+        <a:effectRef idx="2">
+          <a:scrgbClr r="0" g="0" b="0"/>
+        </a:effectRef>
+        <a:fontRef idx="minor"/>
+      </dsp:style>
+    </dsp:sp>
+    <dsp:sp modelId="{52B7186F-5154-47E0-B3D9-D8B8E63000F1}">
+      <dsp:nvSpPr>
+        <dsp:cNvPr id="0" name=""/>
+        <dsp:cNvSpPr/>
+      </dsp:nvSpPr>
+      <dsp:spPr>
+        <a:xfrm>
+          <a:off x="3025131" y="344914"/>
+          <a:ext cx="1415965" cy="1415965"/>
+        </a:xfrm>
+        <a:prstGeom prst="roundRect">
+          <a:avLst/>
+        </a:prstGeom>
+        <a:gradFill rotWithShape="0">
+          <a:gsLst>
+            <a:gs pos="0">
+              <a:schemeClr val="accent2">
+                <a:hueOff val="0"/>
+                <a:satOff val="0"/>
+                <a:lumOff val="0"/>
+                <a:alphaOff val="0"/>
+                <a:tint val="98000"/>
+                <a:hueMod val="94000"/>
+                <a:satMod val="130000"/>
+                <a:lumMod val="128000"/>
+              </a:schemeClr>
+            </a:gs>
+            <a:gs pos="100000">
+              <a:schemeClr val="accent2">
+                <a:hueOff val="0"/>
+                <a:satOff val="0"/>
+                <a:lumOff val="0"/>
+                <a:alphaOff val="0"/>
+                <a:shade val="94000"/>
+                <a:lumMod val="88000"/>
+              </a:schemeClr>
+            </a:gs>
+          </a:gsLst>
+          <a:lin ang="5400000" scaled="0"/>
+        </a:gradFill>
+        <a:ln>
+          <a:noFill/>
+        </a:ln>
+        <a:effectLst>
+          <a:innerShdw blurRad="25400" dist="12700" dir="13500000">
+            <a:srgbClr val="000000">
+              <a:alpha val="45000"/>
+            </a:srgbClr>
+          </a:innerShdw>
+        </a:effectLst>
+      </dsp:spPr>
+      <dsp:style>
+        <a:lnRef idx="0">
+          <a:scrgbClr r="0" g="0" b="0"/>
+        </a:lnRef>
+        <a:fillRef idx="3">
+          <a:scrgbClr r="0" g="0" b="0"/>
+        </a:fillRef>
+        <a:effectRef idx="2">
+          <a:scrgbClr r="0" g="0" b="0"/>
+        </a:effectRef>
+        <a:fontRef idx="minor">
+          <a:schemeClr val="lt1"/>
+        </a:fontRef>
+      </dsp:style>
+      <dsp:txBody>
+        <a:bodyPr spcFirstLastPara="0" vert="horz" wrap="square" lIns="53340" tIns="53340" rIns="53340" bIns="53340" numCol="1" spcCol="1270" anchor="ctr" anchorCtr="0">
+          <a:noAutofit/>
+        </a:bodyPr>
+        <a:lstStyle/>
+        <a:p>
+          <a:pPr marL="0" lvl="0" indent="0" algn="ctr" defTabSz="622300">
+            <a:lnSpc>
+              <a:spcPct val="90000"/>
+            </a:lnSpc>
+            <a:spcBef>
+              <a:spcPct val="0"/>
+            </a:spcBef>
+            <a:spcAft>
+              <a:spcPct val="35000"/>
+            </a:spcAft>
+            <a:buNone/>
+          </a:pPr>
+          <a:r>
+            <a:rPr lang="en-US" sz="1400" kern="1200" dirty="0" err="1"/>
+            <a:t>Złożoność</a:t>
+          </a:r>
+          <a:r>
+            <a:rPr lang="en-US" sz="1400" kern="1200" dirty="0"/>
+            <a:t> </a:t>
+          </a:r>
+          <a:r>
+            <a:rPr lang="en-US" sz="1400" kern="1200" dirty="0" err="1"/>
+            <a:t>aplikacji</a:t>
+          </a:r>
+          <a:endParaRPr lang="en-US" sz="1400" kern="1200" dirty="0"/>
+        </a:p>
+      </dsp:txBody>
+      <dsp:txXfrm>
+        <a:off x="3094253" y="414036"/>
+        <a:ext cx="1277721" cy="1277721"/>
+      </dsp:txXfrm>
+    </dsp:sp>
+    <dsp:sp modelId="{2EA7C8D7-1525-48B2-9735-F55555D5E904}">
+      <dsp:nvSpPr>
+        <dsp:cNvPr id="0" name=""/>
+        <dsp:cNvSpPr/>
+      </dsp:nvSpPr>
+      <dsp:spPr>
+        <a:xfrm>
+          <a:off x="4550017" y="344914"/>
+          <a:ext cx="1415965" cy="1415965"/>
+        </a:xfrm>
+        <a:prstGeom prst="roundRect">
+          <a:avLst/>
+        </a:prstGeom>
+        <a:gradFill rotWithShape="0">
+          <a:gsLst>
+            <a:gs pos="0">
+              <a:schemeClr val="accent3">
+                <a:hueOff val="0"/>
+                <a:satOff val="0"/>
+                <a:lumOff val="0"/>
+                <a:alphaOff val="0"/>
+                <a:tint val="98000"/>
+                <a:hueMod val="94000"/>
+                <a:satMod val="130000"/>
+                <a:lumMod val="128000"/>
+              </a:schemeClr>
+            </a:gs>
+            <a:gs pos="100000">
+              <a:schemeClr val="accent3">
+                <a:hueOff val="0"/>
+                <a:satOff val="0"/>
+                <a:lumOff val="0"/>
+                <a:alphaOff val="0"/>
+                <a:shade val="94000"/>
+                <a:lumMod val="88000"/>
+              </a:schemeClr>
+            </a:gs>
+          </a:gsLst>
+          <a:lin ang="5400000" scaled="0"/>
+        </a:gradFill>
+        <a:ln>
+          <a:noFill/>
+        </a:ln>
+        <a:effectLst>
+          <a:innerShdw blurRad="25400" dist="12700" dir="13500000">
+            <a:srgbClr val="000000">
+              <a:alpha val="45000"/>
+            </a:srgbClr>
+          </a:innerShdw>
+        </a:effectLst>
+      </dsp:spPr>
+      <dsp:style>
+        <a:lnRef idx="0">
+          <a:scrgbClr r="0" g="0" b="0"/>
+        </a:lnRef>
+        <a:fillRef idx="3">
+          <a:scrgbClr r="0" g="0" b="0"/>
+        </a:fillRef>
+        <a:effectRef idx="2">
+          <a:scrgbClr r="0" g="0" b="0"/>
+        </a:effectRef>
+        <a:fontRef idx="minor">
+          <a:schemeClr val="lt1"/>
+        </a:fontRef>
+      </dsp:style>
+      <dsp:txBody>
+        <a:bodyPr spcFirstLastPara="0" vert="horz" wrap="square" lIns="53340" tIns="53340" rIns="53340" bIns="53340" numCol="1" spcCol="1270" anchor="ctr" anchorCtr="0">
+          <a:noAutofit/>
+        </a:bodyPr>
+        <a:lstStyle/>
+        <a:p>
+          <a:pPr marL="0" lvl="0" indent="0" algn="ctr" defTabSz="622300">
+            <a:lnSpc>
+              <a:spcPct val="90000"/>
+            </a:lnSpc>
+            <a:spcBef>
+              <a:spcPct val="0"/>
+            </a:spcBef>
+            <a:spcAft>
+              <a:spcPct val="35000"/>
+            </a:spcAft>
+            <a:buNone/>
+          </a:pPr>
+          <a:r>
+            <a:rPr lang="en-US" sz="1400" kern="1200" dirty="0" err="1"/>
+            <a:t>Ograniczone</a:t>
+          </a:r>
+          <a:r>
+            <a:rPr lang="en-US" sz="1400" kern="1200" dirty="0"/>
+            <a:t> </a:t>
+          </a:r>
+          <a:r>
+            <a:rPr lang="en-US" sz="1400" kern="1200" dirty="0" err="1"/>
+            <a:t>użycie</a:t>
+          </a:r>
+          <a:r>
+            <a:rPr lang="en-US" sz="1400" kern="1200" dirty="0"/>
+            <a:t> </a:t>
+          </a:r>
+          <a:r>
+            <a:rPr lang="en-US" sz="1400" kern="1200" dirty="0" err="1"/>
+            <a:t>kodu</a:t>
+          </a:r>
+          <a:r>
+            <a:rPr lang="en-US" sz="1400" kern="1200" dirty="0"/>
+            <a:t> SQL</a:t>
+          </a:r>
+        </a:p>
+      </dsp:txBody>
+      <dsp:txXfrm>
+        <a:off x="4619139" y="414036"/>
+        <a:ext cx="1277721" cy="1277721"/>
+      </dsp:txXfrm>
+    </dsp:sp>
+    <dsp:sp modelId="{B09379A1-3990-4731-AB8D-126D950EEB1C}">
+      <dsp:nvSpPr>
+        <dsp:cNvPr id="0" name=""/>
+        <dsp:cNvSpPr/>
+      </dsp:nvSpPr>
+      <dsp:spPr>
+        <a:xfrm>
+          <a:off x="3025131" y="1869800"/>
+          <a:ext cx="1415965" cy="1415965"/>
+        </a:xfrm>
+        <a:prstGeom prst="roundRect">
+          <a:avLst/>
+        </a:prstGeom>
+        <a:gradFill rotWithShape="0">
+          <a:gsLst>
+            <a:gs pos="0">
+              <a:schemeClr val="accent4">
+                <a:hueOff val="0"/>
+                <a:satOff val="0"/>
+                <a:lumOff val="0"/>
+                <a:alphaOff val="0"/>
+                <a:tint val="98000"/>
+                <a:hueMod val="94000"/>
+                <a:satMod val="130000"/>
+                <a:lumMod val="128000"/>
+              </a:schemeClr>
+            </a:gs>
+            <a:gs pos="100000">
+              <a:schemeClr val="accent4">
+                <a:hueOff val="0"/>
+                <a:satOff val="0"/>
+                <a:lumOff val="0"/>
+                <a:alphaOff val="0"/>
+                <a:shade val="94000"/>
+                <a:lumMod val="88000"/>
+              </a:schemeClr>
+            </a:gs>
+          </a:gsLst>
+          <a:lin ang="5400000" scaled="0"/>
+        </a:gradFill>
+        <a:ln>
+          <a:noFill/>
+        </a:ln>
+        <a:effectLst>
+          <a:innerShdw blurRad="25400" dist="12700" dir="13500000">
+            <a:srgbClr val="000000">
+              <a:alpha val="45000"/>
+            </a:srgbClr>
+          </a:innerShdw>
+        </a:effectLst>
+      </dsp:spPr>
+      <dsp:style>
+        <a:lnRef idx="0">
+          <a:scrgbClr r="0" g="0" b="0"/>
+        </a:lnRef>
+        <a:fillRef idx="3">
+          <a:scrgbClr r="0" g="0" b="0"/>
+        </a:fillRef>
+        <a:effectRef idx="2">
+          <a:scrgbClr r="0" g="0" b="0"/>
+        </a:effectRef>
+        <a:fontRef idx="minor">
+          <a:schemeClr val="lt1"/>
+        </a:fontRef>
+      </dsp:style>
+      <dsp:txBody>
+        <a:bodyPr spcFirstLastPara="0" vert="horz" wrap="square" lIns="53340" tIns="53340" rIns="53340" bIns="53340" numCol="1" spcCol="1270" anchor="ctr" anchorCtr="0">
+          <a:noAutofit/>
+        </a:bodyPr>
+        <a:lstStyle/>
+        <a:p>
+          <a:pPr marL="0" lvl="0" indent="0" algn="ctr" defTabSz="622300">
+            <a:lnSpc>
+              <a:spcPct val="90000"/>
+            </a:lnSpc>
+            <a:spcBef>
+              <a:spcPct val="0"/>
+            </a:spcBef>
+            <a:spcAft>
+              <a:spcPct val="35000"/>
+            </a:spcAft>
+            <a:buNone/>
+          </a:pPr>
+          <a:r>
+            <a:rPr lang="en-US" sz="1400" kern="1200" dirty="0" err="1"/>
+            <a:t>Utrata</a:t>
+          </a:r>
+          <a:r>
+            <a:rPr lang="en-US" sz="1400" kern="1200" dirty="0"/>
+            <a:t> </a:t>
+          </a:r>
+          <a:r>
+            <a:rPr lang="en-US" sz="1400" kern="1200" dirty="0" err="1"/>
+            <a:t>integralności</a:t>
+          </a:r>
+          <a:r>
+            <a:rPr lang="en-US" sz="1400" kern="1200" dirty="0"/>
+            <a:t> </a:t>
+          </a:r>
+          <a:r>
+            <a:rPr lang="en-US" sz="1400" kern="1200" dirty="0" err="1"/>
+            <a:t>transakcyjnej</a:t>
+          </a:r>
+          <a:endParaRPr lang="en-US" sz="1400" kern="1200" dirty="0"/>
+        </a:p>
+      </dsp:txBody>
+      <dsp:txXfrm>
+        <a:off x="3094253" y="1938922"/>
+        <a:ext cx="1277721" cy="1277721"/>
+      </dsp:txXfrm>
+    </dsp:sp>
+    <dsp:sp modelId="{5DA7284E-E5BF-4952-B6C0-762264AB6D27}">
+      <dsp:nvSpPr>
+        <dsp:cNvPr id="0" name=""/>
+        <dsp:cNvSpPr/>
+      </dsp:nvSpPr>
+      <dsp:spPr>
+        <a:xfrm>
+          <a:off x="4550017" y="1869800"/>
+          <a:ext cx="1415965" cy="1415965"/>
+        </a:xfrm>
+        <a:prstGeom prst="roundRect">
+          <a:avLst/>
+        </a:prstGeom>
+        <a:gradFill rotWithShape="0">
+          <a:gsLst>
+            <a:gs pos="0">
+              <a:schemeClr val="accent5">
+                <a:hueOff val="0"/>
+                <a:satOff val="0"/>
+                <a:lumOff val="0"/>
+                <a:alphaOff val="0"/>
+                <a:tint val="98000"/>
+                <a:hueMod val="94000"/>
+                <a:satMod val="130000"/>
+                <a:lumMod val="128000"/>
+              </a:schemeClr>
+            </a:gs>
+            <a:gs pos="100000">
+              <a:schemeClr val="accent5">
+                <a:hueOff val="0"/>
+                <a:satOff val="0"/>
+                <a:lumOff val="0"/>
+                <a:alphaOff val="0"/>
+                <a:shade val="94000"/>
+                <a:lumMod val="88000"/>
+              </a:schemeClr>
+            </a:gs>
+          </a:gsLst>
+          <a:lin ang="5400000" scaled="0"/>
+        </a:gradFill>
+        <a:ln>
+          <a:noFill/>
+        </a:ln>
+        <a:effectLst>
+          <a:innerShdw blurRad="25400" dist="12700" dir="13500000">
+            <a:srgbClr val="000000">
+              <a:alpha val="45000"/>
+            </a:srgbClr>
+          </a:innerShdw>
+        </a:effectLst>
+      </dsp:spPr>
+      <dsp:style>
+        <a:lnRef idx="0">
+          <a:scrgbClr r="0" g="0" b="0"/>
+        </a:lnRef>
+        <a:fillRef idx="3">
+          <a:scrgbClr r="0" g="0" b="0"/>
+        </a:fillRef>
+        <a:effectRef idx="2">
+          <a:scrgbClr r="0" g="0" b="0"/>
+        </a:effectRef>
+        <a:fontRef idx="minor">
+          <a:schemeClr val="lt1"/>
+        </a:fontRef>
+      </dsp:style>
+      <dsp:txBody>
+        <a:bodyPr spcFirstLastPara="0" vert="horz" wrap="square" lIns="53340" tIns="53340" rIns="53340" bIns="53340" numCol="1" spcCol="1270" anchor="ctr" anchorCtr="0">
+          <a:noAutofit/>
+        </a:bodyPr>
+        <a:lstStyle/>
+        <a:p>
+          <a:pPr marL="0" lvl="0" indent="0" algn="ctr" defTabSz="622300">
+            <a:lnSpc>
+              <a:spcPct val="90000"/>
+            </a:lnSpc>
+            <a:spcBef>
+              <a:spcPct val="0"/>
+            </a:spcBef>
+            <a:spcAft>
+              <a:spcPct val="35000"/>
+            </a:spcAft>
+            <a:buNone/>
+          </a:pPr>
+          <a:r>
+            <a:rPr lang="en-US" sz="1400" kern="1200" dirty="0" err="1"/>
+            <a:t>Złożoność</a:t>
+          </a:r>
+          <a:r>
+            <a:rPr lang="en-US" sz="1400" kern="1200" dirty="0"/>
+            <a:t> </a:t>
+          </a:r>
+          <a:r>
+            <a:rPr lang="en-US" sz="1400" kern="1200" dirty="0" err="1"/>
+            <a:t>operacyjna</a:t>
+          </a:r>
+          <a:endParaRPr lang="en-US" sz="1400" kern="1200" dirty="0"/>
+        </a:p>
+      </dsp:txBody>
+      <dsp:txXfrm>
+        <a:off x="4619139" y="1938922"/>
+        <a:ext cx="1277721" cy="1277721"/>
+      </dsp:txXfrm>
+    </dsp:sp>
+  </dsp:spTree>
+</dsp:drawing>
+</file>
+
+<file path=ppt/diagrams/layout1.xml><?xml version="1.0" encoding="utf-8"?>
+<dgm:layoutDef xmlns:dgm="http://schemas.openxmlformats.org/drawingml/2006/diagram" xmlns:a="http://schemas.openxmlformats.org/drawingml/2006/main" uniqueId="urn:microsoft.com/office/officeart/2005/8/layout/matrix3">
+  <dgm:title val=""/>
+  <dgm:desc val=""/>
+  <dgm:catLst>
+    <dgm:cat type="matrix" pri="1000"/>
+    <dgm:cat type="convert" pri="18000"/>
+  </dgm:catLst>
+  <dgm:sampData>
+    <dgm:dataModel>
+      <dgm:ptLst>
+        <dgm:pt modelId="0" type="doc"/>
+        <dgm:pt modelId="1">
+          <dgm:prSet phldr="1"/>
+        </dgm:pt>
+        <dgm:pt modelId="2">
+          <dgm:prSet phldr="1"/>
+        </dgm:pt>
+        <dgm:pt modelId="3">
+          <dgm:prSet phldr="1"/>
+        </dgm:pt>
+        <dgm:pt modelId="4">
+          <dgm:prSet phldr="1"/>
+        </dgm:pt>
+      </dgm:ptLst>
+      <dgm:cxnLst>
+        <dgm:cxn modelId="5" srcId="0" destId="1" srcOrd="0" destOrd="0"/>
+        <dgm:cxn modelId="6" srcId="0" destId="2" srcOrd="1" destOrd="0"/>
+        <dgm:cxn modelId="7" srcId="0" destId="3" srcOrd="0" destOrd="0"/>
+        <dgm:cxn modelId="8" srcId="0" destId="4" srcOrd="1" destOrd="0"/>
+      </dgm:cxnLst>
+      <dgm:bg/>
+      <dgm:whole/>
+    </dgm:dataModel>
+  </dgm:sampData>
+  <dgm:styleData useDef="1">
+    <dgm:dataModel>
+      <dgm:ptLst/>
+      <dgm:bg/>
+      <dgm:whole/>
+    </dgm:dataModel>
+  </dgm:styleData>
+  <dgm:clrData useDef="1">
+    <dgm:dataModel>
+      <dgm:ptLst/>
+      <dgm:bg/>
+      <dgm:whole/>
+    </dgm:dataModel>
+  </dgm:clrData>
+  <dgm:layoutNode name="matrix">
+    <dgm:varLst>
+      <dgm:chMax val="1"/>
+      <dgm:dir/>
+      <dgm:resizeHandles val="exact"/>
+    </dgm:varLst>
+    <dgm:alg type="composite">
+      <dgm:param type="ar" val="1"/>
+    </dgm:alg>
+    <dgm:shape xmlns:r="http://schemas.openxmlformats.org/officeDocument/2006/relationships" r:blip="">
+      <dgm:adjLst/>
+    </dgm:shape>
+    <dgm:presOf/>
+    <dgm:choose name="Name0">
+      <dgm:if name="Name1" func="var" arg="dir" op="equ" val="norm">
+        <dgm:constrLst>
+          <dgm:constr type="w" for="ch" forName="diamond" refType="w"/>
+          <dgm:constr type="h" for="ch" forName="diamond" refType="h"/>
+          <dgm:constr type="w" for="ch" forName="quad1" refType="w" fact="0.39"/>
+          <dgm:constr type="h" for="ch" forName="quad1" refType="h" fact="0.39"/>
+          <dgm:constr type="ctrX" for="ch" forName="quad1" refType="w" fact="0.29"/>
+          <dgm:constr type="ctrY" for="ch" forName="quad1" refType="h" fact="0.29"/>
+          <dgm:constr type="w" for="ch" forName="quad2" refType="w" fact="0.39"/>
+          <dgm:constr type="h" for="ch" forName="quad2" refType="h" fact="0.39"/>
+          <dgm:constr type="ctrX" for="ch" forName="quad2" refType="w" fact="0.71"/>
+          <dgm:constr type="ctrY" for="ch" forName="quad2" refType="h" fact="0.29"/>
+          <dgm:constr type="w" for="ch" forName="quad3" refType="w" fact="0.39"/>
+          <dgm:constr type="h" for="ch" forName="quad3" refType="h" fact="0.39"/>
+          <dgm:constr type="ctrX" for="ch" forName="quad3" refType="w" fact="0.29"/>
+          <dgm:constr type="ctrY" for="ch" forName="quad3" refType="h" fact="0.71"/>
+          <dgm:constr type="w" for="ch" forName="quad4" refType="w" fact="0.39"/>
+          <dgm:constr type="h" for="ch" forName="quad4" refType="h" fact="0.39"/>
+          <dgm:constr type="ctrX" for="ch" forName="quad4" refType="w" fact="0.71"/>
+          <dgm:constr type="ctrY" for="ch" forName="quad4" refType="h" fact="0.71"/>
+          <dgm:constr type="primFontSz" for="des" ptType="node" op="equ" val="65"/>
+        </dgm:constrLst>
+      </dgm:if>
+      <dgm:else name="Name2">
+        <dgm:constrLst>
+          <dgm:constr type="w" for="ch" forName="diamond" refType="w"/>
+          <dgm:constr type="h" for="ch" forName="diamond" refType="h"/>
+          <dgm:constr type="w" for="ch" forName="quad1" refType="w" fact="0.39"/>
+          <dgm:constr type="h" for="ch" forName="quad1" refType="h" fact="0.39"/>
+          <dgm:constr type="ctrX" for="ch" forName="quad1" refType="w" fact="0.71"/>
+          <dgm:constr type="ctrY" for="ch" forName="quad1" refType="h" fact="0.29"/>
+          <dgm:constr type="w" for="ch" forName="quad2" refType="w" fact="0.39"/>
+          <dgm:constr type="h" for="ch" forName="quad2" refType="h" fact="0.39"/>
+          <dgm:constr type="ctrX" for="ch" forName="quad2" refType="w" fact="0.29"/>
+          <dgm:constr type="ctrY" for="ch" forName="quad2" refType="h" fact="0.29"/>
+          <dgm:constr type="w" for="ch" forName="quad3" refType="w" fact="0.39"/>
+          <dgm:constr type="h" for="ch" forName="quad3" refType="h" fact="0.39"/>
+          <dgm:constr type="ctrX" for="ch" forName="quad3" refType="w" fact="0.71"/>
+          <dgm:constr type="ctrY" for="ch" forName="quad3" refType="h" fact="0.71"/>
+          <dgm:constr type="w" for="ch" forName="quad4" refType="w" fact="0.39"/>
+          <dgm:constr type="h" for="ch" forName="quad4" refType="h" fact="0.39"/>
+          <dgm:constr type="ctrX" for="ch" forName="quad4" refType="w" fact="0.29"/>
+          <dgm:constr type="ctrY" for="ch" forName="quad4" refType="h" fact="0.71"/>
+          <dgm:constr type="primFontSz" for="des" ptType="node" op="equ" val="65"/>
+        </dgm:constrLst>
+      </dgm:else>
+    </dgm:choose>
+    <dgm:ruleLst/>
+    <dgm:choose name="Name3">
+      <dgm:if name="Name4" axis="ch" ptType="node" func="cnt" op="gte" val="1">
+        <dgm:layoutNode name="diamond" styleLbl="bgShp">
+          <dgm:alg type="sp"/>
+          <dgm:shape xmlns:r="http://schemas.openxmlformats.org/officeDocument/2006/relationships" type="diamond" r:blip="">
+            <dgm:adjLst/>
+          </dgm:shape>
+          <dgm:presOf/>
+          <dgm:constrLst>
+            <dgm:constr type="w" refType="h" op="equ"/>
+          </dgm:constrLst>
+          <dgm:ruleLst/>
+        </dgm:layoutNode>
+        <dgm:layoutNode name="quad1">
+          <dgm:varLst>
+            <dgm:chMax val="0"/>
+            <dgm:chPref val="0"/>
+            <dgm:bulletEnabled val="1"/>
+          </dgm:varLst>
+          <dgm:alg type="tx"/>
+          <dgm:shape xmlns:r="http://schemas.openxmlformats.org/officeDocument/2006/relationships" type="roundRect" r:blip="">
+            <dgm:adjLst/>
+          </dgm:shape>
+          <dgm:presOf axis="ch desOrSelf" ptType="node node" st="1 1" cnt="1 0"/>
+          <dgm:constrLst>
+            <dgm:constr type="w" refType="h" op="equ"/>
+            <dgm:constr type="tMarg" refType="primFontSz" fact="0.3"/>
+            <dgm:constr type="bMarg" refType="primFontSz" fact="0.3"/>
+            <dgm:constr type="lMarg" refType="primFontSz" fact="0.3"/>
+            <dgm:constr type="rMarg" refType="primFontSz" fact="0.3"/>
+          </dgm:constrLst>
+          <dgm:ruleLst>
+            <dgm:rule type="primFontSz" val="5" fact="NaN" max="NaN"/>
+          </dgm:ruleLst>
+        </dgm:layoutNode>
+        <dgm:layoutNode name="quad2">
+          <dgm:varLst>
+            <dgm:chMax val="0"/>
+            <dgm:chPref val="0"/>
+            <dgm:bulletEnabled val="1"/>
+          </dgm:varLst>
+          <dgm:alg type="tx"/>
+          <dgm:shape xmlns:r="http://schemas.openxmlformats.org/officeDocument/2006/relationships" type="roundRect" r:blip="">
+            <dgm:adjLst/>
+          </dgm:shape>
+          <dgm:presOf axis="ch desOrSelf" ptType="node node" st="2 1" cnt="1 0"/>
+          <dgm:constrLst>
+            <dgm:constr type="w" refType="h" op="equ"/>
+            <dgm:constr type="tMarg" refType="primFontSz" fact="0.3"/>
+            <dgm:constr type="bMarg" refType="primFontSz" fact="0.3"/>
+            <dgm:constr type="lMarg" refType="primFontSz" fact="0.3"/>
+            <dgm:constr type="rMarg" refType="primFontSz" fact="0.3"/>
+          </dgm:constrLst>
+          <dgm:ruleLst>
+            <dgm:rule type="primFontSz" val="5" fact="NaN" max="NaN"/>
+          </dgm:ruleLst>
+        </dgm:layoutNode>
+        <dgm:layoutNode name="quad3">
+          <dgm:varLst>
+            <dgm:chMax val="0"/>
+            <dgm:chPref val="0"/>
+            <dgm:bulletEnabled val="1"/>
+          </dgm:varLst>
+          <dgm:alg type="tx"/>
+          <dgm:shape xmlns:r="http://schemas.openxmlformats.org/officeDocument/2006/relationships" type="roundRect" r:blip="">
+            <dgm:adjLst/>
+          </dgm:shape>
+          <dgm:presOf axis="ch desOrSelf" ptType="node node" st="3 1" cnt="1 0"/>
+          <dgm:constrLst>
+            <dgm:constr type="w" refType="h" op="equ"/>
+            <dgm:constr type="tMarg" refType="primFontSz" fact="0.3"/>
+            <dgm:constr type="bMarg" refType="primFontSz" fact="0.3"/>
+            <dgm:constr type="lMarg" refType="primFontSz" fact="0.3"/>
+            <dgm:constr type="rMarg" refType="primFontSz" fact="0.3"/>
+          </dgm:constrLst>
+          <dgm:ruleLst>
+            <dgm:rule type="primFontSz" val="5" fact="NaN" max="NaN"/>
+          </dgm:ruleLst>
+        </dgm:layoutNode>
+        <dgm:layoutNode name="quad4">
+          <dgm:varLst>
+            <dgm:chMax val="0"/>
+            <dgm:chPref val="0"/>
+            <dgm:bulletEnabled val="1"/>
+          </dgm:varLst>
+          <dgm:alg type="tx"/>
+          <dgm:shape xmlns:r="http://schemas.openxmlformats.org/officeDocument/2006/relationships" type="roundRect" r:blip="">
+            <dgm:adjLst/>
+          </dgm:shape>
+          <dgm:presOf axis="ch desOrSelf" ptType="node node" st="4 1" cnt="1 0"/>
+          <dgm:constrLst>
+            <dgm:constr type="w" refType="h" op="equ"/>
+            <dgm:constr type="tMarg" refType="primFontSz" fact="0.3"/>
+            <dgm:constr type="bMarg" refType="primFontSz" fact="0.3"/>
+            <dgm:constr type="lMarg" refType="primFontSz" fact="0.3"/>
+            <dgm:constr type="rMarg" refType="primFontSz" fact="0.3"/>
+          </dgm:constrLst>
+          <dgm:ruleLst>
+            <dgm:rule type="primFontSz" val="5" fact="NaN" max="NaN"/>
+          </dgm:ruleLst>
+        </dgm:layoutNode>
+      </dgm:if>
+      <dgm:else name="Name5"/>
+    </dgm:choose>
+  </dgm:layoutNode>
+</dgm:layoutDef>
+</file>
+
+<file path=ppt/diagrams/quickStyle1.xml><?xml version="1.0" encoding="utf-8"?>
+<dgm:styleDef xmlns:dgm="http://schemas.openxmlformats.org/drawingml/2006/diagram" xmlns:a="http://schemas.openxmlformats.org/drawingml/2006/main" uniqueId="urn:microsoft.com/office/officeart/2005/8/quickstyle/simple4">
+  <dgm:title val=""/>
+  <dgm:desc val=""/>
+  <dgm:catLst>
+    <dgm:cat type="simple" pri="10400"/>
+  </dgm:catLst>
+  <dgm:scene3d>
+    <a:camera prst="orthographicFront"/>
+    <a:lightRig rig="threePt" dir="t"/>
+  </dgm:scene3d>
+  <dgm:styleLbl name="node0">
+    <dgm:scene3d>
+      <a:camera prst="orthographicFront"/>
+      <a:lightRig rig="threePt" dir="t"/>
+    </dgm:scene3d>
+    <dgm:sp3d/>
+    <dgm:txPr/>
+    <dgm:style>
+      <a:lnRef idx="0">
+        <a:scrgbClr r="0" g="0" b="0"/>
+      </a:lnRef>
+      <a:fillRef idx="3">
+        <a:scrgbClr r="0" g="0" b="0"/>
+      </a:fillRef>
+      <a:effectRef idx="2">
+        <a:scrgbClr r="0" g="0" b="0"/>
+      </a:effectRef>
+      <a:fontRef idx="minor">
+        <a:schemeClr val="lt1"/>
+      </a:fontRef>
+    </dgm:style>
+  </dgm:styleLbl>
+  <dgm:styleLbl name="lnNode1">
+    <dgm:scene3d>
+      <a:camera prst="orthographicFront"/>
+      <a:lightRig rig="threePt" dir="t"/>
+    </dgm:scene3d>
+    <dgm:sp3d/>
+    <dgm:txPr/>
+    <dgm:style>
+      <a:lnRef idx="1">
+        <a:scrgbClr r="0" g="0" b="0"/>
+      </a:lnRef>
+      <a:fillRef idx="3">
+        <a:scrgbClr r="0" g="0" b="0"/>
+      </a:fillRef>
+      <a:effectRef idx="2">
+        <a:scrgbClr r="0" g="0" b="0"/>
+      </a:effectRef>
+      <a:fontRef idx="minor">
+        <a:schemeClr val="lt1"/>
+      </a:fontRef>
+    </dgm:style>
+  </dgm:styleLbl>
+  <dgm:styleLbl name="vennNode1">
+    <dgm:scene3d>
+      <a:camera prst="orthographicFront"/>
+      <a:lightRig rig="threePt" dir="t"/>
+    </dgm:scene3d>
+    <dgm:sp3d/>
+    <dgm:txPr/>
+    <dgm:style>
+      <a:lnRef idx="0">
+        <a:scrgbClr r="0" g="0" b="0"/>
+      </a:lnRef>
+      <a:fillRef idx="3">
+        <a:scrgbClr r="0" g="0" b="0"/>
+      </a:fillRef>
+      <a:effectRef idx="0">
+        <a:scrgbClr r="0" g="0" b="0"/>
+      </a:effectRef>
+      <a:fontRef idx="minor">
+        <a:schemeClr val="tx1"/>
+      </a:fontRef>
+    </dgm:style>
+  </dgm:styleLbl>
+  <dgm:styleLbl name="alignNode1">
+    <dgm:scene3d>
+      <a:camera prst="orthographicFront"/>
+      <a:lightRig rig="threePt" dir="t"/>
+    </dgm:scene3d>
+    <dgm:sp3d/>
+    <dgm:txPr/>
+    <dgm:style>
+      <a:lnRef idx="1">
+        <a:scrgbClr r="0" g="0" b="0"/>
+      </a:lnRef>
+      <a:fillRef idx="3">
+        <a:scrgbClr r="0" g="0" b="0"/>
+      </a:fillRef>
+      <a:effectRef idx="2">
+        <a:scrgbClr r="0" g="0" b="0"/>
+      </a:effectRef>
+      <a:fontRef idx="minor">
+        <a:schemeClr val="lt1"/>
+      </a:fontRef>
+    </dgm:style>
+  </dgm:styleLbl>
+  <dgm:styleLbl name="node1">
+    <dgm:scene3d>
+      <a:camera prst="orthographicFront"/>
+      <a:lightRig rig="threePt" dir="t"/>
+    </dgm:scene3d>
+    <dgm:sp3d/>
+    <dgm:txPr/>
+    <dgm:style>
+      <a:lnRef idx="0">
+        <a:scrgbClr r="0" g="0" b="0"/>
+      </a:lnRef>
+      <a:fillRef idx="3">
+        <a:scrgbClr r="0" g="0" b="0"/>
+      </a:fillRef>
+      <a:effectRef idx="2">
+        <a:scrgbClr r="0" g="0" b="0"/>
+      </a:effectRef>
+      <a:fontRef idx="minor">
+        <a:schemeClr val="lt1"/>
+      </a:fontRef>
+    </dgm:style>
+  </dgm:styleLbl>
+  <dgm:styleLbl name="node2">
+    <dgm:scene3d>
+      <a:camera prst="orthographicFront"/>
+      <a:lightRig rig="threePt" dir="t"/>
+    </dgm:scene3d>
+    <dgm:sp3d/>
+    <dgm:txPr/>
+    <dgm:style>
+      <a:lnRef idx="0">
+        <a:scrgbClr r="0" g="0" b="0"/>
+      </a:lnRef>
+      <a:fillRef idx="3">
+        <a:scrgbClr r="0" g="0" b="0"/>
+      </a:fillRef>
+      <a:effectRef idx="2">
+        <a:scrgbClr r="0" g="0" b="0"/>
+      </a:effectRef>
+      <a:fontRef idx="minor">
+        <a:schemeClr val="lt1"/>
+      </a:fontRef>
+    </dgm:style>
+  </dgm:styleLbl>
+  <dgm:styleLbl name="node3">
+    <dgm:scene3d>
+      <a:camera prst="orthographicFront"/>
+      <a:lightRig rig="threePt" dir="t"/>
+    </dgm:scene3d>
+    <dgm:sp3d/>
+    <dgm:txPr/>
+    <dgm:style>
+      <a:lnRef idx="0">
+        <a:scrgbClr r="0" g="0" b="0"/>
+      </a:lnRef>
+      <a:fillRef idx="3">
+        <a:scrgbClr r="0" g="0" b="0"/>
+      </a:fillRef>
+      <a:effectRef idx="2">
+        <a:scrgbClr r="0" g="0" b="0"/>
+      </a:effectRef>
+      <a:fontRef idx="minor">
+        <a:schemeClr val="lt1"/>
+      </a:fontRef>
+    </dgm:style>
+  </dgm:styleLbl>
+  <dgm:styleLbl name="node4">
+    <dgm:scene3d>
+      <a:camera prst="orthographicFront"/>
+      <a:lightRig rig="threePt" dir="t"/>
+    </dgm:scene3d>
+    <dgm:sp3d/>
+    <dgm:txPr/>
+    <dgm:style>
+      <a:lnRef idx="0">
+        <a:scrgbClr r="0" g="0" b="0"/>
+      </a:lnRef>
+      <a:fillRef idx="3">
+        <a:scrgbClr r="0" g="0" b="0"/>
+      </a:fillRef>
+      <a:effectRef idx="2">
+        <a:scrgbClr r="0" g="0" b="0"/>
+      </a:effectRef>
+      <a:fontRef idx="minor">
+        <a:schemeClr val="lt1"/>
+      </a:fontRef>
+    </dgm:style>
+  </dgm:styleLbl>
+  <dgm:styleLbl name="fgImgPlace1">
+    <dgm:scene3d>
+      <a:camera prst="orthographicFront"/>
+      <a:lightRig rig="threePt" dir="t"/>
+    </dgm:scene3d>
+    <dgm:sp3d/>
+    <dgm:txPr/>
+    <dgm:style>
+      <a:lnRef idx="0">
+        <a:scrgbClr r="0" g="0" b="0"/>
+      </a:lnRef>
+      <a:fillRef idx="1">
+        <a:scrgbClr r="0" g="0" b="0"/>
+      </a:fillRef>
+      <a:effectRef idx="2">
+        <a:scrgbClr r="0" g="0" b="0"/>
+      </a:effectRef>
+      <a:fontRef idx="minor"/>
+    </dgm:style>
+  </dgm:styleLbl>
+  <dgm:styleLbl name="alignImgPlace1">
+    <dgm:scene3d>
+      <a:camera prst="orthographicFront"/>
+      <a:lightRig rig="threePt" dir="t"/>
+    </dgm:scene3d>
+    <dgm:sp3d/>
+    <dgm:txPr/>
+    <dgm:style>
+      <a:lnRef idx="0">
+        <a:scrgbClr r="0" g="0" b="0"/>
+      </a:lnRef>
+      <a:fillRef idx="1">
+        <a:scrgbClr r="0" g="0" b="0"/>
+      </a:fillRef>
+      <a:effectRef idx="2">
+        <a:scrgbClr r="0" g="0" b="0"/>
+      </a:effectRef>
+      <a:fontRef idx="minor"/>
+    </dgm:style>
+  </dgm:styleLbl>
+  <dgm:styleLbl name="bgImgPlace1">
+    <dgm:scene3d>
+      <a:camera prst="orthographicFront"/>
+      <a:lightRig rig="threePt" dir="t"/>
+    </dgm:scene3d>
+    <dgm:sp3d/>
+    <dgm:txPr/>
+    <dgm:style>
+      <a:lnRef idx="0">
+        <a:scrgbClr r="0" g="0" b="0"/>
+      </a:lnRef>
+      <a:fillRef idx="1">
+        <a:scrgbClr r="0" g="0" b="0"/>
+      </a:fillRef>
+      <a:effectRef idx="2">
+        <a:scrgbClr r="0" g="0" b="0"/>
+      </a:effectRef>
+      <a:fontRef idx="minor"/>
+    </dgm:style>
+  </dgm:styleLbl>
+  <dgm:styleLbl name="sibTrans2D1">
+    <dgm:scene3d>
+      <a:camera prst="orthographicFront"/>
+      <a:lightRig rig="threePt" dir="t"/>
+    </dgm:scene3d>
+    <dgm:sp3d/>
+    <dgm:txPr/>
+    <dgm:style>
+      <a:lnRef idx="0">
+        <a:scrgbClr r="0" g="0" b="0"/>
+      </a:lnRef>
+      <a:fillRef idx="3">
+        <a:scrgbClr r="0" g="0" b="0"/>
+      </a:fillRef>
+      <a:effectRef idx="2">
+        <a:scrgbClr r="0" g="0" b="0"/>
+      </a:effectRef>
+      <a:fontRef idx="minor">
+        <a:schemeClr val="lt1"/>
+      </a:fontRef>
+    </dgm:style>
+  </dgm:styleLbl>
+  <dgm:styleLbl name="fgSibTrans2D1">
+    <dgm:scene3d>
+      <a:camera prst="orthographicFront"/>
+      <a:lightRig rig="threePt" dir="t"/>
+    </dgm:scene3d>
+    <dgm:sp3d/>
+    <dgm:txPr/>
+    <dgm:style>
+      <a:lnRef idx="0">
+        <a:scrgbClr r="0" g="0" b="0"/>
+      </a:lnRef>
+      <a:fillRef idx="3">
+        <a:scrgbClr r="0" g="0" b="0"/>
+      </a:fillRef>
+      <a:effectRef idx="2">
+        <a:scrgbClr r="0" g="0" b="0"/>
+      </a:effectRef>
+      <a:fontRef idx="minor">
+        <a:schemeClr val="lt1"/>
+      </a:fontRef>
+    </dgm:style>
+  </dgm:styleLbl>
+  <dgm:styleLbl name="bgSibTrans2D1">
+    <dgm:scene3d>
+      <a:camera prst="orthographicFront"/>
+      <a:lightRig rig="threePt" dir="t"/>
+    </dgm:scene3d>
+    <dgm:sp3d/>
+    <dgm:txPr/>
+    <dgm:style>
+      <a:lnRef idx="0">
+        <a:scrgbClr r="0" g="0" b="0"/>
+      </a:lnRef>
+      <a:fillRef idx="3">
+        <a:scrgbClr r="0" g="0" b="0"/>
+      </a:fillRef>
+      <a:effectRef idx="2">
+        <a:scrgbClr r="0" g="0" b="0"/>
+      </a:effectRef>
+      <a:fontRef idx="minor">
+        <a:schemeClr val="lt1"/>
+      </a:fontRef>
+    </dgm:style>
+  </dgm:styleLbl>
+  <dgm:styleLbl name="sibTrans1D1">
+    <dgm:scene3d>
+      <a:camera prst="orthographicFront"/>
+      <a:lightRig rig="threePt" dir="t"/>
+    </dgm:scene3d>
+    <dgm:sp3d/>
+    <dgm:txPr/>
+    <dgm:style>
+      <a:lnRef idx="1">
+        <a:scrgbClr r="0" g="0" b="0"/>
+      </a:lnRef>
+      <a:fillRef idx="0">
+        <a:scrgbClr r="0" g="0" b="0"/>
+      </a:fillRef>
+      <a:effectRef idx="0">
+        <a:scrgbClr r="0" g="0" b="0"/>
+      </a:effectRef>
+      <a:fontRef idx="minor"/>
+    </dgm:style>
+  </dgm:styleLbl>
+  <dgm:styleLbl name="callout">
+    <dgm:scene3d>
+      <a:camera prst="orthographicFront"/>
+      <a:lightRig rig="threePt" dir="t"/>
+    </dgm:scene3d>
+    <dgm:sp3d/>
+    <dgm:txPr/>
+    <dgm:style>
+      <a:lnRef idx="2">
+        <a:scrgbClr r="0" g="0" b="0"/>
+      </a:lnRef>
+      <a:fillRef idx="1">
+        <a:scrgbClr r="0" g="0" b="0"/>
+      </a:fillRef>
+      <a:effectRef idx="1">
+        <a:scrgbClr r="0" g="0" b="0"/>
+      </a:effectRef>
+      <a:fontRef idx="minor"/>
+    </dgm:style>
+  </dgm:styleLbl>
+  <dgm:styleLbl name="asst0">
+    <dgm:scene3d>
+      <a:camera prst="orthographicFront"/>
+      <a:lightRig rig="threePt" dir="t"/>
+    </dgm:scene3d>
+    <dgm:sp3d/>
+    <dgm:txPr/>
+    <dgm:style>
+      <a:lnRef idx="0">
+        <a:scrgbClr r="0" g="0" b="0"/>
+      </a:lnRef>
+      <a:fillRef idx="3">
+        <a:scrgbClr r="0" g="0" b="0"/>
+      </a:fillRef>
+      <a:effectRef idx="2">
+        <a:scrgbClr r="0" g="0" b="0"/>
+      </a:effectRef>
+      <a:fontRef idx="minor">
+        <a:schemeClr val="lt1"/>
+      </a:fontRef>
+    </dgm:style>
+  </dgm:styleLbl>
+  <dgm:styleLbl name="asst1">
+    <dgm:scene3d>
+      <a:camera prst="orthographicFront"/>
+      <a:lightRig rig="threePt" dir="t"/>
+    </dgm:scene3d>
+    <dgm:sp3d/>
+    <dgm:txPr/>
+    <dgm:style>
+      <a:lnRef idx="0">
+        <a:scrgbClr r="0" g="0" b="0"/>
+      </a:lnRef>
+      <a:fillRef idx="3">
+        <a:scrgbClr r="0" g="0" b="0"/>
+      </a:fillRef>
+      <a:effectRef idx="2">
+        <a:scrgbClr r="0" g="0" b="0"/>
+      </a:effectRef>
+      <a:fontRef idx="minor">
+        <a:schemeClr val="lt1"/>
+      </a:fontRef>
+    </dgm:style>
+  </dgm:styleLbl>
+  <dgm:styleLbl name="asst2">
+    <dgm:scene3d>
+      <a:camera prst="orthographicFront"/>
+      <a:lightRig rig="threePt" dir="t"/>
+    </dgm:scene3d>
+    <dgm:sp3d/>
+    <dgm:txPr/>
+    <dgm:style>
+      <a:lnRef idx="0">
+        <a:scrgbClr r="0" g="0" b="0"/>
+      </a:lnRef>
+      <a:fillRef idx="3">
+        <a:scrgbClr r="0" g="0" b="0"/>
+      </a:fillRef>
+      <a:effectRef idx="2">
+        <a:scrgbClr r="0" g="0" b="0"/>
+      </a:effectRef>
+      <a:fontRef idx="minor">
+        <a:schemeClr val="lt1"/>
+      </a:fontRef>
+    </dgm:style>
+  </dgm:styleLbl>
+  <dgm:styleLbl name="asst3">
+    <dgm:scene3d>
+      <a:camera prst="orthographicFront"/>
+      <a:lightRig rig="threePt" dir="t"/>
+    </dgm:scene3d>
+    <dgm:sp3d/>
+    <dgm:txPr/>
+    <dgm:style>
+      <a:lnRef idx="0">
+        <a:scrgbClr r="0" g="0" b="0"/>
+      </a:lnRef>
+      <a:fillRef idx="3">
+        <a:scrgbClr r="0" g="0" b="0"/>
+      </a:fillRef>
+      <a:effectRef idx="2">
+        <a:scrgbClr r="0" g="0" b="0"/>
+      </a:effectRef>
+      <a:fontRef idx="minor">
+        <a:schemeClr val="lt1"/>
+      </a:fontRef>
+    </dgm:style>
+  </dgm:styleLbl>
+  <dgm:styleLbl name="asst4">
+    <dgm:scene3d>
+      <a:camera prst="orthographicFront"/>
+      <a:lightRig rig="threePt" dir="t"/>
+    </dgm:scene3d>
+    <dgm:sp3d/>
+    <dgm:txPr/>
+    <dgm:style>
+      <a:lnRef idx="0">
+        <a:scrgbClr r="0" g="0" b="0"/>
+      </a:lnRef>
+      <a:fillRef idx="3">
+        <a:scrgbClr r="0" g="0" b="0"/>
+      </a:fillRef>
+      <a:effectRef idx="2">
+        <a:scrgbClr r="0" g="0" b="0"/>
+      </a:effectRef>
+      <a:fontRef idx="minor">
+        <a:schemeClr val="lt1"/>
+      </a:fontRef>
+    </dgm:style>
+  </dgm:styleLbl>
+  <dgm:styleLbl name="parChTrans2D1">
+    <dgm:scene3d>
+      <a:camera prst="orthographicFront"/>
+      <a:lightRig rig="threePt" dir="t"/>
+    </dgm:scene3d>
+    <dgm:sp3d/>
+    <dgm:txPr/>
+    <dgm:style>
+      <a:lnRef idx="0">
+        <a:scrgbClr r="0" g="0" b="0"/>
+      </a:lnRef>
+      <a:fillRef idx="3">
+        <a:scrgbClr r="0" g="0" b="0"/>
+      </a:fillRef>
+      <a:effectRef idx="2">
+        <a:scrgbClr r="0" g="0" b="0"/>
+      </a:effectRef>
+      <a:fontRef idx="minor">
+        <a:schemeClr val="lt1"/>
+      </a:fontRef>
+    </dgm:style>
+  </dgm:styleLbl>
+  <dgm:styleLbl name="parChTrans2D2">
+    <dgm:scene3d>
+      <a:camera prst="orthographicFront"/>
+      <a:lightRig rig="threePt" dir="t"/>
+    </dgm:scene3d>
+    <dgm:sp3d/>
+    <dgm:txPr/>
+    <dgm:style>
+      <a:lnRef idx="0">
+        <a:scrgbClr r="0" g="0" b="0"/>
+      </a:lnRef>
+      <a:fillRef idx="3">
+        <a:scrgbClr r="0" g="0" b="0"/>
+      </a:fillRef>
+      <a:effectRef idx="2">
+        <a:scrgbClr r="0" g="0" b="0"/>
+      </a:effectRef>
+      <a:fontRef idx="minor">
+        <a:schemeClr val="lt1"/>
+      </a:fontRef>
+    </dgm:style>
+  </dgm:styleLbl>
+  <dgm:styleLbl name="parChTrans2D3">
+    <dgm:scene3d>
+      <a:camera prst="orthographicFront"/>
+      <a:lightRig rig="threePt" dir="t"/>
+    </dgm:scene3d>
+    <dgm:sp3d/>
+    <dgm:txPr/>
+    <dgm:style>
+      <a:lnRef idx="1">
+        <a:scrgbClr r="0" g="0" b="0"/>
+      </a:lnRef>
+      <a:fillRef idx="3">
+        <a:scrgbClr r="0" g="0" b="0"/>
+      </a:fillRef>
+      <a:effectRef idx="2">
+        <a:scrgbClr r="0" g="0" b="0"/>
+      </a:effectRef>
+      <a:fontRef idx="minor">
+        <a:schemeClr val="lt1"/>
+      </a:fontRef>
+    </dgm:style>
+  </dgm:styleLbl>
+  <dgm:styleLbl name="parChTrans2D4">
+    <dgm:scene3d>
+      <a:camera prst="orthographicFront"/>
+      <a:lightRig rig="threePt" dir="t"/>
+    </dgm:scene3d>
+    <dgm:sp3d/>
+    <dgm:txPr/>
+    <dgm:style>
+      <a:lnRef idx="1">
+        <a:scrgbClr r="0" g="0" b="0"/>
+      </a:lnRef>
+      <a:fillRef idx="3">
+        <a:scrgbClr r="0" g="0" b="0"/>
+      </a:fillRef>
+      <a:effectRef idx="2">
+        <a:scrgbClr r="0" g="0" b="0"/>
+      </a:effectRef>
+      <a:fontRef idx="minor">
+        <a:schemeClr val="lt1"/>
+      </a:fontRef>
+    </dgm:style>
+  </dgm:styleLbl>
+  <dgm:styleLbl name="parChTrans1D1">
+    <dgm:scene3d>
+      <a:camera prst="orthographicFront"/>
+      <a:lightRig rig="threePt" dir="t"/>
+    </dgm:scene3d>
+    <dgm:sp3d/>
+    <dgm:txPr/>
+    <dgm:style>
+      <a:lnRef idx="1">
+        <a:scrgbClr r="0" g="0" b="0"/>
+      </a:lnRef>
+      <a:fillRef idx="0">
+        <a:scrgbClr r="0" g="0" b="0"/>
+      </a:fillRef>
+      <a:effectRef idx="0">
+        <a:scrgbClr r="0" g="0" b="0"/>
+      </a:effectRef>
+      <a:fontRef idx="minor"/>
+    </dgm:style>
+  </dgm:styleLbl>
+  <dgm:styleLbl name="parChTrans1D2">
+    <dgm:scene3d>
+      <a:camera prst="orthographicFront"/>
+      <a:lightRig rig="threePt" dir="t"/>
+    </dgm:scene3d>
+    <dgm:sp3d/>
+    <dgm:txPr/>
+    <dgm:style>
+      <a:lnRef idx="1">
+        <a:scrgbClr r="0" g="0" b="0"/>
+      </a:lnRef>
+      <a:fillRef idx="0">
+        <a:scrgbClr r="0" g="0" b="0"/>
+      </a:fillRef>
+      <a:effectRef idx="0">
+        <a:scrgbClr r="0" g="0" b="0"/>
+      </a:effectRef>
+      <a:fontRef idx="minor"/>
+    </dgm:style>
+  </dgm:styleLbl>
+  <dgm:styleLbl name="parChTrans1D3">
+    <dgm:scene3d>
+      <a:camera prst="orthographicFront"/>
+      <a:lightRig rig="threePt" dir="t"/>
+    </dgm:scene3d>
+    <dgm:sp3d/>
+    <dgm:txPr/>
+    <dgm:style>
+      <a:lnRef idx="1">
+        <a:scrgbClr r="0" g="0" b="0"/>
+      </a:lnRef>
+      <a:fillRef idx="0">
+        <a:scrgbClr r="0" g="0" b="0"/>
+      </a:fillRef>
+      <a:effectRef idx="0">
+        <a:scrgbClr r="0" g="0" b="0"/>
+      </a:effectRef>
+      <a:fontRef idx="minor"/>
+    </dgm:style>
+  </dgm:styleLbl>
+  <dgm:styleLbl name="parChTrans1D4">
+    <dgm:scene3d>
+      <a:camera prst="orthographicFront"/>
+      <a:lightRig rig="threePt" dir="t"/>
+    </dgm:scene3d>
+    <dgm:sp3d/>
+    <dgm:txPr/>
+    <dgm:style>
+      <a:lnRef idx="1">
+        <a:scrgbClr r="0" g="0" b="0"/>
+      </a:lnRef>
+      <a:fillRef idx="0">
+        <a:scrgbClr r="0" g="0" b="0"/>
+      </a:fillRef>
+      <a:effectRef idx="0">
+        <a:scrgbClr r="0" g="0" b="0"/>
+      </a:effectRef>
+      <a:fontRef idx="minor"/>
+    </dgm:style>
+  </dgm:styleLbl>
+  <dgm:styleLbl name="fgAcc1">
+    <dgm:scene3d>
+      <a:camera prst="orthographicFront"/>
+      <a:lightRig rig="threePt" dir="t"/>
+    </dgm:scene3d>
+    <dgm:sp3d/>
+    <dgm:txPr/>
+    <dgm:style>
+      <a:lnRef idx="1">
+        <a:scrgbClr r="0" g="0" b="0"/>
+      </a:lnRef>
+      <a:fillRef idx="1">
+        <a:scrgbClr r="0" g="0" b="0"/>
+      </a:fillRef>
+      <a:effectRef idx="0">
+        <a:scrgbClr r="0" g="0" b="0"/>
+      </a:effectRef>
+      <a:fontRef idx="minor"/>
+    </dgm:style>
+  </dgm:styleLbl>
+  <dgm:styleLbl name="conFgAcc1">
+    <dgm:scene3d>
+      <a:camera prst="orthographicFront"/>
+      <a:lightRig rig="threePt" dir="t"/>
+    </dgm:scene3d>
+    <dgm:sp3d/>
+    <dgm:txPr/>
+    <dgm:style>
+      <a:lnRef idx="1">
+        <a:scrgbClr r="0" g="0" b="0"/>
+      </a:lnRef>
+      <a:fillRef idx="1">
+        <a:scrgbClr r="0" g="0" b="0"/>
+      </a:fillRef>
+      <a:effectRef idx="0">
+        <a:scrgbClr r="0" g="0" b="0"/>
+      </a:effectRef>
+      <a:fontRef idx="minor"/>
+    </dgm:style>
+  </dgm:styleLbl>
+  <dgm:styleLbl name="alignAcc1">
+    <dgm:scene3d>
+      <a:camera prst="orthographicFront"/>
+      <a:lightRig rig="threePt" dir="t"/>
+    </dgm:scene3d>
+    <dgm:sp3d/>
+    <dgm:txPr/>
+    <dgm:style>
+      <a:lnRef idx="1">
+        <a:scrgbClr r="0" g="0" b="0"/>
+      </a:lnRef>
+      <a:fillRef idx="1">
+        <a:scrgbClr r="0" g="0" b="0"/>
+      </a:fillRef>
+      <a:effectRef idx="0">
+        <a:scrgbClr r="0" g="0" b="0"/>
+      </a:effectRef>
+      <a:fontRef idx="minor"/>
+    </dgm:style>
+  </dgm:styleLbl>
+  <dgm:styleLbl name="trAlignAcc1">
+    <dgm:scene3d>
+      <a:camera prst="orthographicFront"/>
+      <a:lightRig rig="threePt" dir="t"/>
+    </dgm:scene3d>
+    <dgm:sp3d/>
+    <dgm:txPr/>
+    <dgm:style>
+      <a:lnRef idx="1">
+        <a:scrgbClr r="0" g="0" b="0"/>
+      </a:lnRef>
+      <a:fillRef idx="1">
+        <a:scrgbClr r="0" g="0" b="0"/>
+      </a:fillRef>
+      <a:effectRef idx="0">
+        <a:scrgbClr r="0" g="0" b="0"/>
+      </a:effectRef>
+      <a:fontRef idx="minor"/>
+    </dgm:style>
+  </dgm:styleLbl>
+  <dgm:styleLbl name="bgAcc1">
+    <dgm:scene3d>
+      <a:camera prst="orthographicFront"/>
+      <a:lightRig rig="threePt" dir="t"/>
+    </dgm:scene3d>
+    <dgm:sp3d/>
+    <dgm:txPr/>
+    <dgm:style>
+      <a:lnRef idx="1">
+        <a:scrgbClr r="0" g="0" b="0"/>
+      </a:lnRef>
+      <a:fillRef idx="1">
+        <a:scrgbClr r="0" g="0" b="0"/>
+      </a:fillRef>
+      <a:effectRef idx="0">
+        <a:scrgbClr r="0" g="0" b="0"/>
+      </a:effectRef>
+      <a:fontRef idx="minor"/>
+    </dgm:style>
+  </dgm:styleLbl>
+  <dgm:styleLbl name="solidFgAcc1">
+    <dgm:scene3d>
+      <a:camera prst="orthographicFront"/>
+      <a:lightRig rig="threePt" dir="t"/>
+    </dgm:scene3d>
+    <dgm:sp3d/>
+    <dgm:txPr/>
+    <dgm:style>
+      <a:lnRef idx="1">
+        <a:scrgbClr r="0" g="0" b="0"/>
+      </a:lnRef>
+      <a:fillRef idx="1">
+        <a:scrgbClr r="0" g="0" b="0"/>
+      </a:fillRef>
+      <a:effectRef idx="0">
+        <a:scrgbClr r="0" g="0" b="0"/>
+      </a:effectRef>
+      <a:fontRef idx="minor"/>
+    </dgm:style>
+  </dgm:styleLbl>
+  <dgm:styleLbl name="solidAlignAcc1">
+    <dgm:scene3d>
+      <a:camera prst="orthographicFront"/>
+      <a:lightRig rig="threePt" dir="t"/>
+    </dgm:scene3d>
+    <dgm:sp3d/>
+    <dgm:txPr/>
+    <dgm:style>
+      <a:lnRef idx="1">
+        <a:scrgbClr r="0" g="0" b="0"/>
+      </a:lnRef>
+      <a:fillRef idx="1">
+        <a:scrgbClr r="0" g="0" b="0"/>
+      </a:fillRef>
+      <a:effectRef idx="0">
+        <a:scrgbClr r="0" g="0" b="0"/>
+      </a:effectRef>
+      <a:fontRef idx="minor"/>
+    </dgm:style>
+  </dgm:styleLbl>
+  <dgm:styleLbl name="solidBgAcc1">
+    <dgm:scene3d>
+      <a:camera prst="orthographicFront"/>
+      <a:lightRig rig="threePt" dir="t"/>
+    </dgm:scene3d>
+    <dgm:sp3d/>
+    <dgm:txPr/>
+    <dgm:style>
+      <a:lnRef idx="1">
+        <a:scrgbClr r="0" g="0" b="0"/>
+      </a:lnRef>
+      <a:fillRef idx="1">
+        <a:scrgbClr r="0" g="0" b="0"/>
+      </a:fillRef>
+      <a:effectRef idx="0">
+        <a:scrgbClr r="0" g="0" b="0"/>
+      </a:effectRef>
+      <a:fontRef idx="minor"/>
+    </dgm:style>
+  </dgm:styleLbl>
+  <dgm:styleLbl name="fgAccFollowNode1">
+    <dgm:scene3d>
+      <a:camera prst="orthographicFront"/>
+      <a:lightRig rig="threePt" dir="t"/>
+    </dgm:scene3d>
+    <dgm:sp3d/>
+    <dgm:txPr/>
+    <dgm:style>
+      <a:lnRef idx="1">
+        <a:scrgbClr r="0" g="0" b="0"/>
+      </a:lnRef>
+      <a:fillRef idx="1">
+        <a:scrgbClr r="0" g="0" b="0"/>
+      </a:fillRef>
+      <a:effectRef idx="0">
+        <a:scrgbClr r="0" g="0" b="0"/>
+      </a:effectRef>
+      <a:fontRef idx="minor"/>
+    </dgm:style>
+  </dgm:styleLbl>
+  <dgm:styleLbl name="alignAccFollowNode1">
+    <dgm:scene3d>
+      <a:camera prst="orthographicFront"/>
+      <a:lightRig rig="threePt" dir="t"/>
+    </dgm:scene3d>
+    <dgm:sp3d/>
+    <dgm:txPr/>
+    <dgm:style>
+      <a:lnRef idx="1">
+        <a:scrgbClr r="0" g="0" b="0"/>
+      </a:lnRef>
+      <a:fillRef idx="1">
+        <a:scrgbClr r="0" g="0" b="0"/>
+      </a:fillRef>
+      <a:effectRef idx="0">
+        <a:scrgbClr r="0" g="0" b="0"/>
+      </a:effectRef>
+      <a:fontRef idx="minor"/>
+    </dgm:style>
+  </dgm:styleLbl>
+  <dgm:styleLbl name="bgAccFollowNode1">
+    <dgm:scene3d>
+      <a:camera prst="orthographicFront"/>
+      <a:lightRig rig="threePt" dir="t"/>
+    </dgm:scene3d>
+    <dgm:sp3d/>
+    <dgm:txPr/>
+    <dgm:style>
+      <a:lnRef idx="1">
+        <a:scrgbClr r="0" g="0" b="0"/>
+      </a:lnRef>
+      <a:fillRef idx="1">
+        <a:scrgbClr r="0" g="0" b="0"/>
+      </a:fillRef>
+      <a:effectRef idx="0">
+        <a:scrgbClr r="0" g="0" b="0"/>
+      </a:effectRef>
+      <a:fontRef idx="minor"/>
+    </dgm:style>
+  </dgm:styleLbl>
+  <dgm:styleLbl name="fgAcc0">
+    <dgm:scene3d>
+      <a:camera prst="orthographicFront"/>
+      <a:lightRig rig="threePt" dir="t"/>
+    </dgm:scene3d>
+    <dgm:sp3d/>
+    <dgm:txPr/>
+    <dgm:style>
+      <a:lnRef idx="1">
+        <a:scrgbClr r="0" g="0" b="0"/>
+      </a:lnRef>
+      <a:fillRef idx="1">
+        <a:scrgbClr r="0" g="0" b="0"/>
+      </a:fillRef>
+      <a:effectRef idx="0">
+        <a:scrgbClr r="0" g="0" b="0"/>
+      </a:effectRef>
+      <a:fontRef idx="minor"/>
+    </dgm:style>
+  </dgm:styleLbl>
+  <dgm:styleLbl name="fgAcc2">
+    <dgm:scene3d>
+      <a:camera prst="orthographicFront"/>
+      <a:lightRig rig="threePt" dir="t"/>
+    </dgm:scene3d>
+    <dgm:sp3d/>
+    <dgm:txPr/>
+    <dgm:style>
+      <a:lnRef idx="1">
+        <a:scrgbClr r="0" g="0" b="0"/>
+      </a:lnRef>
+      <a:fillRef idx="1">
+        <a:scrgbClr r="0" g="0" b="0"/>
+      </a:fillRef>
+      <a:effectRef idx="0">
+        <a:scrgbClr r="0" g="0" b="0"/>
+      </a:effectRef>
+      <a:fontRef idx="minor"/>
+    </dgm:style>
+  </dgm:styleLbl>
+  <dgm:styleLbl name="fgAcc3">
+    <dgm:scene3d>
+      <a:camera prst="orthographicFront"/>
+      <a:lightRig rig="threePt" dir="t"/>
+    </dgm:scene3d>
+    <dgm:sp3d/>
+    <dgm:txPr/>
+    <dgm:style>
+      <a:lnRef idx="1">
+        <a:scrgbClr r="0" g="0" b="0"/>
+      </a:lnRef>
+      <a:fillRef idx="1">
+        <a:scrgbClr r="0" g="0" b="0"/>
+      </a:fillRef>
+      <a:effectRef idx="0">
+        <a:scrgbClr r="0" g="0" b="0"/>
+      </a:effectRef>
+      <a:fontRef idx="minor"/>
+    </dgm:style>
+  </dgm:styleLbl>
+  <dgm:styleLbl name="fgAcc4">
+    <dgm:scene3d>
+      <a:camera prst="orthographicFront"/>
+      <a:lightRig rig="threePt" dir="t"/>
+    </dgm:scene3d>
+    <dgm:sp3d/>
+    <dgm:txPr/>
+    <dgm:style>
+      <a:lnRef idx="1">
+        <a:scrgbClr r="0" g="0" b="0"/>
+      </a:lnRef>
+      <a:fillRef idx="1">
+        <a:scrgbClr r="0" g="0" b="0"/>
+      </a:fillRef>
+      <a:effectRef idx="0">
+        <a:scrgbClr r="0" g="0" b="0"/>
+      </a:effectRef>
+      <a:fontRef idx="minor"/>
+    </dgm:style>
+  </dgm:styleLbl>
+  <dgm:styleLbl name="bgShp">
+    <dgm:scene3d>
+      <a:camera prst="orthographicFront"/>
+      <a:lightRig rig="threePt" dir="t"/>
+    </dgm:scene3d>
+    <dgm:sp3d/>
+    <dgm:txPr/>
+    <dgm:style>
+      <a:lnRef idx="0">
+        <a:scrgbClr r="0" g="0" b="0"/>
+      </a:lnRef>
+      <a:fillRef idx="1">
+        <a:scrgbClr r="0" g="0" b="0"/>
+      </a:fillRef>
+      <a:effectRef idx="2">
+        <a:scrgbClr r="0" g="0" b="0"/>
+      </a:effectRef>
+      <a:fontRef idx="minor"/>
+    </dgm:style>
+  </dgm:styleLbl>
+  <dgm:styleLbl name="dkBgShp">
+    <dgm:scene3d>
+      <a:camera prst="orthographicFront"/>
+      <a:lightRig rig="threePt" dir="t"/>
+    </dgm:scene3d>
+    <dgm:sp3d/>
+    <dgm:txPr/>
+    <dgm:style>
+      <a:lnRef idx="0">
+        <a:scrgbClr r="0" g="0" b="0"/>
+      </a:lnRef>
+      <a:fillRef idx="1">
+        <a:scrgbClr r="0" g="0" b="0"/>
+      </a:fillRef>
+      <a:effectRef idx="2">
+        <a:scrgbClr r="0" g="0" b="0"/>
+      </a:effectRef>
+      <a:fontRef idx="minor"/>
+    </dgm:style>
+  </dgm:styleLbl>
+  <dgm:styleLbl name="trBgShp">
+    <dgm:scene3d>
+      <a:camera prst="orthographicFront"/>
+      <a:lightRig rig="threePt" dir="t"/>
+    </dgm:scene3d>
+    <dgm:sp3d/>
+    <dgm:txPr/>
+    <dgm:style>
+      <a:lnRef idx="0">
+        <a:scrgbClr r="0" g="0" b="0"/>
+      </a:lnRef>
+      <a:fillRef idx="1">
+        <a:scrgbClr r="0" g="0" b="0"/>
+      </a:fillRef>
+      <a:effectRef idx="0">
+        <a:scrgbClr r="0" g="0" b="0"/>
+      </a:effectRef>
+      <a:fontRef idx="minor"/>
+    </dgm:style>
+  </dgm:styleLbl>
+  <dgm:styleLbl name="fgShp">
+    <dgm:scene3d>
+      <a:camera prst="orthographicFront"/>
+      <a:lightRig rig="threePt" dir="t"/>
+    </dgm:scene3d>
+    <dgm:sp3d/>
+    <dgm:txPr/>
+    <dgm:style>
+      <a:lnRef idx="0">
+        <a:scrgbClr r="0" g="0" b="0"/>
+      </a:lnRef>
+      <a:fillRef idx="3">
+        <a:scrgbClr r="0" g="0" b="0"/>
+      </a:fillRef>
+      <a:effectRef idx="2">
+        <a:scrgbClr r="0" g="0" b="0"/>
+      </a:effectRef>
+      <a:fontRef idx="minor"/>
+    </dgm:style>
+  </dgm:styleLbl>
+  <dgm:styleLbl name="revTx">
+    <dgm:scene3d>
+      <a:camera prst="orthographicFront"/>
+      <a:lightRig rig="threePt" dir="t"/>
+    </dgm:scene3d>
+    <dgm:sp3d/>
+    <dgm:txPr/>
+    <dgm:style>
+      <a:lnRef idx="0">
+        <a:scrgbClr r="0" g="0" b="0"/>
+      </a:lnRef>
+      <a:fillRef idx="0">
+        <a:scrgbClr r="0" g="0" b="0"/>
+      </a:fillRef>
+      <a:effectRef idx="0">
+        <a:scrgbClr r="0" g="0" b="0"/>
+      </a:effectRef>
+      <a:fontRef idx="minor"/>
+    </dgm:style>
+  </dgm:styleLbl>
+</dgm:styleDef>
+</file>
+
 <file path=ppt/notesMasters/notesMaster1.xml><?xml version="1.0" encoding="utf-8"?>
 <p:notesMaster xmlns:a="http://schemas.openxmlformats.org/drawingml/2006/main" xmlns:r="http://schemas.openxmlformats.org/officeDocument/2006/relationships" xmlns:p="http://schemas.openxmlformats.org/presentationml/2006/main">
   <p:cSld>
@@ -204,7 +3164,7 @@
           <a:p>
             <a:fld id="{D88E2461-EAC7-441C-B41D-22260EFF3640}" type="datetimeFigureOut">
               <a:rPr lang="pl-PL" smtClean="0"/>
-              <a:t>2020-11-15</a:t>
+              <a:t>08.01.2022</a:t>
             </a:fld>
             <a:endParaRPr lang="pl-PL"/>
           </a:p>
@@ -555,6 +3515,440 @@
 </p:notes>
 </file>
 
+<file path=ppt/notesSlides/notesSlide10.xml><?xml version="1.0" encoding="utf-8"?>
+<p:notes xmlns:a="http://schemas.openxmlformats.org/drawingml/2006/main" xmlns:r="http://schemas.openxmlformats.org/officeDocument/2006/relationships" xmlns:p="http://schemas.openxmlformats.org/presentationml/2006/main">
+  <p:cSld>
+    <p:spTree>
+      <p:nvGrpSpPr>
+        <p:cNvPr id="1" name=""/>
+        <p:cNvGrpSpPr/>
+        <p:nvPr/>
+      </p:nvGrpSpPr>
+      <p:grpSpPr>
+        <a:xfrm>
+          <a:off x="0" y="0"/>
+          <a:ext cx="0" cy="0"/>
+          <a:chOff x="0" y="0"/>
+          <a:chExt cx="0" cy="0"/>
+        </a:xfrm>
+      </p:grpSpPr>
+      <p:sp>
+        <p:nvSpPr>
+          <p:cNvPr id="2" name="Symbol zastępczy obrazu slajdu 1"/>
+          <p:cNvSpPr>
+            <a:spLocks noGrp="1" noRot="1" noChangeAspect="1"/>
+          </p:cNvSpPr>
+          <p:nvPr>
+            <p:ph type="sldImg"/>
+          </p:nvPr>
+        </p:nvSpPr>
+        <p:spPr/>
+      </p:sp>
+      <p:sp>
+        <p:nvSpPr>
+          <p:cNvPr id="3" name="Symbol zastępczy notatek 2"/>
+          <p:cNvSpPr>
+            <a:spLocks noGrp="1"/>
+          </p:cNvSpPr>
+          <p:nvPr>
+            <p:ph type="body" idx="1"/>
+          </p:nvPr>
+        </p:nvSpPr>
+        <p:spPr/>
+        <p:txBody>
+          <a:bodyPr/>
+          <a:lstStyle/>
+          <a:p>
+            <a:r>
+              <a:rPr lang="pl-PL" sz="1200" b="1" i="0" u="none" strike="noStrike" kern="1200" baseline="0" dirty="0">
+                <a:solidFill>
+                  <a:schemeClr val="tx1"/>
+                </a:solidFill>
+                <a:latin typeface="+mn-lt"/>
+                <a:ea typeface="+mn-ea"/>
+                <a:cs typeface="+mn-cs"/>
+              </a:rPr>
+              <a:t>Teoria CAP </a:t>
+            </a:r>
+            <a:r>
+              <a:rPr lang="pl-PL" sz="1200" b="0" i="0" u="none" strike="noStrike" kern="1200" baseline="0" dirty="0">
+                <a:solidFill>
+                  <a:schemeClr val="tx1"/>
+                </a:solidFill>
+                <a:latin typeface="+mn-lt"/>
+                <a:ea typeface="+mn-ea"/>
+                <a:cs typeface="+mn-cs"/>
+              </a:rPr>
+              <a:t>jest często w świecie </a:t>
+            </a:r>
+            <a:r>
+              <a:rPr lang="pl-PL" sz="1200" b="0" i="0" u="none" strike="noStrike" kern="1200" baseline="0" dirty="0" err="1">
+                <a:solidFill>
+                  <a:schemeClr val="tx1"/>
+                </a:solidFill>
+                <a:latin typeface="+mn-lt"/>
+                <a:ea typeface="+mn-ea"/>
+                <a:cs typeface="+mn-cs"/>
+              </a:rPr>
+              <a:t>NoSQL</a:t>
+            </a:r>
+            <a:r>
+              <a:rPr lang="pl-PL" sz="1200" b="0" i="0" u="none" strike="noStrike" kern="1200" baseline="0" dirty="0">
+                <a:solidFill>
+                  <a:schemeClr val="tx1"/>
+                </a:solidFill>
+                <a:latin typeface="+mn-lt"/>
+                <a:ea typeface="+mn-ea"/>
+                <a:cs typeface="+mn-cs"/>
+              </a:rPr>
+              <a:t> powodem do rozluźnienia spójności. Teoria ta została</a:t>
+            </a:r>
+          </a:p>
+          <a:p>
+            <a:r>
+              <a:rPr lang="pl-PL" sz="1200" b="0" i="0" u="none" strike="noStrike" kern="1200" baseline="0" dirty="0">
+                <a:solidFill>
+                  <a:schemeClr val="tx1"/>
+                </a:solidFill>
+                <a:latin typeface="+mn-lt"/>
+                <a:ea typeface="+mn-ea"/>
+                <a:cs typeface="+mn-cs"/>
+              </a:rPr>
+              <a:t>przedstawiona przez </a:t>
+            </a:r>
+            <a:r>
+              <a:rPr lang="pl-PL" sz="1200" b="0" i="0" u="none" strike="noStrike" kern="1200" baseline="0" dirty="0" err="1">
+                <a:solidFill>
+                  <a:schemeClr val="tx1"/>
+                </a:solidFill>
+                <a:latin typeface="+mn-lt"/>
+                <a:ea typeface="+mn-ea"/>
+                <a:cs typeface="+mn-cs"/>
+              </a:rPr>
+              <a:t>Erica</a:t>
+            </a:r>
+            <a:r>
+              <a:rPr lang="pl-PL" sz="1200" b="0" i="0" u="none" strike="noStrike" kern="1200" baseline="0" dirty="0">
+                <a:solidFill>
+                  <a:schemeClr val="tx1"/>
+                </a:solidFill>
+                <a:latin typeface="+mn-lt"/>
+                <a:ea typeface="+mn-ea"/>
+                <a:cs typeface="+mn-cs"/>
+              </a:rPr>
+              <a:t> </a:t>
+            </a:r>
+            <a:r>
+              <a:rPr lang="pl-PL" sz="1200" b="0" i="0" u="none" strike="noStrike" kern="1200" baseline="0" dirty="0" err="1">
+                <a:solidFill>
+                  <a:schemeClr val="tx1"/>
+                </a:solidFill>
+                <a:latin typeface="+mn-lt"/>
+                <a:ea typeface="+mn-ea"/>
+                <a:cs typeface="+mn-cs"/>
+              </a:rPr>
+              <a:t>Brewera</a:t>
+            </a:r>
+            <a:r>
+              <a:rPr lang="pl-PL" sz="1200" b="0" i="0" u="none" strike="noStrike" kern="1200" baseline="0" dirty="0">
+                <a:solidFill>
+                  <a:schemeClr val="tx1"/>
+                </a:solidFill>
+                <a:latin typeface="+mn-lt"/>
+                <a:ea typeface="+mn-ea"/>
+                <a:cs typeface="+mn-cs"/>
+              </a:rPr>
+              <a:t> w roku 2000 [</a:t>
+            </a:r>
+            <a:r>
+              <a:rPr lang="pl-PL" sz="1200" b="0" i="0" u="none" strike="noStrike" kern="1200" baseline="0" dirty="0" err="1">
+                <a:solidFill>
+                  <a:schemeClr val="tx1"/>
+                </a:solidFill>
+                <a:latin typeface="+mn-lt"/>
+                <a:ea typeface="+mn-ea"/>
+                <a:cs typeface="+mn-cs"/>
+              </a:rPr>
+              <a:t>Brewer</a:t>
+            </a:r>
+            <a:r>
+              <a:rPr lang="pl-PL" sz="1200" b="0" i="0" u="none" strike="noStrike" kern="1200" baseline="0" dirty="0">
+                <a:solidFill>
+                  <a:schemeClr val="tx1"/>
+                </a:solidFill>
+                <a:latin typeface="+mn-lt"/>
+                <a:ea typeface="+mn-ea"/>
+                <a:cs typeface="+mn-cs"/>
+              </a:rPr>
+              <a:t>], a kilka lat potem </a:t>
+            </a:r>
+            <a:r>
+              <a:rPr lang="pl-PL" sz="1200" b="0" i="0" u="none" strike="noStrike" kern="1200" baseline="0" dirty="0" err="1">
+                <a:solidFill>
+                  <a:schemeClr val="tx1"/>
+                </a:solidFill>
+                <a:latin typeface="+mn-lt"/>
+                <a:ea typeface="+mn-ea"/>
+                <a:cs typeface="+mn-cs"/>
+              </a:rPr>
+              <a:t>Seth</a:t>
+            </a:r>
+            <a:r>
+              <a:rPr lang="pl-PL" sz="1200" b="0" i="0" u="none" strike="noStrike" kern="1200" baseline="0" dirty="0">
+                <a:solidFill>
+                  <a:schemeClr val="tx1"/>
+                </a:solidFill>
+                <a:latin typeface="+mn-lt"/>
+                <a:ea typeface="+mn-ea"/>
+                <a:cs typeface="+mn-cs"/>
+              </a:rPr>
+              <a:t> Gilbert</a:t>
+            </a:r>
+          </a:p>
+          <a:p>
+            <a:r>
+              <a:rPr lang="pl-PL" sz="1200" b="0" i="0" u="none" strike="noStrike" kern="1200" baseline="0" dirty="0">
+                <a:solidFill>
+                  <a:schemeClr val="tx1"/>
+                </a:solidFill>
+                <a:latin typeface="+mn-lt"/>
+                <a:ea typeface="+mn-ea"/>
+                <a:cs typeface="+mn-cs"/>
+              </a:rPr>
+              <a:t>i Nancy Lynch udowodnili jej prawdziwość [Lynch i Gilbert]; teoria jest też znana jako „przypuszczenie</a:t>
+            </a:r>
+          </a:p>
+          <a:p>
+            <a:r>
+              <a:rPr lang="pl-PL" sz="1200" b="0" i="0" u="none" strike="noStrike" kern="1200" baseline="0" dirty="0" err="1">
+                <a:solidFill>
+                  <a:schemeClr val="tx1"/>
+                </a:solidFill>
+                <a:latin typeface="+mn-lt"/>
+                <a:ea typeface="+mn-ea"/>
+                <a:cs typeface="+mn-cs"/>
+              </a:rPr>
+              <a:t>Brewera</a:t>
+            </a:r>
+            <a:r>
+              <a:rPr lang="pl-PL" sz="1200" b="0" i="0" u="none" strike="noStrike" kern="1200" baseline="0" dirty="0">
+                <a:solidFill>
+                  <a:schemeClr val="tx1"/>
+                </a:solidFill>
+                <a:latin typeface="+mn-lt"/>
+                <a:ea typeface="+mn-ea"/>
+                <a:cs typeface="+mn-cs"/>
+              </a:rPr>
+              <a:t>”.</a:t>
+            </a:r>
+            <a:endParaRPr lang="pl-PL" dirty="0"/>
+          </a:p>
+        </p:txBody>
+      </p:sp>
+      <p:sp>
+        <p:nvSpPr>
+          <p:cNvPr id="4" name="Symbol zastępczy numeru slajdu 3"/>
+          <p:cNvSpPr>
+            <a:spLocks noGrp="1"/>
+          </p:cNvSpPr>
+          <p:nvPr>
+            <p:ph type="sldNum" sz="quarter" idx="5"/>
+          </p:nvPr>
+        </p:nvSpPr>
+        <p:spPr/>
+        <p:txBody>
+          <a:bodyPr/>
+          <a:lstStyle/>
+          <a:p>
+            <a:fld id="{E32E170D-C263-4731-AA1D-6282877CB664}" type="slidenum">
+              <a:rPr lang="pl-PL" smtClean="0"/>
+              <a:t>11</a:t>
+            </a:fld>
+            <a:endParaRPr lang="pl-PL"/>
+          </a:p>
+        </p:txBody>
+      </p:sp>
+    </p:spTree>
+    <p:extLst>
+      <p:ext uri="{BB962C8B-B14F-4D97-AF65-F5344CB8AC3E}">
+        <p14:creationId xmlns:p14="http://schemas.microsoft.com/office/powerpoint/2010/main" val="830893661"/>
+      </p:ext>
+    </p:extLst>
+  </p:cSld>
+  <p:clrMapOvr>
+    <a:masterClrMapping/>
+  </p:clrMapOvr>
+</p:notes>
+</file>
+
+<file path=ppt/notesSlides/notesSlide11.xml><?xml version="1.0" encoding="utf-8"?>
+<p:notes xmlns:a="http://schemas.openxmlformats.org/drawingml/2006/main" xmlns:r="http://schemas.openxmlformats.org/officeDocument/2006/relationships" xmlns:p="http://schemas.openxmlformats.org/presentationml/2006/main">
+  <p:cSld>
+    <p:spTree>
+      <p:nvGrpSpPr>
+        <p:cNvPr id="1" name=""/>
+        <p:cNvGrpSpPr/>
+        <p:nvPr/>
+      </p:nvGrpSpPr>
+      <p:grpSpPr>
+        <a:xfrm>
+          <a:off x="0" y="0"/>
+          <a:ext cx="0" cy="0"/>
+          <a:chOff x="0" y="0"/>
+          <a:chExt cx="0" cy="0"/>
+        </a:xfrm>
+      </p:grpSpPr>
+      <p:sp>
+        <p:nvSpPr>
+          <p:cNvPr id="2" name="Symbol zastępczy obrazu slajdu 1"/>
+          <p:cNvSpPr>
+            <a:spLocks noGrp="1" noRot="1" noChangeAspect="1"/>
+          </p:cNvSpPr>
+          <p:nvPr>
+            <p:ph type="sldImg"/>
+          </p:nvPr>
+        </p:nvSpPr>
+        <p:spPr/>
+      </p:sp>
+      <p:sp>
+        <p:nvSpPr>
+          <p:cNvPr id="3" name="Symbol zastępczy notatek 2"/>
+          <p:cNvSpPr>
+            <a:spLocks noGrp="1"/>
+          </p:cNvSpPr>
+          <p:nvPr>
+            <p:ph type="body" idx="1"/>
+          </p:nvPr>
+        </p:nvSpPr>
+        <p:spPr/>
+        <p:txBody>
+          <a:bodyPr/>
+          <a:lstStyle/>
+          <a:p>
+            <a:endParaRPr lang="pl-PL" dirty="0"/>
+          </a:p>
+        </p:txBody>
+      </p:sp>
+      <p:sp>
+        <p:nvSpPr>
+          <p:cNvPr id="4" name="Symbol zastępczy numeru slajdu 3"/>
+          <p:cNvSpPr>
+            <a:spLocks noGrp="1"/>
+          </p:cNvSpPr>
+          <p:nvPr>
+            <p:ph type="sldNum" sz="quarter" idx="5"/>
+          </p:nvPr>
+        </p:nvSpPr>
+        <p:spPr/>
+        <p:txBody>
+          <a:bodyPr/>
+          <a:lstStyle/>
+          <a:p>
+            <a:fld id="{E32E170D-C263-4731-AA1D-6282877CB664}" type="slidenum">
+              <a:rPr lang="pl-PL" smtClean="0"/>
+              <a:t>12</a:t>
+            </a:fld>
+            <a:endParaRPr lang="pl-PL"/>
+          </a:p>
+        </p:txBody>
+      </p:sp>
+    </p:spTree>
+    <p:extLst>
+      <p:ext uri="{BB962C8B-B14F-4D97-AF65-F5344CB8AC3E}">
+        <p14:creationId xmlns:p14="http://schemas.microsoft.com/office/powerpoint/2010/main" val="222018534"/>
+      </p:ext>
+    </p:extLst>
+  </p:cSld>
+  <p:clrMapOvr>
+    <a:masterClrMapping/>
+  </p:clrMapOvr>
+</p:notes>
+</file>
+
+<file path=ppt/notesSlides/notesSlide12.xml><?xml version="1.0" encoding="utf-8"?>
+<p:notes xmlns:a="http://schemas.openxmlformats.org/drawingml/2006/main" xmlns:r="http://schemas.openxmlformats.org/officeDocument/2006/relationships" xmlns:p="http://schemas.openxmlformats.org/presentationml/2006/main">
+  <p:cSld>
+    <p:spTree>
+      <p:nvGrpSpPr>
+        <p:cNvPr id="1" name=""/>
+        <p:cNvGrpSpPr/>
+        <p:nvPr/>
+      </p:nvGrpSpPr>
+      <p:grpSpPr>
+        <a:xfrm>
+          <a:off x="0" y="0"/>
+          <a:ext cx="0" cy="0"/>
+          <a:chOff x="0" y="0"/>
+          <a:chExt cx="0" cy="0"/>
+        </a:xfrm>
+      </p:grpSpPr>
+      <p:sp>
+        <p:nvSpPr>
+          <p:cNvPr id="2" name="Symbol zastępczy obrazu slajdu 1"/>
+          <p:cNvSpPr>
+            <a:spLocks noGrp="1" noRot="1" noChangeAspect="1"/>
+          </p:cNvSpPr>
+          <p:nvPr>
+            <p:ph type="sldImg"/>
+          </p:nvPr>
+        </p:nvSpPr>
+        <p:spPr/>
+      </p:sp>
+      <p:sp>
+        <p:nvSpPr>
+          <p:cNvPr id="3" name="Symbol zastępczy notatek 2"/>
+          <p:cNvSpPr>
+            <a:spLocks noGrp="1"/>
+          </p:cNvSpPr>
+          <p:nvPr>
+            <p:ph type="body" idx="1"/>
+          </p:nvPr>
+        </p:nvSpPr>
+        <p:spPr/>
+        <p:txBody>
+          <a:bodyPr/>
+          <a:lstStyle/>
+          <a:p>
+            <a:endParaRPr lang="pl-PL" dirty="0"/>
+          </a:p>
+        </p:txBody>
+      </p:sp>
+      <p:sp>
+        <p:nvSpPr>
+          <p:cNvPr id="4" name="Symbol zastępczy numeru slajdu 3"/>
+          <p:cNvSpPr>
+            <a:spLocks noGrp="1"/>
+          </p:cNvSpPr>
+          <p:nvPr>
+            <p:ph type="sldNum" sz="quarter" idx="5"/>
+          </p:nvPr>
+        </p:nvSpPr>
+        <p:spPr/>
+        <p:txBody>
+          <a:bodyPr/>
+          <a:lstStyle/>
+          <a:p>
+            <a:fld id="{E32E170D-C263-4731-AA1D-6282877CB664}" type="slidenum">
+              <a:rPr lang="pl-PL" smtClean="0"/>
+              <a:t>13</a:t>
+            </a:fld>
+            <a:endParaRPr lang="pl-PL"/>
+          </a:p>
+        </p:txBody>
+      </p:sp>
+    </p:spTree>
+    <p:extLst>
+      <p:ext uri="{BB962C8B-B14F-4D97-AF65-F5344CB8AC3E}">
+        <p14:creationId xmlns:p14="http://schemas.microsoft.com/office/powerpoint/2010/main" val="3114376716"/>
+      </p:ext>
+    </p:extLst>
+  </p:cSld>
+  <p:clrMapOvr>
+    <a:masterClrMapping/>
+  </p:clrMapOvr>
+</p:notes>
+</file>
+
 <file path=ppt/notesSlides/notesSlide2.xml><?xml version="1.0" encoding="utf-8"?>
 <p:notes xmlns:a="http://schemas.openxmlformats.org/drawingml/2006/main" xmlns:r="http://schemas.openxmlformats.org/officeDocument/2006/relationships" xmlns:p="http://schemas.openxmlformats.org/presentationml/2006/main">
   <p:cSld>
@@ -771,9 +4165,6 @@
           <a:bodyPr/>
           <a:lstStyle/>
           <a:p>
-            <a:br>
-              <a:rPr lang="pl-PL" dirty="0"/>
-            </a:br>
             <a:endParaRPr lang="pl-PL" dirty="0"/>
           </a:p>
         </p:txBody>
@@ -804,7 +4195,7 @@
     </p:spTree>
     <p:extLst>
       <p:ext uri="{BB962C8B-B14F-4D97-AF65-F5344CB8AC3E}">
-        <p14:creationId xmlns:p14="http://schemas.microsoft.com/office/powerpoint/2010/main" val="2021906417"/>
+        <p14:creationId xmlns:p14="http://schemas.microsoft.com/office/powerpoint/2010/main" val="2022583860"/>
       </p:ext>
     </p:extLst>
   </p:cSld>
@@ -891,7 +4282,7 @@
     </p:spTree>
     <p:extLst>
       <p:ext uri="{BB962C8B-B14F-4D97-AF65-F5344CB8AC3E}">
-        <p14:creationId xmlns:p14="http://schemas.microsoft.com/office/powerpoint/2010/main" val="3439606844"/>
+        <p14:creationId xmlns:p14="http://schemas.microsoft.com/office/powerpoint/2010/main" val="514804297"/>
       </p:ext>
     </p:extLst>
   </p:cSld>
@@ -964,7 +4355,7 @@
           <a:bodyPr/>
           <a:lstStyle/>
           <a:p>
-            <a:fld id="{023F55DF-48CC-48A1-9694-93ADEEA29DA5}" type="slidenum">
+            <a:fld id="{E32E170D-C263-4731-AA1D-6282877CB664}" type="slidenum">
               <a:rPr lang="pl-PL" smtClean="0"/>
               <a:t>7</a:t>
             </a:fld>
@@ -975,7 +4366,7 @@
     </p:spTree>
     <p:extLst>
       <p:ext uri="{BB962C8B-B14F-4D97-AF65-F5344CB8AC3E}">
-        <p14:creationId xmlns:p14="http://schemas.microsoft.com/office/powerpoint/2010/main" val="1338950134"/>
+        <p14:creationId xmlns:p14="http://schemas.microsoft.com/office/powerpoint/2010/main" val="1713020254"/>
       </p:ext>
     </p:extLst>
   </p:cSld>
@@ -1029,6 +4420,9 @@
           <a:bodyPr/>
           <a:lstStyle/>
           <a:p>
+            <a:br>
+              <a:rPr lang="pl-PL" dirty="0"/>
+            </a:br>
             <a:endParaRPr lang="pl-PL" dirty="0"/>
           </a:p>
         </p:txBody>
@@ -1051,6 +4445,174 @@
             <a:fld id="{023F55DF-48CC-48A1-9694-93ADEEA29DA5}" type="slidenum">
               <a:rPr lang="pl-PL" smtClean="0"/>
               <a:t>8</a:t>
+            </a:fld>
+            <a:endParaRPr lang="pl-PL"/>
+          </a:p>
+        </p:txBody>
+      </p:sp>
+    </p:spTree>
+    <p:extLst>
+      <p:ext uri="{BB962C8B-B14F-4D97-AF65-F5344CB8AC3E}">
+        <p14:creationId xmlns:p14="http://schemas.microsoft.com/office/powerpoint/2010/main" val="3439606844"/>
+      </p:ext>
+    </p:extLst>
+  </p:cSld>
+  <p:clrMapOvr>
+    <a:masterClrMapping/>
+  </p:clrMapOvr>
+</p:notes>
+</file>
+
+<file path=ppt/notesSlides/notesSlide8.xml><?xml version="1.0" encoding="utf-8"?>
+<p:notes xmlns:a="http://schemas.openxmlformats.org/drawingml/2006/main" xmlns:r="http://schemas.openxmlformats.org/officeDocument/2006/relationships" xmlns:p="http://schemas.openxmlformats.org/presentationml/2006/main">
+  <p:cSld>
+    <p:spTree>
+      <p:nvGrpSpPr>
+        <p:cNvPr id="1" name=""/>
+        <p:cNvGrpSpPr/>
+        <p:nvPr/>
+      </p:nvGrpSpPr>
+      <p:grpSpPr>
+        <a:xfrm>
+          <a:off x="0" y="0"/>
+          <a:ext cx="0" cy="0"/>
+          <a:chOff x="0" y="0"/>
+          <a:chExt cx="0" cy="0"/>
+        </a:xfrm>
+      </p:grpSpPr>
+      <p:sp>
+        <p:nvSpPr>
+          <p:cNvPr id="2" name="Symbol zastępczy obrazu slajdu 1"/>
+          <p:cNvSpPr>
+            <a:spLocks noGrp="1" noRot="1" noChangeAspect="1"/>
+          </p:cNvSpPr>
+          <p:nvPr>
+            <p:ph type="sldImg"/>
+          </p:nvPr>
+        </p:nvSpPr>
+        <p:spPr/>
+      </p:sp>
+      <p:sp>
+        <p:nvSpPr>
+          <p:cNvPr id="3" name="Symbol zastępczy notatek 2"/>
+          <p:cNvSpPr>
+            <a:spLocks noGrp="1"/>
+          </p:cNvSpPr>
+          <p:nvPr>
+            <p:ph type="body" idx="1"/>
+          </p:nvPr>
+        </p:nvSpPr>
+        <p:spPr/>
+        <p:txBody>
+          <a:bodyPr/>
+          <a:lstStyle/>
+          <a:p>
+            <a:endParaRPr lang="pl-PL" dirty="0"/>
+          </a:p>
+        </p:txBody>
+      </p:sp>
+      <p:sp>
+        <p:nvSpPr>
+          <p:cNvPr id="4" name="Symbol zastępczy numeru slajdu 3"/>
+          <p:cNvSpPr>
+            <a:spLocks noGrp="1"/>
+          </p:cNvSpPr>
+          <p:nvPr>
+            <p:ph type="sldNum" sz="quarter" idx="5"/>
+          </p:nvPr>
+        </p:nvSpPr>
+        <p:spPr/>
+        <p:txBody>
+          <a:bodyPr/>
+          <a:lstStyle/>
+          <a:p>
+            <a:fld id="{023F55DF-48CC-48A1-9694-93ADEEA29DA5}" type="slidenum">
+              <a:rPr lang="pl-PL" smtClean="0"/>
+              <a:t>9</a:t>
+            </a:fld>
+            <a:endParaRPr lang="pl-PL"/>
+          </a:p>
+        </p:txBody>
+      </p:sp>
+    </p:spTree>
+    <p:extLst>
+      <p:ext uri="{BB962C8B-B14F-4D97-AF65-F5344CB8AC3E}">
+        <p14:creationId xmlns:p14="http://schemas.microsoft.com/office/powerpoint/2010/main" val="1338950134"/>
+      </p:ext>
+    </p:extLst>
+  </p:cSld>
+  <p:clrMapOvr>
+    <a:masterClrMapping/>
+  </p:clrMapOvr>
+</p:notes>
+</file>
+
+<file path=ppt/notesSlides/notesSlide9.xml><?xml version="1.0" encoding="utf-8"?>
+<p:notes xmlns:a="http://schemas.openxmlformats.org/drawingml/2006/main" xmlns:r="http://schemas.openxmlformats.org/officeDocument/2006/relationships" xmlns:p="http://schemas.openxmlformats.org/presentationml/2006/main">
+  <p:cSld>
+    <p:spTree>
+      <p:nvGrpSpPr>
+        <p:cNvPr id="1" name=""/>
+        <p:cNvGrpSpPr/>
+        <p:nvPr/>
+      </p:nvGrpSpPr>
+      <p:grpSpPr>
+        <a:xfrm>
+          <a:off x="0" y="0"/>
+          <a:ext cx="0" cy="0"/>
+          <a:chOff x="0" y="0"/>
+          <a:chExt cx="0" cy="0"/>
+        </a:xfrm>
+      </p:grpSpPr>
+      <p:sp>
+        <p:nvSpPr>
+          <p:cNvPr id="2" name="Symbol zastępczy obrazu slajdu 1"/>
+          <p:cNvSpPr>
+            <a:spLocks noGrp="1" noRot="1" noChangeAspect="1"/>
+          </p:cNvSpPr>
+          <p:nvPr>
+            <p:ph type="sldImg"/>
+          </p:nvPr>
+        </p:nvSpPr>
+        <p:spPr/>
+      </p:sp>
+      <p:sp>
+        <p:nvSpPr>
+          <p:cNvPr id="3" name="Symbol zastępczy notatek 2"/>
+          <p:cNvSpPr>
+            <a:spLocks noGrp="1"/>
+          </p:cNvSpPr>
+          <p:nvPr>
+            <p:ph type="body" idx="1"/>
+          </p:nvPr>
+        </p:nvSpPr>
+        <p:spPr/>
+        <p:txBody>
+          <a:bodyPr/>
+          <a:lstStyle/>
+          <a:p>
+            <a:endParaRPr lang="pl-PL" dirty="0"/>
+          </a:p>
+        </p:txBody>
+      </p:sp>
+      <p:sp>
+        <p:nvSpPr>
+          <p:cNvPr id="4" name="Symbol zastępczy numeru slajdu 3"/>
+          <p:cNvSpPr>
+            <a:spLocks noGrp="1"/>
+          </p:cNvSpPr>
+          <p:nvPr>
+            <p:ph type="sldNum" sz="quarter" idx="5"/>
+          </p:nvPr>
+        </p:nvSpPr>
+        <p:spPr/>
+        <p:txBody>
+          <a:bodyPr/>
+          <a:lstStyle/>
+          <a:p>
+            <a:fld id="{023F55DF-48CC-48A1-9694-93ADEEA29DA5}" type="slidenum">
+              <a:rPr lang="pl-PL" smtClean="0"/>
+              <a:t>10</a:t>
             </a:fld>
             <a:endParaRPr lang="pl-PL"/>
           </a:p>
@@ -1261,7 +4823,7 @@
             <a:fld id="{B61BEF0D-F0BB-DE4B-95CE-6DB70DBA9567}" type="datetimeFigureOut">
               <a:rPr lang="en-US" dirty="0"/>
               <a:pPr/>
-              <a:t>11/15/2020</a:t>
+              <a:t>1/8/2022</a:t>
             </a:fld>
             <a:endParaRPr lang="en-US" dirty="0"/>
           </a:p>
@@ -1694,7 +5256,7 @@
             <a:fld id="{B61BEF0D-F0BB-DE4B-95CE-6DB70DBA9567}" type="datetimeFigureOut">
               <a:rPr lang="en-US" dirty="0"/>
               <a:pPr/>
-              <a:t>11/15/2020</a:t>
+              <a:t>1/8/2022</a:t>
             </a:fld>
             <a:endParaRPr lang="en-US" dirty="0"/>
           </a:p>
@@ -1941,7 +5503,7 @@
             <a:fld id="{B61BEF0D-F0BB-DE4B-95CE-6DB70DBA9567}" type="datetimeFigureOut">
               <a:rPr lang="en-US" dirty="0"/>
               <a:pPr/>
-              <a:t>11/15/2020</a:t>
+              <a:t>1/8/2022</a:t>
             </a:fld>
             <a:endParaRPr lang="en-US" dirty="0"/>
           </a:p>
@@ -2246,7 +5808,7 @@
             <a:fld id="{B61BEF0D-F0BB-DE4B-95CE-6DB70DBA9567}" type="datetimeFigureOut">
               <a:rPr lang="en-US" dirty="0"/>
               <a:pPr/>
-              <a:t>11/15/2020</a:t>
+              <a:t>1/8/2022</a:t>
             </a:fld>
             <a:endParaRPr lang="en-US" dirty="0"/>
           </a:p>
@@ -2561,7 +6123,7 @@
             <a:fld id="{B61BEF0D-F0BB-DE4B-95CE-6DB70DBA9567}" type="datetimeFigureOut">
               <a:rPr lang="en-US" dirty="0"/>
               <a:pPr/>
-              <a:t>11/15/2020</a:t>
+              <a:t>1/8/2022</a:t>
             </a:fld>
             <a:endParaRPr lang="en-US" dirty="0"/>
           </a:p>
@@ -2860,7 +6422,7 @@
             <a:fld id="{B61BEF0D-F0BB-DE4B-95CE-6DB70DBA9567}" type="datetimeFigureOut">
               <a:rPr lang="en-US" dirty="0"/>
               <a:pPr/>
-              <a:t>11/15/2020</a:t>
+              <a:t>1/8/2022</a:t>
             </a:fld>
             <a:endParaRPr lang="en-US" dirty="0"/>
           </a:p>
@@ -3224,7 +6786,7 @@
             <a:fld id="{B61BEF0D-F0BB-DE4B-95CE-6DB70DBA9567}" type="datetimeFigureOut">
               <a:rPr lang="en-US" dirty="0"/>
               <a:pPr/>
-              <a:t>11/15/2020</a:t>
+              <a:t>1/8/2022</a:t>
             </a:fld>
             <a:endParaRPr lang="en-US" dirty="0"/>
           </a:p>
@@ -3395,7 +6957,7 @@
             <a:fld id="{B61BEF0D-F0BB-DE4B-95CE-6DB70DBA9567}" type="datetimeFigureOut">
               <a:rPr lang="en-US" dirty="0"/>
               <a:pPr/>
-              <a:t>11/15/2020</a:t>
+              <a:t>1/8/2022</a:t>
             </a:fld>
             <a:endParaRPr lang="en-US" dirty="0"/>
           </a:p>
@@ -3572,7 +7134,7 @@
             <a:fld id="{B61BEF0D-F0BB-DE4B-95CE-6DB70DBA9567}" type="datetimeFigureOut">
               <a:rPr lang="en-US" dirty="0"/>
               <a:pPr/>
-              <a:t>11/15/2020</a:t>
+              <a:t>1/8/2022</a:t>
             </a:fld>
             <a:endParaRPr lang="en-US" dirty="0"/>
           </a:p>
@@ -3739,7 +7301,7 @@
             <a:fld id="{B61BEF0D-F0BB-DE4B-95CE-6DB70DBA9567}" type="datetimeFigureOut">
               <a:rPr lang="en-US" dirty="0"/>
               <a:pPr/>
-              <a:t>11/15/2020</a:t>
+              <a:t>1/8/2022</a:t>
             </a:fld>
             <a:endParaRPr lang="en-US" dirty="0"/>
           </a:p>
@@ -3986,7 +7548,7 @@
             <a:fld id="{B61BEF0D-F0BB-DE4B-95CE-6DB70DBA9567}" type="datetimeFigureOut">
               <a:rPr lang="en-US" dirty="0"/>
               <a:pPr/>
-              <a:t>11/15/2020</a:t>
+              <a:t>1/8/2022</a:t>
             </a:fld>
             <a:endParaRPr lang="en-US" dirty="0"/>
           </a:p>
@@ -4219,7 +7781,7 @@
             <a:fld id="{B61BEF0D-F0BB-DE4B-95CE-6DB70DBA9567}" type="datetimeFigureOut">
               <a:rPr lang="en-US" dirty="0"/>
               <a:pPr/>
-              <a:t>11/15/2020</a:t>
+              <a:t>1/8/2022</a:t>
             </a:fld>
             <a:endParaRPr lang="en-US" dirty="0"/>
           </a:p>
@@ -4598,7 +8160,7 @@
             <a:fld id="{B61BEF0D-F0BB-DE4B-95CE-6DB70DBA9567}" type="datetimeFigureOut">
               <a:rPr lang="en-US" dirty="0"/>
               <a:pPr/>
-              <a:t>11/15/2020</a:t>
+              <a:t>1/8/2022</a:t>
             </a:fld>
             <a:endParaRPr lang="en-US" dirty="0"/>
           </a:p>
@@ -4713,7 +8275,7 @@
             <a:fld id="{B61BEF0D-F0BB-DE4B-95CE-6DB70DBA9567}" type="datetimeFigureOut">
               <a:rPr lang="en-US" dirty="0"/>
               <a:pPr/>
-              <a:t>11/15/2020</a:t>
+              <a:t>1/8/2022</a:t>
             </a:fld>
             <a:endParaRPr lang="en-US" dirty="0"/>
           </a:p>
@@ -4805,7 +8367,7 @@
             <a:fld id="{B61BEF0D-F0BB-DE4B-95CE-6DB70DBA9567}" type="datetimeFigureOut">
               <a:rPr lang="en-US" dirty="0"/>
               <a:pPr/>
-              <a:t>11/15/2020</a:t>
+              <a:t>1/8/2022</a:t>
             </a:fld>
             <a:endParaRPr lang="en-US" dirty="0"/>
           </a:p>
@@ -5057,7 +8619,7 @@
             <a:fld id="{B61BEF0D-F0BB-DE4B-95CE-6DB70DBA9567}" type="datetimeFigureOut">
               <a:rPr lang="en-US" dirty="0"/>
               <a:pPr/>
-              <a:t>11/15/2020</a:t>
+              <a:t>1/8/2022</a:t>
             </a:fld>
             <a:endParaRPr lang="en-US" dirty="0"/>
           </a:p>
@@ -5337,7 +8899,7 @@
             <a:fld id="{B61BEF0D-F0BB-DE4B-95CE-6DB70DBA9567}" type="datetimeFigureOut">
               <a:rPr lang="en-US" dirty="0"/>
               <a:pPr/>
-              <a:t>11/15/2020</a:t>
+              <a:t>1/8/2022</a:t>
             </a:fld>
             <a:endParaRPr lang="en-US" dirty="0"/>
           </a:p>
@@ -5740,7 +9302,7 @@
             <a:fld id="{B61BEF0D-F0BB-DE4B-95CE-6DB70DBA9567}" type="datetimeFigureOut">
               <a:rPr lang="en-US" dirty="0"/>
               <a:pPr/>
-              <a:t>11/15/2020</a:t>
+              <a:t>1/8/2022</a:t>
             </a:fld>
             <a:endParaRPr lang="en-US" dirty="0"/>
           </a:p>
@@ -6346,6 +9908,501 @@
 </p:sld>
 </file>
 
+<file path=ppt/slides/slide10.xml><?xml version="1.0" encoding="utf-8"?>
+<p:sld xmlns:a="http://schemas.openxmlformats.org/drawingml/2006/main" xmlns:r="http://schemas.openxmlformats.org/officeDocument/2006/relationships" xmlns:p="http://schemas.openxmlformats.org/presentationml/2006/main">
+  <p:cSld>
+    <p:bg>
+      <p:bgPr>
+        <a:gradFill rotWithShape="1">
+          <a:gsLst>
+            <a:gs pos="10000">
+              <a:schemeClr val="bg2">
+                <a:tint val="97000"/>
+                <a:hueMod val="92000"/>
+                <a:satMod val="169000"/>
+                <a:lumMod val="164000"/>
+              </a:schemeClr>
+            </a:gs>
+            <a:gs pos="100000">
+              <a:schemeClr val="bg2">
+                <a:shade val="96000"/>
+                <a:satMod val="120000"/>
+                <a:lumMod val="90000"/>
+              </a:schemeClr>
+            </a:gs>
+          </a:gsLst>
+          <a:lin ang="6120000" scaled="1"/>
+        </a:gradFill>
+        <a:effectLst/>
+      </p:bgPr>
+    </p:bg>
+    <p:spTree>
+      <p:nvGrpSpPr>
+        <p:cNvPr id="1" name=""/>
+        <p:cNvGrpSpPr/>
+        <p:nvPr/>
+      </p:nvGrpSpPr>
+      <p:grpSpPr>
+        <a:xfrm>
+          <a:off x="0" y="0"/>
+          <a:ext cx="0" cy="0"/>
+          <a:chOff x="0" y="0"/>
+          <a:chExt cx="0" cy="0"/>
+        </a:xfrm>
+      </p:grpSpPr>
+      <p:sp>
+        <p:nvSpPr>
+          <p:cNvPr id="2" name="Tytuł 1">
+            <a:extLst>
+              <a:ext uri="{FF2B5EF4-FFF2-40B4-BE49-F238E27FC236}">
+                <a16:creationId xmlns:a16="http://schemas.microsoft.com/office/drawing/2014/main" id="{29F3D93C-C9B5-47D3-A818-66B49571FC34}"/>
+              </a:ext>
+            </a:extLst>
+          </p:cNvPr>
+          <p:cNvSpPr>
+            <a:spLocks noGrp="1"/>
+          </p:cNvSpPr>
+          <p:nvPr>
+            <p:ph type="title"/>
+          </p:nvPr>
+        </p:nvSpPr>
+        <p:spPr>
+          <a:xfrm>
+            <a:off x="684212" y="4487332"/>
+            <a:ext cx="8534400" cy="1507067"/>
+          </a:xfrm>
+        </p:spPr>
+        <p:txBody>
+          <a:bodyPr>
+            <a:normAutofit/>
+          </a:bodyPr>
+          <a:lstStyle/>
+          <a:p>
+            <a:r>
+              <a:rPr lang="pl-PL" dirty="0"/>
+              <a:t>Peer-to-</a:t>
+            </a:r>
+            <a:r>
+              <a:rPr lang="pl-PL" dirty="0" err="1"/>
+              <a:t>peer</a:t>
+            </a:r>
+            <a:endParaRPr lang="pl-PL" dirty="0"/>
+          </a:p>
+        </p:txBody>
+      </p:sp>
+      <p:pic>
+        <p:nvPicPr>
+          <p:cNvPr id="4" name="Obraz 3" descr="Obraz zawierający zegar, znak&#10;&#10;Opis wygenerowany automatycznie">
+            <a:extLst>
+              <a:ext uri="{FF2B5EF4-FFF2-40B4-BE49-F238E27FC236}">
+                <a16:creationId xmlns:a16="http://schemas.microsoft.com/office/drawing/2014/main" id="{DEB1EB37-D919-4347-AF17-D4D8B563F681}"/>
+              </a:ext>
+            </a:extLst>
+          </p:cNvPr>
+          <p:cNvPicPr>
+            <a:picLocks noChangeAspect="1"/>
+          </p:cNvPicPr>
+          <p:nvPr/>
+        </p:nvPicPr>
+        <p:blipFill>
+          <a:blip r:embed="rId3"/>
+          <a:stretch>
+            <a:fillRect/>
+          </a:stretch>
+        </p:blipFill>
+        <p:spPr>
+          <a:xfrm>
+            <a:off x="684212" y="822548"/>
+            <a:ext cx="3193436" cy="3575884"/>
+          </a:xfrm>
+          <a:prstGeom prst="rect">
+            <a:avLst/>
+          </a:prstGeom>
+          <a:effectLst>
+            <a:innerShdw blurRad="57150" dist="38100" dir="14460000">
+              <a:prstClr val="black">
+                <a:alpha val="70000"/>
+              </a:prstClr>
+            </a:innerShdw>
+          </a:effectLst>
+        </p:spPr>
+      </p:pic>
+      <p:sp>
+        <p:nvSpPr>
+          <p:cNvPr id="3" name="Symbol zastępczy zawartości 2">
+            <a:extLst>
+              <a:ext uri="{FF2B5EF4-FFF2-40B4-BE49-F238E27FC236}">
+                <a16:creationId xmlns:a16="http://schemas.microsoft.com/office/drawing/2014/main" id="{3767C678-46A4-4F1B-AACD-8B9059FE9A4C}"/>
+              </a:ext>
+            </a:extLst>
+          </p:cNvPr>
+          <p:cNvSpPr>
+            <a:spLocks noGrp="1"/>
+          </p:cNvSpPr>
+          <p:nvPr>
+            <p:ph idx="1"/>
+          </p:nvPr>
+        </p:nvSpPr>
+        <p:spPr>
+          <a:xfrm>
+            <a:off x="5103991" y="822548"/>
+            <a:ext cx="4419171" cy="3575884"/>
+          </a:xfrm>
+        </p:spPr>
+        <p:txBody>
+          <a:bodyPr>
+            <a:normAutofit/>
+          </a:bodyPr>
+          <a:lstStyle/>
+          <a:p>
+            <a:pPr marL="0" indent="0">
+              <a:buNone/>
+            </a:pPr>
+            <a:r>
+              <a:rPr lang="pl-PL" dirty="0">
+                <a:solidFill>
+                  <a:schemeClr val="tx1"/>
+                </a:solidFill>
+              </a:rPr>
+              <a:t>Technika łączenia serwerów w którym każdy jest serwerem równorzędnym</a:t>
+            </a:r>
+          </a:p>
+          <a:p>
+            <a:endParaRPr lang="pl-PL" dirty="0"/>
+          </a:p>
+        </p:txBody>
+      </p:sp>
+    </p:spTree>
+    <p:extLst>
+      <p:ext uri="{BB962C8B-B14F-4D97-AF65-F5344CB8AC3E}">
+        <p14:creationId xmlns:p14="http://schemas.microsoft.com/office/powerpoint/2010/main" val="4262502946"/>
+      </p:ext>
+    </p:extLst>
+  </p:cSld>
+  <p:clrMapOvr>
+    <a:masterClrMapping/>
+  </p:clrMapOvr>
+</p:sld>
+</file>
+
+<file path=ppt/slides/slide11.xml><?xml version="1.0" encoding="utf-8"?>
+<p:sld xmlns:a="http://schemas.openxmlformats.org/drawingml/2006/main" xmlns:r="http://schemas.openxmlformats.org/officeDocument/2006/relationships" xmlns:p="http://schemas.openxmlformats.org/presentationml/2006/main">
+  <p:cSld>
+    <p:spTree>
+      <p:nvGrpSpPr>
+        <p:cNvPr id="1" name=""/>
+        <p:cNvGrpSpPr/>
+        <p:nvPr/>
+      </p:nvGrpSpPr>
+      <p:grpSpPr>
+        <a:xfrm>
+          <a:off x="0" y="0"/>
+          <a:ext cx="0" cy="0"/>
+          <a:chOff x="0" y="0"/>
+          <a:chExt cx="0" cy="0"/>
+        </a:xfrm>
+      </p:grpSpPr>
+      <p:sp>
+        <p:nvSpPr>
+          <p:cNvPr id="2" name="Tytuł 1">
+            <a:extLst>
+              <a:ext uri="{FF2B5EF4-FFF2-40B4-BE49-F238E27FC236}">
+                <a16:creationId xmlns:a16="http://schemas.microsoft.com/office/drawing/2014/main" id="{D4FE87CA-CBA9-4F2C-B7B0-EA03C66C75C1}"/>
+              </a:ext>
+            </a:extLst>
+          </p:cNvPr>
+          <p:cNvSpPr>
+            <a:spLocks noGrp="1"/>
+          </p:cNvSpPr>
+          <p:nvPr>
+            <p:ph type="title"/>
+          </p:nvPr>
+        </p:nvSpPr>
+        <p:spPr>
+          <a:xfrm>
+            <a:off x="665640" y="4414687"/>
+            <a:ext cx="10250013" cy="1233251"/>
+          </a:xfrm>
+        </p:spPr>
+        <p:txBody>
+          <a:bodyPr vert="horz" lIns="91440" tIns="45720" rIns="91440" bIns="45720" rtlCol="0" anchor="b">
+            <a:normAutofit/>
+          </a:bodyPr>
+          <a:lstStyle/>
+          <a:p>
+            <a:r>
+              <a:rPr lang="en-US" sz="4800">
+                <a:solidFill>
+                  <a:srgbClr val="FFFFFF"/>
+                </a:solidFill>
+              </a:rPr>
+              <a:t>TEORIA CAP</a:t>
+            </a:r>
+          </a:p>
+        </p:txBody>
+      </p:sp>
+      <p:pic>
+        <p:nvPicPr>
+          <p:cNvPr id="5" name="Symbol zastępczy zawartości 4">
+            <a:extLst>
+              <a:ext uri="{FF2B5EF4-FFF2-40B4-BE49-F238E27FC236}">
+                <a16:creationId xmlns:a16="http://schemas.microsoft.com/office/drawing/2014/main" id="{5125B4F6-0DB1-4AF8-AF14-912D651F95BD}"/>
+              </a:ext>
+            </a:extLst>
+          </p:cNvPr>
+          <p:cNvPicPr>
+            <a:picLocks noChangeAspect="1"/>
+          </p:cNvPicPr>
+          <p:nvPr/>
+        </p:nvPicPr>
+        <p:blipFill rotWithShape="1">
+          <a:blip r:embed="rId3"/>
+          <a:stretch/>
+        </p:blipFill>
+        <p:spPr>
+          <a:xfrm>
+            <a:off x="-21078" y="-34415"/>
+            <a:ext cx="12253181" cy="6892415"/>
+          </a:xfrm>
+          <a:prstGeom prst="rect">
+            <a:avLst/>
+          </a:prstGeom>
+        </p:spPr>
+      </p:pic>
+    </p:spTree>
+    <p:extLst>
+      <p:ext uri="{BB962C8B-B14F-4D97-AF65-F5344CB8AC3E}">
+        <p14:creationId xmlns:p14="http://schemas.microsoft.com/office/powerpoint/2010/main" val="2448902465"/>
+      </p:ext>
+    </p:extLst>
+  </p:cSld>
+  <p:clrMapOvr>
+    <a:masterClrMapping/>
+  </p:clrMapOvr>
+</p:sld>
+</file>
+
+<file path=ppt/slides/slide12.xml><?xml version="1.0" encoding="utf-8"?>
+<p:sld xmlns:a="http://schemas.openxmlformats.org/drawingml/2006/main" xmlns:r="http://schemas.openxmlformats.org/officeDocument/2006/relationships" xmlns:p="http://schemas.openxmlformats.org/presentationml/2006/main">
+  <p:cSld>
+    <p:spTree>
+      <p:nvGrpSpPr>
+        <p:cNvPr id="1" name=""/>
+        <p:cNvGrpSpPr/>
+        <p:nvPr/>
+      </p:nvGrpSpPr>
+      <p:grpSpPr>
+        <a:xfrm>
+          <a:off x="0" y="0"/>
+          <a:ext cx="0" cy="0"/>
+          <a:chOff x="0" y="0"/>
+          <a:chExt cx="0" cy="0"/>
+        </a:xfrm>
+      </p:grpSpPr>
+      <p:sp>
+        <p:nvSpPr>
+          <p:cNvPr id="2" name="Tytuł 1">
+            <a:extLst>
+              <a:ext uri="{FF2B5EF4-FFF2-40B4-BE49-F238E27FC236}">
+                <a16:creationId xmlns:a16="http://schemas.microsoft.com/office/drawing/2014/main" id="{4B49C389-72C6-4CA2-A110-7525192FABAE}"/>
+              </a:ext>
+            </a:extLst>
+          </p:cNvPr>
+          <p:cNvSpPr>
+            <a:spLocks noGrp="1"/>
+          </p:cNvSpPr>
+          <p:nvPr>
+            <p:ph type="title"/>
+          </p:nvPr>
+        </p:nvSpPr>
+        <p:spPr>
+          <a:xfrm>
+            <a:off x="1111357" y="5489262"/>
+            <a:ext cx="7588889" cy="839821"/>
+          </a:xfrm>
+        </p:spPr>
+        <p:txBody>
+          <a:bodyPr anchor="b">
+            <a:normAutofit fontScale="90000"/>
+          </a:bodyPr>
+          <a:lstStyle/>
+          <a:p>
+            <a:r>
+              <a:rPr lang="en-US" sz="4000" dirty="0">
+                <a:solidFill>
+                  <a:srgbClr val="FFFFFF"/>
+                </a:solidFill>
+              </a:rPr>
+              <a:t>Teoria CAP</a:t>
+            </a:r>
+            <a:br>
+              <a:rPr lang="en-US" sz="4000" dirty="0">
+                <a:solidFill>
+                  <a:srgbClr val="FFFFFF"/>
+                </a:solidFill>
+              </a:rPr>
+            </a:br>
+            <a:r>
+              <a:rPr lang="en-US" sz="3100" dirty="0" err="1">
+                <a:solidFill>
+                  <a:srgbClr val="FFFFFF"/>
+                </a:solidFill>
+              </a:rPr>
+              <a:t>przykład</a:t>
+            </a:r>
+            <a:endParaRPr lang="pl-PL" sz="3100" dirty="0">
+              <a:solidFill>
+                <a:srgbClr val="FFFFFF"/>
+              </a:solidFill>
+            </a:endParaRPr>
+          </a:p>
+        </p:txBody>
+      </p:sp>
+      <p:pic>
+        <p:nvPicPr>
+          <p:cNvPr id="7" name="Content Placeholder 6" descr="Diagram&#10;&#10;Description automatically generated">
+            <a:extLst>
+              <a:ext uri="{FF2B5EF4-FFF2-40B4-BE49-F238E27FC236}">
+                <a16:creationId xmlns:a16="http://schemas.microsoft.com/office/drawing/2014/main" id="{C1C07B12-360D-444C-81A2-076F01D0B617}"/>
+              </a:ext>
+            </a:extLst>
+          </p:cNvPr>
+          <p:cNvPicPr>
+            <a:picLocks noGrp="1" noChangeAspect="1"/>
+          </p:cNvPicPr>
+          <p:nvPr>
+            <p:ph idx="1"/>
+          </p:nvPr>
+        </p:nvPicPr>
+        <p:blipFill>
+          <a:blip r:embed="rId3"/>
+          <a:stretch>
+            <a:fillRect/>
+          </a:stretch>
+        </p:blipFill>
+        <p:spPr>
+          <a:xfrm>
+            <a:off x="1111357" y="354105"/>
+            <a:ext cx="8118974" cy="4453134"/>
+          </a:xfrm>
+        </p:spPr>
+      </p:pic>
+    </p:spTree>
+    <p:extLst>
+      <p:ext uri="{BB962C8B-B14F-4D97-AF65-F5344CB8AC3E}">
+        <p14:creationId xmlns:p14="http://schemas.microsoft.com/office/powerpoint/2010/main" val="1268615317"/>
+      </p:ext>
+    </p:extLst>
+  </p:cSld>
+  <p:clrMapOvr>
+    <a:masterClrMapping/>
+  </p:clrMapOvr>
+</p:sld>
+</file>
+
+<file path=ppt/slides/slide13.xml><?xml version="1.0" encoding="utf-8"?>
+<p:sld xmlns:a="http://schemas.openxmlformats.org/drawingml/2006/main" xmlns:r="http://schemas.openxmlformats.org/officeDocument/2006/relationships" xmlns:p="http://schemas.openxmlformats.org/presentationml/2006/main">
+  <p:cSld>
+    <p:spTree>
+      <p:nvGrpSpPr>
+        <p:cNvPr id="1" name=""/>
+        <p:cNvGrpSpPr/>
+        <p:nvPr/>
+      </p:nvGrpSpPr>
+      <p:grpSpPr>
+        <a:xfrm>
+          <a:off x="0" y="0"/>
+          <a:ext cx="0" cy="0"/>
+          <a:chOff x="0" y="0"/>
+          <a:chExt cx="0" cy="0"/>
+        </a:xfrm>
+      </p:grpSpPr>
+      <p:sp>
+        <p:nvSpPr>
+          <p:cNvPr id="2" name="Tytuł 1">
+            <a:extLst>
+              <a:ext uri="{FF2B5EF4-FFF2-40B4-BE49-F238E27FC236}">
+                <a16:creationId xmlns:a16="http://schemas.microsoft.com/office/drawing/2014/main" id="{4B49C389-72C6-4CA2-A110-7525192FABAE}"/>
+              </a:ext>
+            </a:extLst>
+          </p:cNvPr>
+          <p:cNvSpPr>
+            <a:spLocks noGrp="1"/>
+          </p:cNvSpPr>
+          <p:nvPr>
+            <p:ph type="title"/>
+          </p:nvPr>
+        </p:nvSpPr>
+        <p:spPr>
+          <a:xfrm>
+            <a:off x="7807992" y="313764"/>
+            <a:ext cx="4765008" cy="839821"/>
+          </a:xfrm>
+        </p:spPr>
+        <p:txBody>
+          <a:bodyPr anchor="b">
+            <a:normAutofit/>
+          </a:bodyPr>
+          <a:lstStyle/>
+          <a:p>
+            <a:r>
+              <a:rPr lang="en-US" sz="4000" dirty="0">
+                <a:solidFill>
+                  <a:srgbClr val="FFFFFF"/>
+                </a:solidFill>
+              </a:rPr>
+              <a:t>Teoria CAP</a:t>
+            </a:r>
+            <a:endParaRPr lang="pl-PL" sz="3100" dirty="0">
+              <a:solidFill>
+                <a:srgbClr val="FFFFFF"/>
+              </a:solidFill>
+            </a:endParaRPr>
+          </a:p>
+        </p:txBody>
+      </p:sp>
+      <p:pic>
+        <p:nvPicPr>
+          <p:cNvPr id="6" name="Content Placeholder 5" descr="Diagram, venn diagram&#10;&#10;Description automatically generated">
+            <a:extLst>
+              <a:ext uri="{FF2B5EF4-FFF2-40B4-BE49-F238E27FC236}">
+                <a16:creationId xmlns:a16="http://schemas.microsoft.com/office/drawing/2014/main" id="{0334AFA7-064E-4A40-9753-05E06C897FAD}"/>
+              </a:ext>
+            </a:extLst>
+          </p:cNvPr>
+          <p:cNvPicPr>
+            <a:picLocks noGrp="1" noChangeAspect="1"/>
+          </p:cNvPicPr>
+          <p:nvPr>
+            <p:ph idx="1"/>
+          </p:nvPr>
+        </p:nvPicPr>
+        <p:blipFill>
+          <a:blip r:embed="rId3"/>
+          <a:stretch>
+            <a:fillRect/>
+          </a:stretch>
+        </p:blipFill>
+        <p:spPr>
+          <a:xfrm>
+            <a:off x="530246" y="417146"/>
+            <a:ext cx="6563770" cy="5671509"/>
+          </a:xfrm>
+        </p:spPr>
+      </p:pic>
+    </p:spTree>
+    <p:extLst>
+      <p:ext uri="{BB962C8B-B14F-4D97-AF65-F5344CB8AC3E}">
+        <p14:creationId xmlns:p14="http://schemas.microsoft.com/office/powerpoint/2010/main" val="2956098321"/>
+      </p:ext>
+    </p:extLst>
+  </p:cSld>
+  <p:clrMapOvr>
+    <a:masterClrMapping/>
+  </p:clrMapOvr>
+</p:sld>
+</file>
+
 <file path=ppt/slides/slide2.xml><?xml version="1.0" encoding="utf-8"?>
 <p:sld xmlns:a="http://schemas.openxmlformats.org/drawingml/2006/main" xmlns:r="http://schemas.openxmlformats.org/officeDocument/2006/relationships" xmlns:p="http://schemas.openxmlformats.org/presentationml/2006/main">
   <p:cSld>
@@ -6694,31 +10751,6 @@
 <file path=ppt/slides/slide5.xml><?xml version="1.0" encoding="utf-8"?>
 <p:sld xmlns:a="http://schemas.openxmlformats.org/drawingml/2006/main" xmlns:r="http://schemas.openxmlformats.org/officeDocument/2006/relationships" xmlns:p="http://schemas.openxmlformats.org/presentationml/2006/main">
   <p:cSld>
-    <p:bg>
-      <p:bgPr>
-        <a:gradFill rotWithShape="1">
-          <a:gsLst>
-            <a:gs pos="10000">
-              <a:schemeClr val="bg2">
-                <a:tint val="97000"/>
-                <a:hueMod val="92000"/>
-                <a:satMod val="169000"/>
-                <a:lumMod val="164000"/>
-              </a:schemeClr>
-            </a:gs>
-            <a:gs pos="100000">
-              <a:schemeClr val="bg2">
-                <a:shade val="96000"/>
-                <a:satMod val="120000"/>
-                <a:lumMod val="90000"/>
-              </a:schemeClr>
-            </a:gs>
-          </a:gsLst>
-          <a:lin ang="6120000" scaled="1"/>
-        </a:gradFill>
-        <a:effectLst/>
-      </p:bgPr>
-    </p:bg>
     <p:spTree>
       <p:nvGrpSpPr>
         <p:cNvPr id="1" name=""/>
@@ -6738,7 +10770,7 @@
           <p:cNvPr id="2" name="Tytuł 1">
             <a:extLst>
               <a:ext uri="{FF2B5EF4-FFF2-40B4-BE49-F238E27FC236}">
-                <a16:creationId xmlns:a16="http://schemas.microsoft.com/office/drawing/2014/main" id="{A0EC10F1-ADA1-43E5-8D6C-47B44FAAC75F}"/>
+                <a16:creationId xmlns:a16="http://schemas.microsoft.com/office/drawing/2014/main" id="{A1E96F18-1C9E-4B67-AC52-2C9444AF86EF}"/>
               </a:ext>
             </a:extLst>
           </p:cNvPr>
@@ -6749,39 +10781,41 @@
             <p:ph type="title"/>
           </p:nvPr>
         </p:nvSpPr>
-        <p:spPr>
-          <a:xfrm>
-            <a:off x="684212" y="4487332"/>
-            <a:ext cx="8534400" cy="1507067"/>
-          </a:xfrm>
-        </p:spPr>
-        <p:txBody>
-          <a:bodyPr>
-            <a:normAutofit/>
-          </a:bodyPr>
+        <p:spPr/>
+        <p:txBody>
+          <a:bodyPr/>
           <a:lstStyle/>
           <a:p>
             <a:r>
-              <a:rPr lang="pl-PL"/>
-              <a:t>Sharding</a:t>
-            </a:r>
-            <a:endParaRPr lang="pl-PL" dirty="0"/>
+              <a:rPr lang="pl-PL" dirty="0"/>
+              <a:t>Skalowanie Horyzontalne</a:t>
+            </a:r>
+            <a:br>
+              <a:rPr lang="en-US" dirty="0"/>
+            </a:br>
+            <a:r>
+              <a:rPr lang="en-US" sz="2400" dirty="0"/>
+              <a:t>MEMCACHED I REPLIKACJA</a:t>
+            </a:r>
+            <a:endParaRPr lang="pl-PL" sz="2400" dirty="0"/>
           </a:p>
         </p:txBody>
       </p:sp>
       <p:pic>
         <p:nvPicPr>
-          <p:cNvPr id="6" name="Obraz 5">
+          <p:cNvPr id="8" name="Content Placeholder 7" descr="Diagram&#10;&#10;Description automatically generated">
             <a:extLst>
               <a:ext uri="{FF2B5EF4-FFF2-40B4-BE49-F238E27FC236}">
-                <a16:creationId xmlns:a16="http://schemas.microsoft.com/office/drawing/2014/main" id="{C70F1FB6-2E15-4256-8C0A-F1E1EB9692C0}"/>
+                <a16:creationId xmlns:a16="http://schemas.microsoft.com/office/drawing/2014/main" id="{4D88E602-CC8A-4F22-8B7E-33046D9BAAF9}"/>
               </a:ext>
             </a:extLst>
           </p:cNvPr>
           <p:cNvPicPr>
-            <a:picLocks noChangeAspect="1"/>
+            <a:picLocks noGrp="1" noChangeAspect="1"/>
           </p:cNvPicPr>
-          <p:nvPr/>
+          <p:nvPr>
+            <p:ph idx="1"/>
+          </p:nvPr>
         </p:nvPicPr>
         <p:blipFill>
           <a:blip r:embed="rId3"/>
@@ -6791,67 +10825,15 @@
         </p:blipFill>
         <p:spPr>
           <a:xfrm>
-            <a:off x="791239" y="777361"/>
-            <a:ext cx="5304759" cy="3488455"/>
+            <a:off x="684212" y="527799"/>
+            <a:ext cx="7055250" cy="3936625"/>
           </a:xfrm>
-          <a:prstGeom prst="rect">
-            <a:avLst/>
-          </a:prstGeom>
-          <a:effectLst>
-            <a:innerShdw blurRad="57150" dist="38100" dir="14460000">
-              <a:prstClr val="black">
-                <a:alpha val="70000"/>
-              </a:prstClr>
-            </a:innerShdw>
-          </a:effectLst>
         </p:spPr>
       </p:pic>
-      <p:sp>
-        <p:nvSpPr>
-          <p:cNvPr id="3" name="Symbol zastępczy zawartości 2">
-            <a:extLst>
-              <a:ext uri="{FF2B5EF4-FFF2-40B4-BE49-F238E27FC236}">
-                <a16:creationId xmlns:a16="http://schemas.microsoft.com/office/drawing/2014/main" id="{8099D530-056D-4E00-94BE-26E58A9DAD63}"/>
-              </a:ext>
-            </a:extLst>
-          </p:cNvPr>
-          <p:cNvSpPr>
-            <a:spLocks noGrp="1"/>
-          </p:cNvSpPr>
-          <p:nvPr>
-            <p:ph idx="1"/>
-          </p:nvPr>
-        </p:nvSpPr>
-        <p:spPr>
-          <a:xfrm>
-            <a:off x="6499654" y="733647"/>
-            <a:ext cx="4419171" cy="3575884"/>
-          </a:xfrm>
-        </p:spPr>
-        <p:txBody>
-          <a:bodyPr>
-            <a:normAutofit/>
-          </a:bodyPr>
-          <a:lstStyle/>
-          <a:p>
-            <a:pPr marL="0" indent="0">
-              <a:buNone/>
-            </a:pPr>
-            <a:r>
-              <a:rPr lang="pl-PL" dirty="0">
-                <a:solidFill>
-                  <a:schemeClr val="tx1"/>
-                </a:solidFill>
-              </a:rPr>
-              <a:t>Technika polegająca rozdzieleniu danych na różne bazy</a:t>
-            </a:r>
-          </a:p>
-        </p:txBody>
-      </p:sp>
     </p:spTree>
     <p:extLst>
       <p:ext uri="{BB962C8B-B14F-4D97-AF65-F5344CB8AC3E}">
-        <p14:creationId xmlns:p14="http://schemas.microsoft.com/office/powerpoint/2010/main" val="446065476"/>
+        <p14:creationId xmlns:p14="http://schemas.microsoft.com/office/powerpoint/2010/main" val="1633172030"/>
       </p:ext>
     </p:extLst>
   </p:cSld>
@@ -6883,6 +10865,337 @@
           <p:cNvPr id="2" name="Tytuł 1">
             <a:extLst>
               <a:ext uri="{FF2B5EF4-FFF2-40B4-BE49-F238E27FC236}">
+                <a16:creationId xmlns:a16="http://schemas.microsoft.com/office/drawing/2014/main" id="{A0EC10F1-ADA1-43E5-8D6C-47B44FAAC75F}"/>
+              </a:ext>
+            </a:extLst>
+          </p:cNvPr>
+          <p:cNvSpPr>
+            <a:spLocks noGrp="1"/>
+          </p:cNvSpPr>
+          <p:nvPr>
+            <p:ph type="title"/>
+          </p:nvPr>
+        </p:nvSpPr>
+        <p:spPr>
+          <a:xfrm>
+            <a:off x="684212" y="4487332"/>
+            <a:ext cx="8534400" cy="1507067"/>
+          </a:xfrm>
+        </p:spPr>
+        <p:txBody>
+          <a:bodyPr>
+            <a:normAutofit/>
+          </a:bodyPr>
+          <a:lstStyle/>
+          <a:p>
+            <a:r>
+              <a:rPr lang="en-US" dirty="0"/>
+              <a:t>SHARDING </a:t>
+            </a:r>
+            <a:br>
+              <a:rPr lang="en-US" dirty="0"/>
+            </a:br>
+            <a:r>
+              <a:rPr lang="en-US" sz="2800" dirty="0"/>
+              <a:t>MEMCACHED </a:t>
+            </a:r>
+            <a:r>
+              <a:rPr lang="en-US" sz="2800" dirty="0" err="1"/>
+              <a:t>i</a:t>
+            </a:r>
+            <a:r>
+              <a:rPr lang="en-US" sz="2800" dirty="0"/>
+              <a:t> REPLIKACJA </a:t>
+            </a:r>
+            <a:endParaRPr lang="pl-PL" sz="2800" dirty="0"/>
+          </a:p>
+        </p:txBody>
+      </p:sp>
+      <p:sp>
+        <p:nvSpPr>
+          <p:cNvPr id="8" name="AutoShape 3">
+            <a:extLst>
+              <a:ext uri="{FF2B5EF4-FFF2-40B4-BE49-F238E27FC236}">
+                <a16:creationId xmlns:a16="http://schemas.microsoft.com/office/drawing/2014/main" id="{1ABAA4E1-28CB-4CF7-9568-738543F7BF1D}"/>
+              </a:ext>
+            </a:extLst>
+          </p:cNvPr>
+          <p:cNvSpPr>
+            <a:spLocks noChangeAspect="1" noChangeArrowheads="1" noTextEdit="1"/>
+          </p:cNvSpPr>
+          <p:nvPr/>
+        </p:nvSpPr>
+        <p:spPr bwMode="auto">
+          <a:xfrm>
+            <a:off x="790575" y="777875"/>
+            <a:ext cx="5305425" cy="3487738"/>
+          </a:xfrm>
+          <a:prstGeom prst="rect">
+            <a:avLst/>
+          </a:prstGeom>
+          <a:noFill/>
+          <a:ln>
+            <a:noFill/>
+          </a:ln>
+          <a:extLst>
+            <a:ext uri="{909E8E84-426E-40DD-AFC4-6F175D3DCCD1}">
+              <a14:hiddenFill xmlns:a14="http://schemas.microsoft.com/office/drawing/2010/main">
+                <a:solidFill>
+                  <a:srgbClr val="FFFFFF"/>
+                </a:solidFill>
+              </a14:hiddenFill>
+            </a:ext>
+            <a:ext uri="{91240B29-F687-4F45-9708-019B960494DF}">
+              <a14:hiddenLine xmlns:a14="http://schemas.microsoft.com/office/drawing/2010/main" w="9525">
+                <a:solidFill>
+                  <a:srgbClr val="000000"/>
+                </a:solidFill>
+                <a:miter lim="800000"/>
+                <a:headEnd/>
+                <a:tailEnd/>
+              </a14:hiddenLine>
+            </a:ext>
+          </a:extLst>
+        </p:spPr>
+        <p:txBody>
+          <a:bodyPr vert="horz" wrap="square" lIns="91440" tIns="45720" rIns="91440" bIns="45720" numCol="1" anchor="t" anchorCtr="0" compatLnSpc="1">
+            <a:prstTxWarp prst="textNoShape">
+              <a:avLst/>
+            </a:prstTxWarp>
+          </a:bodyPr>
+          <a:lstStyle/>
+          <a:p>
+            <a:endParaRPr lang="en-US"/>
+          </a:p>
+        </p:txBody>
+      </p:sp>
+      <p:pic>
+        <p:nvPicPr>
+          <p:cNvPr id="10" name="Picture 9" descr="Diagram, engineering drawing&#10;&#10;Description automatically generated">
+            <a:extLst>
+              <a:ext uri="{FF2B5EF4-FFF2-40B4-BE49-F238E27FC236}">
+                <a16:creationId xmlns:a16="http://schemas.microsoft.com/office/drawing/2014/main" id="{DB26545C-41F2-42C0-8B32-ADF6EAE70074}"/>
+              </a:ext>
+            </a:extLst>
+          </p:cNvPr>
+          <p:cNvPicPr>
+            <a:picLocks noChangeAspect="1"/>
+          </p:cNvPicPr>
+          <p:nvPr/>
+        </p:nvPicPr>
+        <p:blipFill>
+          <a:blip r:embed="rId3"/>
+          <a:stretch>
+            <a:fillRect/>
+          </a:stretch>
+        </p:blipFill>
+        <p:spPr>
+          <a:xfrm>
+            <a:off x="684212" y="329916"/>
+            <a:ext cx="7277100" cy="4081504"/>
+          </a:xfrm>
+          <a:prstGeom prst="rect">
+            <a:avLst/>
+          </a:prstGeom>
+        </p:spPr>
+      </p:pic>
+      <p:sp>
+        <p:nvSpPr>
+          <p:cNvPr id="5" name="Symbol zastępczy zawartości 2">
+            <a:extLst>
+              <a:ext uri="{FF2B5EF4-FFF2-40B4-BE49-F238E27FC236}">
+                <a16:creationId xmlns:a16="http://schemas.microsoft.com/office/drawing/2014/main" id="{D1FD0C1A-05FF-450F-B421-EB4B68B21915}"/>
+              </a:ext>
+            </a:extLst>
+          </p:cNvPr>
+          <p:cNvSpPr>
+            <a:spLocks noGrp="1"/>
+          </p:cNvSpPr>
+          <p:nvPr>
+            <p:ph idx="1"/>
+          </p:nvPr>
+        </p:nvSpPr>
+        <p:spPr>
+          <a:xfrm>
+            <a:off x="8471647" y="-2054"/>
+            <a:ext cx="3159872" cy="3575884"/>
+          </a:xfrm>
+        </p:spPr>
+        <p:txBody>
+          <a:bodyPr>
+            <a:normAutofit/>
+          </a:bodyPr>
+          <a:lstStyle/>
+          <a:p>
+            <a:pPr marL="0" indent="0">
+              <a:buNone/>
+            </a:pPr>
+            <a:r>
+              <a:rPr lang="pl-PL" dirty="0">
+                <a:solidFill>
+                  <a:schemeClr val="tx1"/>
+                </a:solidFill>
+              </a:rPr>
+              <a:t>Technika polegająca rozdzieleniu danych na różne bazy</a:t>
+            </a:r>
+          </a:p>
+        </p:txBody>
+      </p:sp>
+    </p:spTree>
+    <p:extLst>
+      <p:ext uri="{BB962C8B-B14F-4D97-AF65-F5344CB8AC3E}">
+        <p14:creationId xmlns:p14="http://schemas.microsoft.com/office/powerpoint/2010/main" val="1111550937"/>
+      </p:ext>
+    </p:extLst>
+  </p:cSld>
+  <p:clrMapOvr>
+    <a:masterClrMapping/>
+  </p:clrMapOvr>
+</p:sld>
+</file>
+
+<file path=ppt/slides/slide7.xml><?xml version="1.0" encoding="utf-8"?>
+<p:sld xmlns:a="http://schemas.openxmlformats.org/drawingml/2006/main" xmlns:r="http://schemas.openxmlformats.org/officeDocument/2006/relationships" xmlns:p="http://schemas.openxmlformats.org/presentationml/2006/main">
+  <p:cSld>
+    <p:spTree>
+      <p:nvGrpSpPr>
+        <p:cNvPr id="1" name=""/>
+        <p:cNvGrpSpPr/>
+        <p:nvPr/>
+      </p:nvGrpSpPr>
+      <p:grpSpPr>
+        <a:xfrm>
+          <a:off x="0" y="0"/>
+          <a:ext cx="0" cy="0"/>
+          <a:chOff x="0" y="0"/>
+          <a:chExt cx="0" cy="0"/>
+        </a:xfrm>
+      </p:grpSpPr>
+      <p:sp>
+        <p:nvSpPr>
+          <p:cNvPr id="2" name="Tytuł 1">
+            <a:extLst>
+              <a:ext uri="{FF2B5EF4-FFF2-40B4-BE49-F238E27FC236}">
+                <a16:creationId xmlns:a16="http://schemas.microsoft.com/office/drawing/2014/main" id="{4B49C389-72C6-4CA2-A110-7525192FABAE}"/>
+              </a:ext>
+            </a:extLst>
+          </p:cNvPr>
+          <p:cNvSpPr>
+            <a:spLocks noGrp="1"/>
+          </p:cNvSpPr>
+          <p:nvPr>
+            <p:ph type="title"/>
+          </p:nvPr>
+        </p:nvSpPr>
+        <p:spPr>
+          <a:xfrm>
+            <a:off x="748286" y="5181599"/>
+            <a:ext cx="8707922" cy="839821"/>
+          </a:xfrm>
+        </p:spPr>
+        <p:txBody>
+          <a:bodyPr anchor="b">
+            <a:normAutofit fontScale="90000"/>
+          </a:bodyPr>
+          <a:lstStyle/>
+          <a:p>
+            <a:r>
+              <a:rPr lang="en-US" sz="4000" dirty="0">
+                <a:solidFill>
+                  <a:srgbClr val="FFFFFF"/>
+                </a:solidFill>
+              </a:rPr>
+              <a:t>SHARDING</a:t>
+            </a:r>
+            <a:br>
+              <a:rPr lang="en-US" sz="3200" dirty="0">
+                <a:solidFill>
+                  <a:srgbClr val="FFFFFF"/>
+                </a:solidFill>
+              </a:rPr>
+            </a:br>
+            <a:r>
+              <a:rPr lang="en-US" sz="3100" dirty="0">
+                <a:solidFill>
+                  <a:srgbClr val="FFFFFF"/>
+                </a:solidFill>
+              </a:rPr>
+              <a:t>WADY</a:t>
+            </a:r>
+            <a:endParaRPr lang="pl-PL" sz="3100" dirty="0">
+              <a:solidFill>
+                <a:srgbClr val="FFFFFF"/>
+              </a:solidFill>
+            </a:endParaRPr>
+          </a:p>
+        </p:txBody>
+      </p:sp>
+      <p:graphicFrame>
+        <p:nvGraphicFramePr>
+          <p:cNvPr id="7" name="Symbol zastępczy zawartości 2">
+            <a:extLst>
+              <a:ext uri="{FF2B5EF4-FFF2-40B4-BE49-F238E27FC236}">
+                <a16:creationId xmlns:a16="http://schemas.microsoft.com/office/drawing/2014/main" id="{0455C796-275E-4CA1-A47D-80E4CF19448C}"/>
+              </a:ext>
+            </a:extLst>
+          </p:cNvPr>
+          <p:cNvGraphicFramePr>
+            <a:graphicFrameLocks noGrp="1"/>
+          </p:cNvGraphicFramePr>
+          <p:nvPr>
+            <p:ph idx="1"/>
+            <p:extLst>
+              <p:ext uri="{D42A27DB-BD31-4B8C-83A1-F6EECF244321}">
+                <p14:modId xmlns:p14="http://schemas.microsoft.com/office/powerpoint/2010/main" val="1803211052"/>
+              </p:ext>
+            </p:extLst>
+          </p:nvPr>
+        </p:nvGraphicFramePr>
+        <p:xfrm>
+          <a:off x="1098550" y="1096964"/>
+          <a:ext cx="8991114" cy="3630680"/>
+        </p:xfrm>
+        <a:graphic>
+          <a:graphicData uri="http://schemas.openxmlformats.org/drawingml/2006/diagram">
+            <dgm:relIds xmlns:dgm="http://schemas.openxmlformats.org/drawingml/2006/diagram" xmlns:r="http://schemas.openxmlformats.org/officeDocument/2006/relationships" r:dm="rId3" r:lo="rId4" r:qs="rId5" r:cs="rId6"/>
+          </a:graphicData>
+        </a:graphic>
+      </p:graphicFrame>
+    </p:spTree>
+    <p:extLst>
+      <p:ext uri="{BB962C8B-B14F-4D97-AF65-F5344CB8AC3E}">
+        <p14:creationId xmlns:p14="http://schemas.microsoft.com/office/powerpoint/2010/main" val="3978320005"/>
+      </p:ext>
+    </p:extLst>
+  </p:cSld>
+  <p:clrMapOvr>
+    <a:masterClrMapping/>
+  </p:clrMapOvr>
+</p:sld>
+</file>
+
+<file path=ppt/slides/slide8.xml><?xml version="1.0" encoding="utf-8"?>
+<p:sld xmlns:a="http://schemas.openxmlformats.org/drawingml/2006/main" xmlns:r="http://schemas.openxmlformats.org/officeDocument/2006/relationships" xmlns:p="http://schemas.openxmlformats.org/presentationml/2006/main">
+  <p:cSld>
+    <p:spTree>
+      <p:nvGrpSpPr>
+        <p:cNvPr id="1" name=""/>
+        <p:cNvGrpSpPr/>
+        <p:nvPr/>
+      </p:nvGrpSpPr>
+      <p:grpSpPr>
+        <a:xfrm>
+          <a:off x="0" y="0"/>
+          <a:ext cx="0" cy="0"/>
+          <a:chOff x="0" y="0"/>
+          <a:chExt cx="0" cy="0"/>
+        </a:xfrm>
+      </p:grpSpPr>
+      <p:sp>
+        <p:nvSpPr>
+          <p:cNvPr id="2" name="Tytuł 1">
+            <a:extLst>
+              <a:ext uri="{FF2B5EF4-FFF2-40B4-BE49-F238E27FC236}">
                 <a16:creationId xmlns:a16="http://schemas.microsoft.com/office/drawing/2014/main" id="{12D6D0F4-7E1A-4DAC-9986-212A4F84F659}"/>
               </a:ext>
             </a:extLst>
@@ -7084,7 +11397,7 @@
 </p:sld>
 </file>
 
-<file path=ppt/slides/slide7.xml><?xml version="1.0" encoding="utf-8"?>
+<file path=ppt/slides/slide9.xml><?xml version="1.0" encoding="utf-8"?>
 <p:sld xmlns:a="http://schemas.openxmlformats.org/drawingml/2006/main" xmlns:r="http://schemas.openxmlformats.org/officeDocument/2006/relationships" xmlns:p="http://schemas.openxmlformats.org/presentationml/2006/main">
   <p:cSld>
     <p:bg>
@@ -8018,183 +12331,6 @@
     <p:extLst>
       <p:ext uri="{BB962C8B-B14F-4D97-AF65-F5344CB8AC3E}">
         <p14:creationId xmlns:p14="http://schemas.microsoft.com/office/powerpoint/2010/main" val="3786955862"/>
-      </p:ext>
-    </p:extLst>
-  </p:cSld>
-  <p:clrMapOvr>
-    <a:masterClrMapping/>
-  </p:clrMapOvr>
-</p:sld>
-</file>
-
-<file path=ppt/slides/slide8.xml><?xml version="1.0" encoding="utf-8"?>
-<p:sld xmlns:a="http://schemas.openxmlformats.org/drawingml/2006/main" xmlns:r="http://schemas.openxmlformats.org/officeDocument/2006/relationships" xmlns:p="http://schemas.openxmlformats.org/presentationml/2006/main">
-  <p:cSld>
-    <p:bg>
-      <p:bgPr>
-        <a:gradFill rotWithShape="1">
-          <a:gsLst>
-            <a:gs pos="10000">
-              <a:schemeClr val="bg2">
-                <a:tint val="97000"/>
-                <a:hueMod val="92000"/>
-                <a:satMod val="169000"/>
-                <a:lumMod val="164000"/>
-              </a:schemeClr>
-            </a:gs>
-            <a:gs pos="100000">
-              <a:schemeClr val="bg2">
-                <a:shade val="96000"/>
-                <a:satMod val="120000"/>
-                <a:lumMod val="90000"/>
-              </a:schemeClr>
-            </a:gs>
-          </a:gsLst>
-          <a:lin ang="6120000" scaled="1"/>
-        </a:gradFill>
-        <a:effectLst/>
-      </p:bgPr>
-    </p:bg>
-    <p:spTree>
-      <p:nvGrpSpPr>
-        <p:cNvPr id="1" name=""/>
-        <p:cNvGrpSpPr/>
-        <p:nvPr/>
-      </p:nvGrpSpPr>
-      <p:grpSpPr>
-        <a:xfrm>
-          <a:off x="0" y="0"/>
-          <a:ext cx="0" cy="0"/>
-          <a:chOff x="0" y="0"/>
-          <a:chExt cx="0" cy="0"/>
-        </a:xfrm>
-      </p:grpSpPr>
-      <p:sp>
-        <p:nvSpPr>
-          <p:cNvPr id="2" name="Tytuł 1">
-            <a:extLst>
-              <a:ext uri="{FF2B5EF4-FFF2-40B4-BE49-F238E27FC236}">
-                <a16:creationId xmlns:a16="http://schemas.microsoft.com/office/drawing/2014/main" id="{29F3D93C-C9B5-47D3-A818-66B49571FC34}"/>
-              </a:ext>
-            </a:extLst>
-          </p:cNvPr>
-          <p:cNvSpPr>
-            <a:spLocks noGrp="1"/>
-          </p:cNvSpPr>
-          <p:nvPr>
-            <p:ph type="title"/>
-          </p:nvPr>
-        </p:nvSpPr>
-        <p:spPr>
-          <a:xfrm>
-            <a:off x="684212" y="4487332"/>
-            <a:ext cx="8534400" cy="1507067"/>
-          </a:xfrm>
-        </p:spPr>
-        <p:txBody>
-          <a:bodyPr>
-            <a:normAutofit/>
-          </a:bodyPr>
-          <a:lstStyle/>
-          <a:p>
-            <a:r>
-              <a:rPr lang="pl-PL" dirty="0"/>
-              <a:t>Peer-to-</a:t>
-            </a:r>
-            <a:r>
-              <a:rPr lang="pl-PL" dirty="0" err="1"/>
-              <a:t>peer</a:t>
-            </a:r>
-            <a:endParaRPr lang="pl-PL" dirty="0"/>
-          </a:p>
-        </p:txBody>
-      </p:sp>
-      <p:pic>
-        <p:nvPicPr>
-          <p:cNvPr id="4" name="Obraz 3" descr="Obraz zawierający zegar, znak&#10;&#10;Opis wygenerowany automatycznie">
-            <a:extLst>
-              <a:ext uri="{FF2B5EF4-FFF2-40B4-BE49-F238E27FC236}">
-                <a16:creationId xmlns:a16="http://schemas.microsoft.com/office/drawing/2014/main" id="{DEB1EB37-D919-4347-AF17-D4D8B563F681}"/>
-              </a:ext>
-            </a:extLst>
-          </p:cNvPr>
-          <p:cNvPicPr>
-            <a:picLocks noChangeAspect="1"/>
-          </p:cNvPicPr>
-          <p:nvPr/>
-        </p:nvPicPr>
-        <p:blipFill>
-          <a:blip r:embed="rId3"/>
-          <a:stretch>
-            <a:fillRect/>
-          </a:stretch>
-        </p:blipFill>
-        <p:spPr>
-          <a:xfrm>
-            <a:off x="684212" y="822548"/>
-            <a:ext cx="3193436" cy="3575884"/>
-          </a:xfrm>
-          <a:prstGeom prst="rect">
-            <a:avLst/>
-          </a:prstGeom>
-          <a:effectLst>
-            <a:innerShdw blurRad="57150" dist="38100" dir="14460000">
-              <a:prstClr val="black">
-                <a:alpha val="70000"/>
-              </a:prstClr>
-            </a:innerShdw>
-          </a:effectLst>
-        </p:spPr>
-      </p:pic>
-      <p:sp>
-        <p:nvSpPr>
-          <p:cNvPr id="3" name="Symbol zastępczy zawartości 2">
-            <a:extLst>
-              <a:ext uri="{FF2B5EF4-FFF2-40B4-BE49-F238E27FC236}">
-                <a16:creationId xmlns:a16="http://schemas.microsoft.com/office/drawing/2014/main" id="{3767C678-46A4-4F1B-AACD-8B9059FE9A4C}"/>
-              </a:ext>
-            </a:extLst>
-          </p:cNvPr>
-          <p:cNvSpPr>
-            <a:spLocks noGrp="1"/>
-          </p:cNvSpPr>
-          <p:nvPr>
-            <p:ph idx="1"/>
-          </p:nvPr>
-        </p:nvSpPr>
-        <p:spPr>
-          <a:xfrm>
-            <a:off x="5103991" y="822548"/>
-            <a:ext cx="4419171" cy="3575884"/>
-          </a:xfrm>
-        </p:spPr>
-        <p:txBody>
-          <a:bodyPr>
-            <a:normAutofit/>
-          </a:bodyPr>
-          <a:lstStyle/>
-          <a:p>
-            <a:pPr marL="0" indent="0">
-              <a:buNone/>
-            </a:pPr>
-            <a:r>
-              <a:rPr lang="pl-PL" dirty="0">
-                <a:solidFill>
-                  <a:schemeClr val="tx1"/>
-                </a:solidFill>
-              </a:rPr>
-              <a:t>Technika łączenia serwerów w którym każdy jest serwerem równorzędnym</a:t>
-            </a:r>
-          </a:p>
-          <a:p>
-            <a:endParaRPr lang="pl-PL" dirty="0"/>
-          </a:p>
-        </p:txBody>
-      </p:sp>
-    </p:spTree>
-    <p:extLst>
-      <p:ext uri="{BB962C8B-B14F-4D97-AF65-F5344CB8AC3E}">
-        <p14:creationId xmlns:p14="http://schemas.microsoft.com/office/powerpoint/2010/main" val="4262502946"/>
       </p:ext>
     </p:extLst>
   </p:cSld>
